--- a/documentation/docTravail/seancesTravail/cyber/Role4All_metaModel.pptx
+++ b/documentation/docTravail/seancesTravail/cyber/Role4All_metaModel.pptx
@@ -288,7 +288,7 @@
           <a:p>
             <a:fld id="{C3B5F8B5-E55E-4111-B234-B1BB757BB9B0}" type="datetimeFigureOut">
               <a:rPr lang="en-US" smtClean="0"/>
-              <a:t>3/10/2016</a:t>
+              <a:t>3/11/2016</a:t>
             </a:fld>
             <a:endParaRPr lang="en-US"/>
           </a:p>
@@ -458,7 +458,7 @@
           <a:p>
             <a:fld id="{C3B5F8B5-E55E-4111-B234-B1BB757BB9B0}" type="datetimeFigureOut">
               <a:rPr lang="en-US" smtClean="0"/>
-              <a:t>3/10/2016</a:t>
+              <a:t>3/11/2016</a:t>
             </a:fld>
             <a:endParaRPr lang="en-US"/>
           </a:p>
@@ -638,7 +638,7 @@
           <a:p>
             <a:fld id="{C3B5F8B5-E55E-4111-B234-B1BB757BB9B0}" type="datetimeFigureOut">
               <a:rPr lang="en-US" smtClean="0"/>
-              <a:t>3/10/2016</a:t>
+              <a:t>3/11/2016</a:t>
             </a:fld>
             <a:endParaRPr lang="en-US"/>
           </a:p>
@@ -808,7 +808,7 @@
           <a:p>
             <a:fld id="{C3B5F8B5-E55E-4111-B234-B1BB757BB9B0}" type="datetimeFigureOut">
               <a:rPr lang="en-US" smtClean="0"/>
-              <a:t>3/10/2016</a:t>
+              <a:t>3/11/2016</a:t>
             </a:fld>
             <a:endParaRPr lang="en-US"/>
           </a:p>
@@ -1054,7 +1054,7 @@
           <a:p>
             <a:fld id="{C3B5F8B5-E55E-4111-B234-B1BB757BB9B0}" type="datetimeFigureOut">
               <a:rPr lang="en-US" smtClean="0"/>
-              <a:t>3/10/2016</a:t>
+              <a:t>3/11/2016</a:t>
             </a:fld>
             <a:endParaRPr lang="en-US"/>
           </a:p>
@@ -1342,7 +1342,7 @@
           <a:p>
             <a:fld id="{C3B5F8B5-E55E-4111-B234-B1BB757BB9B0}" type="datetimeFigureOut">
               <a:rPr lang="en-US" smtClean="0"/>
-              <a:t>3/10/2016</a:t>
+              <a:t>3/11/2016</a:t>
             </a:fld>
             <a:endParaRPr lang="en-US"/>
           </a:p>
@@ -1764,7 +1764,7 @@
           <a:p>
             <a:fld id="{C3B5F8B5-E55E-4111-B234-B1BB757BB9B0}" type="datetimeFigureOut">
               <a:rPr lang="en-US" smtClean="0"/>
-              <a:t>3/10/2016</a:t>
+              <a:t>3/11/2016</a:t>
             </a:fld>
             <a:endParaRPr lang="en-US"/>
           </a:p>
@@ -1882,7 +1882,7 @@
           <a:p>
             <a:fld id="{C3B5F8B5-E55E-4111-B234-B1BB757BB9B0}" type="datetimeFigureOut">
               <a:rPr lang="en-US" smtClean="0"/>
-              <a:t>3/10/2016</a:t>
+              <a:t>3/11/2016</a:t>
             </a:fld>
             <a:endParaRPr lang="en-US"/>
           </a:p>
@@ -1977,7 +1977,7 @@
           <a:p>
             <a:fld id="{C3B5F8B5-E55E-4111-B234-B1BB757BB9B0}" type="datetimeFigureOut">
               <a:rPr lang="en-US" smtClean="0"/>
-              <a:t>3/10/2016</a:t>
+              <a:t>3/11/2016</a:t>
             </a:fld>
             <a:endParaRPr lang="en-US"/>
           </a:p>
@@ -2254,7 +2254,7 @@
           <a:p>
             <a:fld id="{C3B5F8B5-E55E-4111-B234-B1BB757BB9B0}" type="datetimeFigureOut">
               <a:rPr lang="en-US" smtClean="0"/>
-              <a:t>3/10/2016</a:t>
+              <a:t>3/11/2016</a:t>
             </a:fld>
             <a:endParaRPr lang="en-US"/>
           </a:p>
@@ -2507,7 +2507,7 @@
           <a:p>
             <a:fld id="{C3B5F8B5-E55E-4111-B234-B1BB757BB9B0}" type="datetimeFigureOut">
               <a:rPr lang="en-US" smtClean="0"/>
-              <a:t>3/10/2016</a:t>
+              <a:t>3/11/2016</a:t>
             </a:fld>
             <a:endParaRPr lang="en-US"/>
           </a:p>
@@ -2720,7 +2720,7 @@
           <a:p>
             <a:fld id="{C3B5F8B5-E55E-4111-B234-B1BB757BB9B0}" type="datetimeFigureOut">
               <a:rPr lang="en-US" smtClean="0"/>
-              <a:t>3/10/2016</a:t>
+              <a:t>3/11/2016</a:t>
             </a:fld>
             <a:endParaRPr lang="en-US"/>
           </a:p>
@@ -3413,7 +3413,7 @@
             <a:pPr algn="ctr"/>
             <a:r>
               <a:rPr lang="en-US" dirty="0" smtClean="0"/>
-              <a:t>ExcelGroup</a:t>
+              <a:t>ExcelGroup0</a:t>
             </a:r>
             <a:endParaRPr lang="en-US" dirty="0"/>
           </a:p>
@@ -3455,7 +3455,7 @@
             <a:pPr algn="ctr"/>
             <a:r>
               <a:rPr lang="en-US" dirty="0" smtClean="0"/>
-              <a:t>PimcaMachinery</a:t>
+              <a:t>PimcaMachinery0</a:t>
             </a:r>
             <a:endParaRPr lang="en-US" dirty="0"/>
           </a:p>
@@ -3621,8 +3621,8 @@
         </p:nvSpPr>
         <p:spPr>
           <a:xfrm>
-            <a:off x="683568" y="2647945"/>
-            <a:ext cx="926600" cy="276999"/>
+            <a:off x="759272" y="2632958"/>
+            <a:ext cx="1473480" cy="276999"/>
           </a:xfrm>
           <a:prstGeom prst="rect">
             <a:avLst/>
@@ -3637,7 +3637,15 @@
           <a:p>
             <a:r>
               <a:rPr lang="en-US" sz="1200" b="1" dirty="0" smtClean="0"/>
-              <a:t>*          roles</a:t>
+              <a:t>* </a:t>
+            </a:r>
+            <a:r>
+              <a:rPr lang="en-US" sz="1200" b="1" dirty="0" smtClean="0"/>
+              <a:t>         </a:t>
+            </a:r>
+            <a:r>
+              <a:rPr lang="en-US" sz="1200" b="1" dirty="0" err="1" smtClean="0"/>
+              <a:t>playRelations</a:t>
             </a:r>
             <a:endParaRPr lang="en-US" sz="1200" b="1" dirty="0"/>
           </a:p>
@@ -4334,6 +4342,13 @@
   <p:clrMapOvr>
     <a:masterClrMapping/>
   </p:clrMapOvr>
+  <p:timing>
+    <p:tnLst>
+      <p:par>
+        <p:cTn id="1" dur="indefinite" restart="never" nodeType="tmRoot"/>
+      </p:par>
+    </p:tnLst>
+  </p:timing>
 </p:sld>
 </file>
 

--- a/documentation/docTravail/seancesTravail/cyber/Role4All_metaModel.pptx
+++ b/documentation/docTravail/seancesTravail/cyber/Role4All_metaModel.pptx
@@ -288,7 +288,7 @@
           <a:p>
             <a:fld id="{C3B5F8B5-E55E-4111-B234-B1BB757BB9B0}" type="datetimeFigureOut">
               <a:rPr lang="en-US" smtClean="0"/>
-              <a:t>3/11/2016</a:t>
+              <a:t>3/21/2016</a:t>
             </a:fld>
             <a:endParaRPr lang="en-US"/>
           </a:p>
@@ -458,7 +458,7 @@
           <a:p>
             <a:fld id="{C3B5F8B5-E55E-4111-B234-B1BB757BB9B0}" type="datetimeFigureOut">
               <a:rPr lang="en-US" smtClean="0"/>
-              <a:t>3/11/2016</a:t>
+              <a:t>3/21/2016</a:t>
             </a:fld>
             <a:endParaRPr lang="en-US"/>
           </a:p>
@@ -638,7 +638,7 @@
           <a:p>
             <a:fld id="{C3B5F8B5-E55E-4111-B234-B1BB757BB9B0}" type="datetimeFigureOut">
               <a:rPr lang="en-US" smtClean="0"/>
-              <a:t>3/11/2016</a:t>
+              <a:t>3/21/2016</a:t>
             </a:fld>
             <a:endParaRPr lang="en-US"/>
           </a:p>
@@ -808,7 +808,7 @@
           <a:p>
             <a:fld id="{C3B5F8B5-E55E-4111-B234-B1BB757BB9B0}" type="datetimeFigureOut">
               <a:rPr lang="en-US" smtClean="0"/>
-              <a:t>3/11/2016</a:t>
+              <a:t>3/21/2016</a:t>
             </a:fld>
             <a:endParaRPr lang="en-US"/>
           </a:p>
@@ -1054,7 +1054,7 @@
           <a:p>
             <a:fld id="{C3B5F8B5-E55E-4111-B234-B1BB757BB9B0}" type="datetimeFigureOut">
               <a:rPr lang="en-US" smtClean="0"/>
-              <a:t>3/11/2016</a:t>
+              <a:t>3/21/2016</a:t>
             </a:fld>
             <a:endParaRPr lang="en-US"/>
           </a:p>
@@ -1342,7 +1342,7 @@
           <a:p>
             <a:fld id="{C3B5F8B5-E55E-4111-B234-B1BB757BB9B0}" type="datetimeFigureOut">
               <a:rPr lang="en-US" smtClean="0"/>
-              <a:t>3/11/2016</a:t>
+              <a:t>3/21/2016</a:t>
             </a:fld>
             <a:endParaRPr lang="en-US"/>
           </a:p>
@@ -1764,7 +1764,7 @@
           <a:p>
             <a:fld id="{C3B5F8B5-E55E-4111-B234-B1BB757BB9B0}" type="datetimeFigureOut">
               <a:rPr lang="en-US" smtClean="0"/>
-              <a:t>3/11/2016</a:t>
+              <a:t>3/21/2016</a:t>
             </a:fld>
             <a:endParaRPr lang="en-US"/>
           </a:p>
@@ -1882,7 +1882,7 @@
           <a:p>
             <a:fld id="{C3B5F8B5-E55E-4111-B234-B1BB757BB9B0}" type="datetimeFigureOut">
               <a:rPr lang="en-US" smtClean="0"/>
-              <a:t>3/11/2016</a:t>
+              <a:t>3/21/2016</a:t>
             </a:fld>
             <a:endParaRPr lang="en-US"/>
           </a:p>
@@ -1977,7 +1977,7 @@
           <a:p>
             <a:fld id="{C3B5F8B5-E55E-4111-B234-B1BB757BB9B0}" type="datetimeFigureOut">
               <a:rPr lang="en-US" smtClean="0"/>
-              <a:t>3/11/2016</a:t>
+              <a:t>3/21/2016</a:t>
             </a:fld>
             <a:endParaRPr lang="en-US"/>
           </a:p>
@@ -2254,7 +2254,7 @@
           <a:p>
             <a:fld id="{C3B5F8B5-E55E-4111-B234-B1BB757BB9B0}" type="datetimeFigureOut">
               <a:rPr lang="en-US" smtClean="0"/>
-              <a:t>3/11/2016</a:t>
+              <a:t>3/21/2016</a:t>
             </a:fld>
             <a:endParaRPr lang="en-US"/>
           </a:p>
@@ -2507,7 +2507,7 @@
           <a:p>
             <a:fld id="{C3B5F8B5-E55E-4111-B234-B1BB757BB9B0}" type="datetimeFigureOut">
               <a:rPr lang="en-US" smtClean="0"/>
-              <a:t>3/11/2016</a:t>
+              <a:t>3/21/2016</a:t>
             </a:fld>
             <a:endParaRPr lang="en-US"/>
           </a:p>
@@ -2720,7 +2720,7 @@
           <a:p>
             <a:fld id="{C3B5F8B5-E55E-4111-B234-B1BB757BB9B0}" type="datetimeFigureOut">
               <a:rPr lang="en-US" smtClean="0"/>
-              <a:t>3/11/2016</a:t>
+              <a:t>3/21/2016</a:t>
             </a:fld>
             <a:endParaRPr lang="en-US"/>
           </a:p>
@@ -3229,7 +3229,7 @@
         </p:nvSpPr>
         <p:spPr>
           <a:xfrm>
-            <a:off x="2879799" y="836712"/>
+            <a:off x="1115616" y="836712"/>
             <a:ext cx="1789769" cy="432048"/>
           </a:xfrm>
           <a:prstGeom prst="rect">
@@ -3385,7 +3385,7 @@
         </p:nvSpPr>
         <p:spPr>
           <a:xfrm>
-            <a:off x="5957807" y="1218385"/>
+            <a:off x="3707904" y="1218385"/>
             <a:ext cx="1871866" cy="432048"/>
           </a:xfrm>
           <a:prstGeom prst="rect">
@@ -3412,8 +3412,8 @@
           <a:p>
             <a:pPr algn="ctr"/>
             <a:r>
-              <a:rPr lang="en-US" dirty="0" smtClean="0"/>
-              <a:t>ExcelGroup0</a:t>
+              <a:rPr lang="en-US" dirty="0" err="1" smtClean="0"/>
+              <a:t>ExcelGroup</a:t>
             </a:r>
             <a:endParaRPr lang="en-US" dirty="0"/>
           </a:p>
@@ -3427,7 +3427,7 @@
         </p:nvSpPr>
         <p:spPr>
           <a:xfrm>
-            <a:off x="5980045" y="332656"/>
+            <a:off x="3707904" y="332656"/>
             <a:ext cx="1871866" cy="432048"/>
           </a:xfrm>
           <a:prstGeom prst="rect">
@@ -3455,7 +3455,7 @@
             <a:pPr algn="ctr"/>
             <a:r>
               <a:rPr lang="en-US" dirty="0" smtClean="0"/>
-              <a:t>PimcaMachinery0</a:t>
+              <a:t>PimcaMachinery</a:t>
             </a:r>
             <a:endParaRPr lang="en-US" dirty="0"/>
           </a:p>
@@ -3557,7 +3557,7 @@
         <p:spPr>
           <a:xfrm flipH="1">
             <a:off x="905794" y="1268760"/>
-            <a:ext cx="2868890" cy="1637217"/>
+            <a:ext cx="1104707" cy="1637217"/>
           </a:xfrm>
           <a:prstGeom prst="line">
             <a:avLst/>
@@ -3591,7 +3591,7 @@
         </p:nvSpPr>
         <p:spPr>
           <a:xfrm>
-            <a:off x="2987824" y="1268760"/>
+            <a:off x="1403648" y="1268760"/>
             <a:ext cx="1209305" cy="276999"/>
           </a:xfrm>
           <a:prstGeom prst="rect">
@@ -3637,11 +3637,7 @@
           <a:p>
             <a:r>
               <a:rPr lang="en-US" sz="1200" b="1" dirty="0" smtClean="0"/>
-              <a:t>* </a:t>
-            </a:r>
-            <a:r>
-              <a:rPr lang="en-US" sz="1200" b="1" dirty="0" smtClean="0"/>
-              <a:t>         </a:t>
+              <a:t>*          </a:t>
             </a:r>
             <a:r>
               <a:rPr lang="en-US" sz="1200" b="1" dirty="0" err="1" smtClean="0"/>
@@ -3841,7 +3837,7 @@
         </p:nvCxnSpPr>
         <p:spPr>
           <a:xfrm flipV="1">
-            <a:off x="4289441" y="1095291"/>
+            <a:off x="6264672" y="1662482"/>
             <a:ext cx="1483322" cy="369332"/>
           </a:xfrm>
           <a:prstGeom prst="straightConnector1">
@@ -3972,9 +3968,9 @@
           <p:nvPr/>
         </p:nvSpPr>
         <p:spPr>
-          <a:xfrm rot="25980000">
-            <a:off x="5245856" y="121750"/>
-            <a:ext cx="159798" cy="1322496"/>
+          <a:xfrm rot="25080000">
+            <a:off x="3236527" y="291579"/>
+            <a:ext cx="148009" cy="957017"/>
           </a:xfrm>
           <a:prstGeom prst="downArrow">
             <a:avLst>
@@ -4016,14 +4012,14 @@
       </p:sp>
       <p:sp>
         <p:nvSpPr>
-          <p:cNvPr id="27" name="Flèche vers le bas 26"/>
+          <p:cNvPr id="28" name="Flèche vers le bas 27"/>
           <p:cNvSpPr/>
           <p:nvPr/>
         </p:nvSpPr>
         <p:spPr>
-          <a:xfrm rot="6300000">
-            <a:off x="5229088" y="614517"/>
-            <a:ext cx="155458" cy="1306253"/>
+          <a:xfrm rot="5400000">
+            <a:off x="5260925" y="4446716"/>
+            <a:ext cx="155459" cy="1265494"/>
           </a:xfrm>
           <a:prstGeom prst="downArrow">
             <a:avLst>
@@ -4065,14 +4061,14 @@
       </p:sp>
       <p:sp>
         <p:nvSpPr>
-          <p:cNvPr id="28" name="Flèche vers le bas 27"/>
+          <p:cNvPr id="29" name="Flèche vers le bas 28"/>
           <p:cNvSpPr/>
           <p:nvPr/>
         </p:nvSpPr>
         <p:spPr>
-          <a:xfrm rot="5400000">
-            <a:off x="5260925" y="4446716"/>
-            <a:ext cx="155459" cy="1265494"/>
+          <a:xfrm rot="-5400000">
+            <a:off x="470622" y="4909810"/>
+            <a:ext cx="155460" cy="720080"/>
           </a:xfrm>
           <a:prstGeom prst="downArrow">
             <a:avLst>
@@ -4112,55 +4108,6 @@
           </a:p>
         </p:txBody>
       </p:sp>
-      <p:sp>
-        <p:nvSpPr>
-          <p:cNvPr id="29" name="Flèche vers le bas 28"/>
-          <p:cNvSpPr/>
-          <p:nvPr/>
-        </p:nvSpPr>
-        <p:spPr>
-          <a:xfrm rot="-5400000">
-            <a:off x="470622" y="4593424"/>
-            <a:ext cx="155460" cy="720080"/>
-          </a:xfrm>
-          <a:prstGeom prst="downArrow">
-            <a:avLst>
-              <a:gd name="adj1" fmla="val 0"/>
-              <a:gd name="adj2" fmla="val 79181"/>
-            </a:avLst>
-          </a:prstGeom>
-          <a:noFill/>
-          <a:ln>
-            <a:solidFill>
-              <a:schemeClr val="tx1"/>
-            </a:solidFill>
-          </a:ln>
-        </p:spPr>
-        <p:style>
-          <a:lnRef idx="2">
-            <a:schemeClr val="accent1">
-              <a:shade val="50000"/>
-            </a:schemeClr>
-          </a:lnRef>
-          <a:fillRef idx="1">
-            <a:schemeClr val="accent1"/>
-          </a:fillRef>
-          <a:effectRef idx="0">
-            <a:schemeClr val="accent1"/>
-          </a:effectRef>
-          <a:fontRef idx="minor">
-            <a:schemeClr val="lt1"/>
-          </a:fontRef>
-        </p:style>
-        <p:txBody>
-          <a:bodyPr rtlCol="0" anchor="ctr"/>
-          <a:lstStyle/>
-          <a:p>
-            <a:pPr algn="ctr"/>
-            <a:endParaRPr lang="en-US"/>
-          </a:p>
-        </p:txBody>
-      </p:sp>
       <p:cxnSp>
         <p:nvCxnSpPr>
           <p:cNvPr id="30" name="Connecteur droit 29"/>
@@ -4169,7 +4116,7 @@
         </p:nvCxnSpPr>
         <p:spPr>
           <a:xfrm>
-            <a:off x="189300" y="5339847"/>
+            <a:off x="189300" y="5656233"/>
             <a:ext cx="719092" cy="0"/>
           </a:xfrm>
           <a:prstGeom prst="line">
@@ -4205,7 +4152,7 @@
         </p:nvCxnSpPr>
         <p:spPr>
           <a:xfrm flipH="1">
-            <a:off x="201254" y="5723964"/>
+            <a:off x="201254" y="6040350"/>
             <a:ext cx="694197" cy="1"/>
           </a:xfrm>
           <a:prstGeom prst="line">
@@ -4240,7 +4187,7 @@
         </p:nvSpPr>
         <p:spPr>
           <a:xfrm>
-            <a:off x="1005811" y="4768798"/>
+            <a:off x="1005811" y="5085184"/>
             <a:ext cx="1572354" cy="369332"/>
           </a:xfrm>
           <a:prstGeom prst="rect">
@@ -4269,7 +4216,7 @@
         </p:nvSpPr>
         <p:spPr>
           <a:xfrm>
-            <a:off x="1005811" y="5159208"/>
+            <a:off x="1005811" y="5475594"/>
             <a:ext cx="1277401" cy="369332"/>
           </a:xfrm>
           <a:prstGeom prst="rect">
@@ -4298,7 +4245,7 @@
         </p:nvSpPr>
         <p:spPr>
           <a:xfrm>
-            <a:off x="998665" y="5507940"/>
+            <a:off x="998665" y="5824326"/>
             <a:ext cx="1900520" cy="369332"/>
           </a:xfrm>
           <a:prstGeom prst="rect">
@@ -4329,6 +4276,368 @@
               <a:t>Association</a:t>
             </a:r>
             <a:endParaRPr lang="en-US" dirty="0"/>
+          </a:p>
+        </p:txBody>
+      </p:sp>
+      <p:sp>
+        <p:nvSpPr>
+          <p:cNvPr id="3" name="Ellipse 2"/>
+          <p:cNvSpPr/>
+          <p:nvPr/>
+        </p:nvSpPr>
+        <p:spPr>
+          <a:xfrm>
+            <a:off x="6804248" y="260648"/>
+            <a:ext cx="2127783" cy="576064"/>
+          </a:xfrm>
+          <a:prstGeom prst="ellipse">
+            <a:avLst/>
+          </a:prstGeom>
+        </p:spPr>
+        <p:style>
+          <a:lnRef idx="2">
+            <a:schemeClr val="dk1"/>
+          </a:lnRef>
+          <a:fillRef idx="1">
+            <a:schemeClr val="lt1"/>
+          </a:fillRef>
+          <a:effectRef idx="0">
+            <a:schemeClr val="dk1"/>
+          </a:effectRef>
+          <a:fontRef idx="minor">
+            <a:schemeClr val="dk1"/>
+          </a:fontRef>
+        </p:style>
+        <p:txBody>
+          <a:bodyPr wrap="none" lIns="0" rIns="0" rtlCol="0" anchor="ctr"/>
+          <a:lstStyle/>
+          <a:p>
+            <a:pPr algn="ctr"/>
+            <a:r>
+              <a:rPr lang="en-US" dirty="0"/>
+              <a:t>p</a:t>
+            </a:r>
+            <a:r>
+              <a:rPr lang="en-US" dirty="0" smtClean="0"/>
+              <a:t>imcaMachinery0</a:t>
+            </a:r>
+            <a:endParaRPr lang="en-US" dirty="0">
+              <a:solidFill>
+                <a:schemeClr val="dk1"/>
+              </a:solidFill>
+            </a:endParaRPr>
+          </a:p>
+        </p:txBody>
+      </p:sp>
+      <p:sp>
+        <p:nvSpPr>
+          <p:cNvPr id="35" name="Ellipse 34"/>
+          <p:cNvSpPr/>
+          <p:nvPr/>
+        </p:nvSpPr>
+        <p:spPr>
+          <a:xfrm>
+            <a:off x="6845576" y="1146377"/>
+            <a:ext cx="2127783" cy="576064"/>
+          </a:xfrm>
+          <a:prstGeom prst="ellipse">
+            <a:avLst/>
+          </a:prstGeom>
+        </p:spPr>
+        <p:style>
+          <a:lnRef idx="2">
+            <a:schemeClr val="dk1"/>
+          </a:lnRef>
+          <a:fillRef idx="1">
+            <a:schemeClr val="lt1"/>
+          </a:fillRef>
+          <a:effectRef idx="0">
+            <a:schemeClr val="dk1"/>
+          </a:effectRef>
+          <a:fontRef idx="minor">
+            <a:schemeClr val="dk1"/>
+          </a:fontRef>
+        </p:style>
+        <p:txBody>
+          <a:bodyPr wrap="none" lIns="0" rIns="0" rtlCol="0" anchor="ctr"/>
+          <a:lstStyle/>
+          <a:p>
+            <a:pPr algn="ctr"/>
+            <a:r>
+              <a:rPr lang="en-US" dirty="0"/>
+              <a:t>e</a:t>
+            </a:r>
+            <a:r>
+              <a:rPr lang="en-US" smtClean="0"/>
+              <a:t>xcelGroup0</a:t>
+            </a:r>
+            <a:endParaRPr lang="en-US" dirty="0">
+              <a:solidFill>
+                <a:schemeClr val="dk1"/>
+              </a:solidFill>
+            </a:endParaRPr>
+          </a:p>
+        </p:txBody>
+      </p:sp>
+      <p:sp>
+        <p:nvSpPr>
+          <p:cNvPr id="36" name="Flèche vers le bas 35"/>
+          <p:cNvSpPr/>
+          <p:nvPr/>
+        </p:nvSpPr>
+        <p:spPr>
+          <a:xfrm rot="28440000">
+            <a:off x="3247913" y="867806"/>
+            <a:ext cx="148009" cy="883434"/>
+          </a:xfrm>
+          <a:prstGeom prst="downArrow">
+            <a:avLst>
+              <a:gd name="adj1" fmla="val 0"/>
+              <a:gd name="adj2" fmla="val 79181"/>
+            </a:avLst>
+          </a:prstGeom>
+          <a:noFill/>
+          <a:ln>
+            <a:solidFill>
+              <a:schemeClr val="tx1"/>
+            </a:solidFill>
+          </a:ln>
+        </p:spPr>
+        <p:style>
+          <a:lnRef idx="2">
+            <a:schemeClr val="accent1">
+              <a:shade val="50000"/>
+            </a:schemeClr>
+          </a:lnRef>
+          <a:fillRef idx="1">
+            <a:schemeClr val="accent1"/>
+          </a:fillRef>
+          <a:effectRef idx="0">
+            <a:schemeClr val="accent1"/>
+          </a:effectRef>
+          <a:fontRef idx="minor">
+            <a:schemeClr val="lt1"/>
+          </a:fontRef>
+        </p:style>
+        <p:txBody>
+          <a:bodyPr rtlCol="0" anchor="ctr"/>
+          <a:lstStyle/>
+          <a:p>
+            <a:pPr algn="ctr"/>
+            <a:endParaRPr lang="en-US"/>
+          </a:p>
+        </p:txBody>
+      </p:sp>
+      <p:cxnSp>
+        <p:nvCxnSpPr>
+          <p:cNvPr id="38" name="Connecteur droit avec flèche 37"/>
+          <p:cNvCxnSpPr>
+            <a:stCxn id="3" idx="2"/>
+            <a:endCxn id="12" idx="3"/>
+          </p:cNvCxnSpPr>
+          <p:nvPr/>
+        </p:nvCxnSpPr>
+        <p:spPr>
+          <a:xfrm flipH="1">
+            <a:off x="5579770" y="548680"/>
+            <a:ext cx="1224478" cy="0"/>
+          </a:xfrm>
+          <a:prstGeom prst="straightConnector1">
+            <a:avLst/>
+          </a:prstGeom>
+          <a:ln w="22225">
+            <a:solidFill>
+              <a:schemeClr val="tx1"/>
+            </a:solidFill>
+            <a:prstDash val="sysDot"/>
+            <a:tailEnd type="arrow"/>
+          </a:ln>
+        </p:spPr>
+        <p:style>
+          <a:lnRef idx="1">
+            <a:schemeClr val="accent1"/>
+          </a:lnRef>
+          <a:fillRef idx="0">
+            <a:schemeClr val="accent1"/>
+          </a:fillRef>
+          <a:effectRef idx="0">
+            <a:schemeClr val="accent1"/>
+          </a:effectRef>
+          <a:fontRef idx="minor">
+            <a:schemeClr val="tx1"/>
+          </a:fontRef>
+        </p:style>
+      </p:cxnSp>
+      <p:cxnSp>
+        <p:nvCxnSpPr>
+          <p:cNvPr id="40" name="Connecteur droit avec flèche 39"/>
+          <p:cNvCxnSpPr>
+            <a:stCxn id="35" idx="2"/>
+            <a:endCxn id="11" idx="3"/>
+          </p:cNvCxnSpPr>
+          <p:nvPr/>
+        </p:nvCxnSpPr>
+        <p:spPr>
+          <a:xfrm flipH="1">
+            <a:off x="5579770" y="1434409"/>
+            <a:ext cx="1265806" cy="0"/>
+          </a:xfrm>
+          <a:prstGeom prst="straightConnector1">
+            <a:avLst/>
+          </a:prstGeom>
+          <a:ln w="22225">
+            <a:solidFill>
+              <a:schemeClr val="tx1"/>
+            </a:solidFill>
+            <a:prstDash val="sysDot"/>
+            <a:tailEnd type="arrow"/>
+          </a:ln>
+        </p:spPr>
+        <p:style>
+          <a:lnRef idx="1">
+            <a:schemeClr val="accent1"/>
+          </a:lnRef>
+          <a:fillRef idx="0">
+            <a:schemeClr val="accent1"/>
+          </a:fillRef>
+          <a:effectRef idx="0">
+            <a:schemeClr val="accent1"/>
+          </a:effectRef>
+          <a:fontRef idx="minor">
+            <a:schemeClr val="tx1"/>
+          </a:fontRef>
+        </p:style>
+      </p:cxnSp>
+      <p:cxnSp>
+        <p:nvCxnSpPr>
+          <p:cNvPr id="42" name="Connecteur droit avec flèche 41"/>
+          <p:cNvCxnSpPr/>
+          <p:nvPr/>
+        </p:nvCxnSpPr>
+        <p:spPr>
+          <a:xfrm>
+            <a:off x="201254" y="6381290"/>
+            <a:ext cx="707138" cy="0"/>
+          </a:xfrm>
+          <a:prstGeom prst="straightConnector1">
+            <a:avLst/>
+          </a:prstGeom>
+          <a:ln w="22225">
+            <a:solidFill>
+              <a:schemeClr val="tx1"/>
+            </a:solidFill>
+            <a:prstDash val="sysDot"/>
+            <a:tailEnd type="arrow"/>
+          </a:ln>
+        </p:spPr>
+        <p:style>
+          <a:lnRef idx="1">
+            <a:schemeClr val="accent1"/>
+          </a:lnRef>
+          <a:fillRef idx="0">
+            <a:schemeClr val="accent1"/>
+          </a:fillRef>
+          <a:effectRef idx="0">
+            <a:schemeClr val="accent1"/>
+          </a:effectRef>
+          <a:fontRef idx="minor">
+            <a:schemeClr val="tx1"/>
+          </a:fontRef>
+        </p:style>
+      </p:cxnSp>
+      <p:sp>
+        <p:nvSpPr>
+          <p:cNvPr id="45" name="ZoneTexte 44"/>
+          <p:cNvSpPr txBox="1"/>
+          <p:nvPr/>
+        </p:nvSpPr>
+        <p:spPr>
+          <a:xfrm>
+            <a:off x="987768" y="6165304"/>
+            <a:ext cx="1216423" cy="369332"/>
+          </a:xfrm>
+          <a:prstGeom prst="rect">
+            <a:avLst/>
+          </a:prstGeom>
+          <a:noFill/>
+        </p:spPr>
+        <p:txBody>
+          <a:bodyPr wrap="none" rtlCol="0">
+            <a:spAutoFit/>
+          </a:bodyPr>
+          <a:lstStyle/>
+          <a:p>
+            <a:r>
+              <a:rPr lang="en-US" dirty="0" smtClean="0"/>
+              <a:t>Instance of</a:t>
+            </a:r>
+            <a:endParaRPr lang="en-US" dirty="0"/>
+          </a:p>
+        </p:txBody>
+      </p:sp>
+      <p:sp>
+        <p:nvSpPr>
+          <p:cNvPr id="46" name="Ellipse 45"/>
+          <p:cNvSpPr/>
+          <p:nvPr/>
+        </p:nvSpPr>
+        <p:spPr>
+          <a:xfrm>
+            <a:off x="151621" y="4797152"/>
+            <a:ext cx="775860" cy="288032"/>
+          </a:xfrm>
+          <a:prstGeom prst="ellipse">
+            <a:avLst/>
+          </a:prstGeom>
+        </p:spPr>
+        <p:style>
+          <a:lnRef idx="2">
+            <a:schemeClr val="dk1"/>
+          </a:lnRef>
+          <a:fillRef idx="1">
+            <a:schemeClr val="lt1"/>
+          </a:fillRef>
+          <a:effectRef idx="0">
+            <a:schemeClr val="dk1"/>
+          </a:effectRef>
+          <a:fontRef idx="minor">
+            <a:schemeClr val="dk1"/>
+          </a:fontRef>
+        </p:style>
+        <p:txBody>
+          <a:bodyPr rtlCol="0" anchor="ctr"/>
+          <a:lstStyle/>
+          <a:p>
+            <a:pPr algn="ctr"/>
+            <a:endParaRPr lang="en-US" dirty="0"/>
+          </a:p>
+        </p:txBody>
+      </p:sp>
+      <p:sp>
+        <p:nvSpPr>
+          <p:cNvPr id="47" name="Rectangle 46"/>
+          <p:cNvSpPr/>
+          <p:nvPr/>
+        </p:nvSpPr>
+        <p:spPr>
+          <a:xfrm>
+            <a:off x="1013947" y="4751788"/>
+            <a:ext cx="1024063" cy="369332"/>
+          </a:xfrm>
+          <a:prstGeom prst="rect">
+            <a:avLst/>
+          </a:prstGeom>
+        </p:spPr>
+        <p:txBody>
+          <a:bodyPr wrap="none">
+            <a:spAutoFit/>
+          </a:bodyPr>
+          <a:lstStyle/>
+          <a:p>
+            <a:r>
+              <a:rPr lang="en-US" dirty="0"/>
+              <a:t>Instance </a:t>
+            </a:r>
           </a:p>
         </p:txBody>
       </p:sp>

--- a/documentation/docTravail/seancesTravail/cyber/Role4All_metaModel.pptx
+++ b/documentation/docTravail/seancesTravail/cyber/Role4All_metaModel.pptx
@@ -7,13 +7,13 @@
   <p:sldIdLst>
     <p:sldId id="256" r:id="rId2"/>
   </p:sldIdLst>
-  <p:sldSz cx="9144000" cy="6858000" type="screen4x3"/>
+  <p:sldSz cx="9144000" cy="5143500" type="screen16x9"/>
   <p:notesSz cx="6858000" cy="9144000"/>
   <p:defaultTextStyle>
     <a:defPPr>
       <a:defRPr lang="en-US"/>
     </a:defPPr>
-    <a:lvl1pPr marL="0" algn="l" defTabSz="914400" rtl="0" eaLnBrk="1" latinLnBrk="0" hangingPunct="1">
+    <a:lvl1pPr marL="0" algn="l" defTabSz="914144" rtl="0" eaLnBrk="1" latinLnBrk="0" hangingPunct="1">
       <a:defRPr sz="1800" kern="1200">
         <a:solidFill>
           <a:schemeClr val="tx1"/>
@@ -23,7 +23,7 @@
         <a:cs typeface="+mn-cs"/>
       </a:defRPr>
     </a:lvl1pPr>
-    <a:lvl2pPr marL="457200" algn="l" defTabSz="914400" rtl="0" eaLnBrk="1" latinLnBrk="0" hangingPunct="1">
+    <a:lvl2pPr marL="457072" algn="l" defTabSz="914144" rtl="0" eaLnBrk="1" latinLnBrk="0" hangingPunct="1">
       <a:defRPr sz="1800" kern="1200">
         <a:solidFill>
           <a:schemeClr val="tx1"/>
@@ -33,7 +33,7 @@
         <a:cs typeface="+mn-cs"/>
       </a:defRPr>
     </a:lvl2pPr>
-    <a:lvl3pPr marL="914400" algn="l" defTabSz="914400" rtl="0" eaLnBrk="1" latinLnBrk="0" hangingPunct="1">
+    <a:lvl3pPr marL="914144" algn="l" defTabSz="914144" rtl="0" eaLnBrk="1" latinLnBrk="0" hangingPunct="1">
       <a:defRPr sz="1800" kern="1200">
         <a:solidFill>
           <a:schemeClr val="tx1"/>
@@ -43,7 +43,7 @@
         <a:cs typeface="+mn-cs"/>
       </a:defRPr>
     </a:lvl3pPr>
-    <a:lvl4pPr marL="1371600" algn="l" defTabSz="914400" rtl="0" eaLnBrk="1" latinLnBrk="0" hangingPunct="1">
+    <a:lvl4pPr marL="1371216" algn="l" defTabSz="914144" rtl="0" eaLnBrk="1" latinLnBrk="0" hangingPunct="1">
       <a:defRPr sz="1800" kern="1200">
         <a:solidFill>
           <a:schemeClr val="tx1"/>
@@ -53,7 +53,7 @@
         <a:cs typeface="+mn-cs"/>
       </a:defRPr>
     </a:lvl4pPr>
-    <a:lvl5pPr marL="1828800" algn="l" defTabSz="914400" rtl="0" eaLnBrk="1" latinLnBrk="0" hangingPunct="1">
+    <a:lvl5pPr marL="1828289" algn="l" defTabSz="914144" rtl="0" eaLnBrk="1" latinLnBrk="0" hangingPunct="1">
       <a:defRPr sz="1800" kern="1200">
         <a:solidFill>
           <a:schemeClr val="tx1"/>
@@ -63,7 +63,7 @@
         <a:cs typeface="+mn-cs"/>
       </a:defRPr>
     </a:lvl5pPr>
-    <a:lvl6pPr marL="2286000" algn="l" defTabSz="914400" rtl="0" eaLnBrk="1" latinLnBrk="0" hangingPunct="1">
+    <a:lvl6pPr marL="2285361" algn="l" defTabSz="914144" rtl="0" eaLnBrk="1" latinLnBrk="0" hangingPunct="1">
       <a:defRPr sz="1800" kern="1200">
         <a:solidFill>
           <a:schemeClr val="tx1"/>
@@ -73,7 +73,7 @@
         <a:cs typeface="+mn-cs"/>
       </a:defRPr>
     </a:lvl6pPr>
-    <a:lvl7pPr marL="2743200" algn="l" defTabSz="914400" rtl="0" eaLnBrk="1" latinLnBrk="0" hangingPunct="1">
+    <a:lvl7pPr marL="2742433" algn="l" defTabSz="914144" rtl="0" eaLnBrk="1" latinLnBrk="0" hangingPunct="1">
       <a:defRPr sz="1800" kern="1200">
         <a:solidFill>
           <a:schemeClr val="tx1"/>
@@ -83,7 +83,7 @@
         <a:cs typeface="+mn-cs"/>
       </a:defRPr>
     </a:lvl7pPr>
-    <a:lvl8pPr marL="3200400" algn="l" defTabSz="914400" rtl="0" eaLnBrk="1" latinLnBrk="0" hangingPunct="1">
+    <a:lvl8pPr marL="3199505" algn="l" defTabSz="914144" rtl="0" eaLnBrk="1" latinLnBrk="0" hangingPunct="1">
       <a:defRPr sz="1800" kern="1200">
         <a:solidFill>
           <a:schemeClr val="tx1"/>
@@ -93,7 +93,7 @@
         <a:cs typeface="+mn-cs"/>
       </a:defRPr>
     </a:lvl8pPr>
-    <a:lvl9pPr marL="3657600" algn="l" defTabSz="914400" rtl="0" eaLnBrk="1" latinLnBrk="0" hangingPunct="1">
+    <a:lvl9pPr marL="3656577" algn="l" defTabSz="914144" rtl="0" eaLnBrk="1" latinLnBrk="0" hangingPunct="1">
       <a:defRPr sz="1800" kern="1200">
         <a:solidFill>
           <a:schemeClr val="tx1"/>
@@ -136,8 +136,8 @@
         </p:nvSpPr>
         <p:spPr>
           <a:xfrm>
-            <a:off x="685800" y="2130425"/>
-            <a:ext cx="7772400" cy="1470025"/>
+            <a:off x="685800" y="1597823"/>
+            <a:ext cx="7772400" cy="1102519"/>
           </a:xfrm>
         </p:spPr>
         <p:txBody>
@@ -164,8 +164,8 @@
         </p:nvSpPr>
         <p:spPr>
           <a:xfrm>
-            <a:off x="1371600" y="3886200"/>
-            <a:ext cx="6400800" cy="1752600"/>
+            <a:off x="1371600" y="2914650"/>
+            <a:ext cx="6400800" cy="1314450"/>
           </a:xfrm>
         </p:spPr>
         <p:txBody>
@@ -181,7 +181,7 @@
                 </a:solidFill>
               </a:defRPr>
             </a:lvl1pPr>
-            <a:lvl2pPr marL="457200" indent="0" algn="ctr">
+            <a:lvl2pPr marL="457072" indent="0" algn="ctr">
               <a:buNone/>
               <a:defRPr>
                 <a:solidFill>
@@ -191,7 +191,7 @@
                 </a:solidFill>
               </a:defRPr>
             </a:lvl2pPr>
-            <a:lvl3pPr marL="914400" indent="0" algn="ctr">
+            <a:lvl3pPr marL="914144" indent="0" algn="ctr">
               <a:buNone/>
               <a:defRPr>
                 <a:solidFill>
@@ -201,7 +201,7 @@
                 </a:solidFill>
               </a:defRPr>
             </a:lvl3pPr>
-            <a:lvl4pPr marL="1371600" indent="0" algn="ctr">
+            <a:lvl4pPr marL="1371216" indent="0" algn="ctr">
               <a:buNone/>
               <a:defRPr>
                 <a:solidFill>
@@ -211,7 +211,7 @@
                 </a:solidFill>
               </a:defRPr>
             </a:lvl4pPr>
-            <a:lvl5pPr marL="1828800" indent="0" algn="ctr">
+            <a:lvl5pPr marL="1828289" indent="0" algn="ctr">
               <a:buNone/>
               <a:defRPr>
                 <a:solidFill>
@@ -221,7 +221,7 @@
                 </a:solidFill>
               </a:defRPr>
             </a:lvl5pPr>
-            <a:lvl6pPr marL="2286000" indent="0" algn="ctr">
+            <a:lvl6pPr marL="2285361" indent="0" algn="ctr">
               <a:buNone/>
               <a:defRPr>
                 <a:solidFill>
@@ -231,7 +231,7 @@
                 </a:solidFill>
               </a:defRPr>
             </a:lvl6pPr>
-            <a:lvl7pPr marL="2743200" indent="0" algn="ctr">
+            <a:lvl7pPr marL="2742433" indent="0" algn="ctr">
               <a:buNone/>
               <a:defRPr>
                 <a:solidFill>
@@ -241,7 +241,7 @@
                 </a:solidFill>
               </a:defRPr>
             </a:lvl7pPr>
-            <a:lvl8pPr marL="3200400" indent="0" algn="ctr">
+            <a:lvl8pPr marL="3199505" indent="0" algn="ctr">
               <a:buNone/>
               <a:defRPr>
                 <a:solidFill>
@@ -251,7 +251,7 @@
                 </a:solidFill>
               </a:defRPr>
             </a:lvl8pPr>
-            <a:lvl9pPr marL="3657600" indent="0" algn="ctr">
+            <a:lvl9pPr marL="3656577" indent="0" algn="ctr">
               <a:buNone/>
               <a:defRPr>
                 <a:solidFill>
@@ -288,7 +288,7 @@
           <a:p>
             <a:fld id="{C3B5F8B5-E55E-4111-B234-B1BB757BB9B0}" type="datetimeFigureOut">
               <a:rPr lang="en-US" smtClean="0"/>
-              <a:t>3/21/2016</a:t>
+              <a:t>4/8/2016</a:t>
             </a:fld>
             <a:endParaRPr lang="en-US"/>
           </a:p>
@@ -458,7 +458,7 @@
           <a:p>
             <a:fld id="{C3B5F8B5-E55E-4111-B234-B1BB757BB9B0}" type="datetimeFigureOut">
               <a:rPr lang="en-US" smtClean="0"/>
-              <a:t>3/21/2016</a:t>
+              <a:t>4/8/2016</a:t>
             </a:fld>
             <a:endParaRPr lang="en-US"/>
           </a:p>
@@ -548,8 +548,8 @@
         </p:nvSpPr>
         <p:spPr>
           <a:xfrm>
-            <a:off x="6629400" y="274638"/>
-            <a:ext cx="2057400" cy="5851525"/>
+            <a:off x="6629400" y="205982"/>
+            <a:ext cx="2057400" cy="4388644"/>
           </a:xfrm>
         </p:spPr>
         <p:txBody>
@@ -576,8 +576,8 @@
         </p:nvSpPr>
         <p:spPr>
           <a:xfrm>
-            <a:off x="457200" y="274638"/>
-            <a:ext cx="6019800" cy="5851525"/>
+            <a:off x="457200" y="205982"/>
+            <a:ext cx="6019800" cy="4388644"/>
           </a:xfrm>
         </p:spPr>
         <p:txBody>
@@ -638,7 +638,7 @@
           <a:p>
             <a:fld id="{C3B5F8B5-E55E-4111-B234-B1BB757BB9B0}" type="datetimeFigureOut">
               <a:rPr lang="en-US" smtClean="0"/>
-              <a:t>3/21/2016</a:t>
+              <a:t>4/8/2016</a:t>
             </a:fld>
             <a:endParaRPr lang="en-US"/>
           </a:p>
@@ -808,7 +808,7 @@
           <a:p>
             <a:fld id="{C3B5F8B5-E55E-4111-B234-B1BB757BB9B0}" type="datetimeFigureOut">
               <a:rPr lang="en-US" smtClean="0"/>
-              <a:t>3/21/2016</a:t>
+              <a:t>4/8/2016</a:t>
             </a:fld>
             <a:endParaRPr lang="en-US"/>
           </a:p>
@@ -898,8 +898,8 @@
         </p:nvSpPr>
         <p:spPr>
           <a:xfrm>
-            <a:off x="722313" y="4406900"/>
-            <a:ext cx="7772400" cy="1362075"/>
+            <a:off x="722313" y="3305176"/>
+            <a:ext cx="7772400" cy="1021556"/>
           </a:xfrm>
         </p:spPr>
         <p:txBody>
@@ -930,8 +930,8 @@
         </p:nvSpPr>
         <p:spPr>
           <a:xfrm>
-            <a:off x="722313" y="2906713"/>
-            <a:ext cx="7772400" cy="1500187"/>
+            <a:off x="722313" y="2180037"/>
+            <a:ext cx="7772400" cy="1125140"/>
           </a:xfrm>
         </p:spPr>
         <p:txBody>
@@ -939,7 +939,7 @@
           <a:lstStyle>
             <a:lvl1pPr marL="0" indent="0">
               <a:buNone/>
-              <a:defRPr sz="2000">
+              <a:defRPr sz="1900">
                 <a:solidFill>
                   <a:schemeClr val="tx1">
                     <a:tint val="75000"/>
@@ -947,7 +947,7 @@
                 </a:solidFill>
               </a:defRPr>
             </a:lvl1pPr>
-            <a:lvl2pPr marL="457200" indent="0">
+            <a:lvl2pPr marL="457072" indent="0">
               <a:buNone/>
               <a:defRPr sz="1800">
                 <a:solidFill>
@@ -957,7 +957,7 @@
                 </a:solidFill>
               </a:defRPr>
             </a:lvl2pPr>
-            <a:lvl3pPr marL="914400" indent="0">
+            <a:lvl3pPr marL="914144" indent="0">
               <a:buNone/>
               <a:defRPr sz="1600">
                 <a:solidFill>
@@ -967,7 +967,7 @@
                 </a:solidFill>
               </a:defRPr>
             </a:lvl3pPr>
-            <a:lvl4pPr marL="1371600" indent="0">
+            <a:lvl4pPr marL="1371216" indent="0">
               <a:buNone/>
               <a:defRPr sz="1400">
                 <a:solidFill>
@@ -977,7 +977,7 @@
                 </a:solidFill>
               </a:defRPr>
             </a:lvl4pPr>
-            <a:lvl5pPr marL="1828800" indent="0">
+            <a:lvl5pPr marL="1828289" indent="0">
               <a:buNone/>
               <a:defRPr sz="1400">
                 <a:solidFill>
@@ -987,7 +987,7 @@
                 </a:solidFill>
               </a:defRPr>
             </a:lvl5pPr>
-            <a:lvl6pPr marL="2286000" indent="0">
+            <a:lvl6pPr marL="2285361" indent="0">
               <a:buNone/>
               <a:defRPr sz="1400">
                 <a:solidFill>
@@ -997,7 +997,7 @@
                 </a:solidFill>
               </a:defRPr>
             </a:lvl6pPr>
-            <a:lvl7pPr marL="2743200" indent="0">
+            <a:lvl7pPr marL="2742433" indent="0">
               <a:buNone/>
               <a:defRPr sz="1400">
                 <a:solidFill>
@@ -1007,7 +1007,7 @@
                 </a:solidFill>
               </a:defRPr>
             </a:lvl7pPr>
-            <a:lvl8pPr marL="3200400" indent="0">
+            <a:lvl8pPr marL="3199505" indent="0">
               <a:buNone/>
               <a:defRPr sz="1400">
                 <a:solidFill>
@@ -1017,7 +1017,7 @@
                 </a:solidFill>
               </a:defRPr>
             </a:lvl8pPr>
-            <a:lvl9pPr marL="3657600" indent="0">
+            <a:lvl9pPr marL="3656577" indent="0">
               <a:buNone/>
               <a:defRPr sz="1400">
                 <a:solidFill>
@@ -1054,7 +1054,7 @@
           <a:p>
             <a:fld id="{C3B5F8B5-E55E-4111-B234-B1BB757BB9B0}" type="datetimeFigureOut">
               <a:rPr lang="en-US" smtClean="0"/>
-              <a:t>3/21/2016</a:t>
+              <a:t>4/8/2016</a:t>
             </a:fld>
             <a:endParaRPr lang="en-US"/>
           </a:p>
@@ -1167,8 +1167,8 @@
         </p:nvSpPr>
         <p:spPr>
           <a:xfrm>
-            <a:off x="457200" y="1600200"/>
-            <a:ext cx="4038600" cy="4525963"/>
+            <a:off x="457200" y="1200151"/>
+            <a:ext cx="4038600" cy="3394472"/>
           </a:xfrm>
         </p:spPr>
         <p:txBody>
@@ -1181,7 +1181,7 @@
               <a:defRPr sz="2400"/>
             </a:lvl2pPr>
             <a:lvl3pPr>
-              <a:defRPr sz="2000"/>
+              <a:defRPr sz="1900"/>
             </a:lvl3pPr>
             <a:lvl4pPr>
               <a:defRPr sz="1800"/>
@@ -1252,8 +1252,8 @@
         </p:nvSpPr>
         <p:spPr>
           <a:xfrm>
-            <a:off x="4648200" y="1600200"/>
-            <a:ext cx="4038600" cy="4525963"/>
+            <a:off x="4648200" y="1200151"/>
+            <a:ext cx="4038600" cy="3394472"/>
           </a:xfrm>
         </p:spPr>
         <p:txBody>
@@ -1266,7 +1266,7 @@
               <a:defRPr sz="2400"/>
             </a:lvl2pPr>
             <a:lvl3pPr>
-              <a:defRPr sz="2000"/>
+              <a:defRPr sz="1900"/>
             </a:lvl3pPr>
             <a:lvl4pPr>
               <a:defRPr sz="1800"/>
@@ -1342,7 +1342,7 @@
           <a:p>
             <a:fld id="{C3B5F8B5-E55E-4111-B234-B1BB757BB9B0}" type="datetimeFigureOut">
               <a:rPr lang="en-US" smtClean="0"/>
-              <a:t>3/21/2016</a:t>
+              <a:t>4/8/2016</a:t>
             </a:fld>
             <a:endParaRPr lang="en-US"/>
           </a:p>
@@ -1459,8 +1459,8 @@
         </p:nvSpPr>
         <p:spPr>
           <a:xfrm>
-            <a:off x="457200" y="1535113"/>
-            <a:ext cx="4040188" cy="639762"/>
+            <a:off x="457200" y="1151337"/>
+            <a:ext cx="4040188" cy="479822"/>
           </a:xfrm>
         </p:spPr>
         <p:txBody>
@@ -1470,35 +1470,35 @@
               <a:buNone/>
               <a:defRPr sz="2400" b="1"/>
             </a:lvl1pPr>
-            <a:lvl2pPr marL="457200" indent="0">
-              <a:buNone/>
-              <a:defRPr sz="2000" b="1"/>
+            <a:lvl2pPr marL="457072" indent="0">
+              <a:buNone/>
+              <a:defRPr sz="1900" b="1"/>
             </a:lvl2pPr>
-            <a:lvl3pPr marL="914400" indent="0">
+            <a:lvl3pPr marL="914144" indent="0">
               <a:buNone/>
               <a:defRPr sz="1800" b="1"/>
             </a:lvl3pPr>
-            <a:lvl4pPr marL="1371600" indent="0">
+            <a:lvl4pPr marL="1371216" indent="0">
               <a:buNone/>
               <a:defRPr sz="1600" b="1"/>
             </a:lvl4pPr>
-            <a:lvl5pPr marL="1828800" indent="0">
+            <a:lvl5pPr marL="1828289" indent="0">
               <a:buNone/>
               <a:defRPr sz="1600" b="1"/>
             </a:lvl5pPr>
-            <a:lvl6pPr marL="2286000" indent="0">
+            <a:lvl6pPr marL="2285361" indent="0">
               <a:buNone/>
               <a:defRPr sz="1600" b="1"/>
             </a:lvl6pPr>
-            <a:lvl7pPr marL="2743200" indent="0">
+            <a:lvl7pPr marL="2742433" indent="0">
               <a:buNone/>
               <a:defRPr sz="1600" b="1"/>
             </a:lvl7pPr>
-            <a:lvl8pPr marL="3200400" indent="0">
+            <a:lvl8pPr marL="3199505" indent="0">
               <a:buNone/>
               <a:defRPr sz="1600" b="1"/>
             </a:lvl8pPr>
-            <a:lvl9pPr marL="3657600" indent="0">
+            <a:lvl9pPr marL="3656577" indent="0">
               <a:buNone/>
               <a:defRPr sz="1600" b="1"/>
             </a:lvl9pPr>
@@ -1524,8 +1524,8 @@
         </p:nvSpPr>
         <p:spPr>
           <a:xfrm>
-            <a:off x="457200" y="2174875"/>
-            <a:ext cx="4040188" cy="3951288"/>
+            <a:off x="457200" y="1631156"/>
+            <a:ext cx="4040188" cy="2963466"/>
           </a:xfrm>
         </p:spPr>
         <p:txBody>
@@ -1535,7 +1535,7 @@
               <a:defRPr sz="2400"/>
             </a:lvl1pPr>
             <a:lvl2pPr>
-              <a:defRPr sz="2000"/>
+              <a:defRPr sz="1900"/>
             </a:lvl2pPr>
             <a:lvl3pPr>
               <a:defRPr sz="1800"/>
@@ -1609,8 +1609,8 @@
         </p:nvSpPr>
         <p:spPr>
           <a:xfrm>
-            <a:off x="4645025" y="1535113"/>
-            <a:ext cx="4041775" cy="639762"/>
+            <a:off x="4645032" y="1151337"/>
+            <a:ext cx="4041775" cy="479822"/>
           </a:xfrm>
         </p:spPr>
         <p:txBody>
@@ -1620,35 +1620,35 @@
               <a:buNone/>
               <a:defRPr sz="2400" b="1"/>
             </a:lvl1pPr>
-            <a:lvl2pPr marL="457200" indent="0">
-              <a:buNone/>
-              <a:defRPr sz="2000" b="1"/>
+            <a:lvl2pPr marL="457072" indent="0">
+              <a:buNone/>
+              <a:defRPr sz="1900" b="1"/>
             </a:lvl2pPr>
-            <a:lvl3pPr marL="914400" indent="0">
+            <a:lvl3pPr marL="914144" indent="0">
               <a:buNone/>
               <a:defRPr sz="1800" b="1"/>
             </a:lvl3pPr>
-            <a:lvl4pPr marL="1371600" indent="0">
+            <a:lvl4pPr marL="1371216" indent="0">
               <a:buNone/>
               <a:defRPr sz="1600" b="1"/>
             </a:lvl4pPr>
-            <a:lvl5pPr marL="1828800" indent="0">
+            <a:lvl5pPr marL="1828289" indent="0">
               <a:buNone/>
               <a:defRPr sz="1600" b="1"/>
             </a:lvl5pPr>
-            <a:lvl6pPr marL="2286000" indent="0">
+            <a:lvl6pPr marL="2285361" indent="0">
               <a:buNone/>
               <a:defRPr sz="1600" b="1"/>
             </a:lvl6pPr>
-            <a:lvl7pPr marL="2743200" indent="0">
+            <a:lvl7pPr marL="2742433" indent="0">
               <a:buNone/>
               <a:defRPr sz="1600" b="1"/>
             </a:lvl7pPr>
-            <a:lvl8pPr marL="3200400" indent="0">
+            <a:lvl8pPr marL="3199505" indent="0">
               <a:buNone/>
               <a:defRPr sz="1600" b="1"/>
             </a:lvl8pPr>
-            <a:lvl9pPr marL="3657600" indent="0">
+            <a:lvl9pPr marL="3656577" indent="0">
               <a:buNone/>
               <a:defRPr sz="1600" b="1"/>
             </a:lvl9pPr>
@@ -1674,8 +1674,8 @@
         </p:nvSpPr>
         <p:spPr>
           <a:xfrm>
-            <a:off x="4645025" y="2174875"/>
-            <a:ext cx="4041775" cy="3951288"/>
+            <a:off x="4645032" y="1631156"/>
+            <a:ext cx="4041775" cy="2963466"/>
           </a:xfrm>
         </p:spPr>
         <p:txBody>
@@ -1685,7 +1685,7 @@
               <a:defRPr sz="2400"/>
             </a:lvl1pPr>
             <a:lvl2pPr>
-              <a:defRPr sz="2000"/>
+              <a:defRPr sz="1900"/>
             </a:lvl2pPr>
             <a:lvl3pPr>
               <a:defRPr sz="1800"/>
@@ -1764,7 +1764,7 @@
           <a:p>
             <a:fld id="{C3B5F8B5-E55E-4111-B234-B1BB757BB9B0}" type="datetimeFigureOut">
               <a:rPr lang="en-US" smtClean="0"/>
-              <a:t>3/21/2016</a:t>
+              <a:t>4/8/2016</a:t>
             </a:fld>
             <a:endParaRPr lang="en-US"/>
           </a:p>
@@ -1882,7 +1882,7 @@
           <a:p>
             <a:fld id="{C3B5F8B5-E55E-4111-B234-B1BB757BB9B0}" type="datetimeFigureOut">
               <a:rPr lang="en-US" smtClean="0"/>
-              <a:t>3/21/2016</a:t>
+              <a:t>4/8/2016</a:t>
             </a:fld>
             <a:endParaRPr lang="en-US"/>
           </a:p>
@@ -1977,7 +1977,7 @@
           <a:p>
             <a:fld id="{C3B5F8B5-E55E-4111-B234-B1BB757BB9B0}" type="datetimeFigureOut">
               <a:rPr lang="en-US" smtClean="0"/>
-              <a:t>3/21/2016</a:t>
+              <a:t>4/8/2016</a:t>
             </a:fld>
             <a:endParaRPr lang="en-US"/>
           </a:p>
@@ -2067,15 +2067,15 @@
         </p:nvSpPr>
         <p:spPr>
           <a:xfrm>
-            <a:off x="457200" y="273050"/>
-            <a:ext cx="3008313" cy="1162050"/>
+            <a:off x="457207" y="204789"/>
+            <a:ext cx="3008313" cy="871538"/>
           </a:xfrm>
         </p:spPr>
         <p:txBody>
           <a:bodyPr anchor="b"/>
           <a:lstStyle>
             <a:lvl1pPr algn="l">
-              <a:defRPr sz="2000" b="1"/>
+              <a:defRPr sz="1900" b="1"/>
             </a:lvl1pPr>
           </a:lstStyle>
           <a:p>
@@ -2099,8 +2099,8 @@
         </p:nvSpPr>
         <p:spPr>
           <a:xfrm>
-            <a:off x="3575050" y="273050"/>
-            <a:ext cx="5111750" cy="5853113"/>
+            <a:off x="3575050" y="204790"/>
+            <a:ext cx="5111750" cy="4389835"/>
           </a:xfrm>
         </p:spPr>
         <p:txBody>
@@ -2116,22 +2116,22 @@
               <a:defRPr sz="2400"/>
             </a:lvl3pPr>
             <a:lvl4pPr>
-              <a:defRPr sz="2000"/>
+              <a:defRPr sz="1900"/>
             </a:lvl4pPr>
             <a:lvl5pPr>
-              <a:defRPr sz="2000"/>
+              <a:defRPr sz="1900"/>
             </a:lvl5pPr>
             <a:lvl6pPr>
-              <a:defRPr sz="2000"/>
+              <a:defRPr sz="1900"/>
             </a:lvl6pPr>
             <a:lvl7pPr>
-              <a:defRPr sz="2000"/>
+              <a:defRPr sz="1900"/>
             </a:lvl7pPr>
             <a:lvl8pPr>
-              <a:defRPr sz="2000"/>
+              <a:defRPr sz="1900"/>
             </a:lvl8pPr>
             <a:lvl9pPr>
-              <a:defRPr sz="2000"/>
+              <a:defRPr sz="1900"/>
             </a:lvl9pPr>
           </a:lstStyle>
           <a:p>
@@ -2184,8 +2184,8 @@
         </p:nvSpPr>
         <p:spPr>
           <a:xfrm>
-            <a:off x="457200" y="1435100"/>
-            <a:ext cx="3008313" cy="4691063"/>
+            <a:off x="457207" y="1076328"/>
+            <a:ext cx="3008313" cy="3518297"/>
           </a:xfrm>
         </p:spPr>
         <p:txBody>
@@ -2195,35 +2195,35 @@
               <a:buNone/>
               <a:defRPr sz="1400"/>
             </a:lvl1pPr>
-            <a:lvl2pPr marL="457200" indent="0">
+            <a:lvl2pPr marL="457072" indent="0">
               <a:buNone/>
               <a:defRPr sz="1200"/>
             </a:lvl2pPr>
-            <a:lvl3pPr marL="914400" indent="0">
+            <a:lvl3pPr marL="914144" indent="0">
               <a:buNone/>
               <a:defRPr sz="1000"/>
             </a:lvl3pPr>
-            <a:lvl4pPr marL="1371600" indent="0">
+            <a:lvl4pPr marL="1371216" indent="0">
               <a:buNone/>
               <a:defRPr sz="900"/>
             </a:lvl4pPr>
-            <a:lvl5pPr marL="1828800" indent="0">
+            <a:lvl5pPr marL="1828289" indent="0">
               <a:buNone/>
               <a:defRPr sz="900"/>
             </a:lvl5pPr>
-            <a:lvl6pPr marL="2286000" indent="0">
+            <a:lvl6pPr marL="2285361" indent="0">
               <a:buNone/>
               <a:defRPr sz="900"/>
             </a:lvl6pPr>
-            <a:lvl7pPr marL="2743200" indent="0">
+            <a:lvl7pPr marL="2742433" indent="0">
               <a:buNone/>
               <a:defRPr sz="900"/>
             </a:lvl7pPr>
-            <a:lvl8pPr marL="3200400" indent="0">
+            <a:lvl8pPr marL="3199505" indent="0">
               <a:buNone/>
               <a:defRPr sz="900"/>
             </a:lvl8pPr>
-            <a:lvl9pPr marL="3657600" indent="0">
+            <a:lvl9pPr marL="3656577" indent="0">
               <a:buNone/>
               <a:defRPr sz="900"/>
             </a:lvl9pPr>
@@ -2254,7 +2254,7 @@
           <a:p>
             <a:fld id="{C3B5F8B5-E55E-4111-B234-B1BB757BB9B0}" type="datetimeFigureOut">
               <a:rPr lang="en-US" smtClean="0"/>
-              <a:t>3/21/2016</a:t>
+              <a:t>4/8/2016</a:t>
             </a:fld>
             <a:endParaRPr lang="en-US"/>
           </a:p>
@@ -2344,15 +2344,15 @@
         </p:nvSpPr>
         <p:spPr>
           <a:xfrm>
-            <a:off x="1792288" y="4800600"/>
-            <a:ext cx="5486400" cy="566738"/>
+            <a:off x="1792288" y="3600452"/>
+            <a:ext cx="5486400" cy="425055"/>
           </a:xfrm>
         </p:spPr>
         <p:txBody>
           <a:bodyPr anchor="b"/>
           <a:lstStyle>
             <a:lvl1pPr algn="l">
-              <a:defRPr sz="2000" b="1"/>
+              <a:defRPr sz="1900" b="1"/>
             </a:lvl1pPr>
           </a:lstStyle>
           <a:p>
@@ -2376,8 +2376,8 @@
         </p:nvSpPr>
         <p:spPr>
           <a:xfrm>
-            <a:off x="1792288" y="612775"/>
-            <a:ext cx="5486400" cy="4114800"/>
+            <a:off x="1792288" y="459581"/>
+            <a:ext cx="5486400" cy="3086100"/>
           </a:xfrm>
         </p:spPr>
         <p:txBody>
@@ -2387,37 +2387,37 @@
               <a:buNone/>
               <a:defRPr sz="3200"/>
             </a:lvl1pPr>
-            <a:lvl2pPr marL="457200" indent="0">
+            <a:lvl2pPr marL="457072" indent="0">
               <a:buNone/>
               <a:defRPr sz="2800"/>
             </a:lvl2pPr>
-            <a:lvl3pPr marL="914400" indent="0">
+            <a:lvl3pPr marL="914144" indent="0">
               <a:buNone/>
               <a:defRPr sz="2400"/>
             </a:lvl3pPr>
-            <a:lvl4pPr marL="1371600" indent="0">
-              <a:buNone/>
-              <a:defRPr sz="2000"/>
+            <a:lvl4pPr marL="1371216" indent="0">
+              <a:buNone/>
+              <a:defRPr sz="1900"/>
             </a:lvl4pPr>
-            <a:lvl5pPr marL="1828800" indent="0">
-              <a:buNone/>
-              <a:defRPr sz="2000"/>
+            <a:lvl5pPr marL="1828289" indent="0">
+              <a:buNone/>
+              <a:defRPr sz="1900"/>
             </a:lvl5pPr>
-            <a:lvl6pPr marL="2286000" indent="0">
-              <a:buNone/>
-              <a:defRPr sz="2000"/>
+            <a:lvl6pPr marL="2285361" indent="0">
+              <a:buNone/>
+              <a:defRPr sz="1900"/>
             </a:lvl6pPr>
-            <a:lvl7pPr marL="2743200" indent="0">
-              <a:buNone/>
-              <a:defRPr sz="2000"/>
+            <a:lvl7pPr marL="2742433" indent="0">
+              <a:buNone/>
+              <a:defRPr sz="1900"/>
             </a:lvl7pPr>
-            <a:lvl8pPr marL="3200400" indent="0">
-              <a:buNone/>
-              <a:defRPr sz="2000"/>
+            <a:lvl8pPr marL="3199505" indent="0">
+              <a:buNone/>
+              <a:defRPr sz="1900"/>
             </a:lvl8pPr>
-            <a:lvl9pPr marL="3657600" indent="0">
-              <a:buNone/>
-              <a:defRPr sz="2000"/>
+            <a:lvl9pPr marL="3656577" indent="0">
+              <a:buNone/>
+              <a:defRPr sz="1900"/>
             </a:lvl9pPr>
           </a:lstStyle>
           <a:p>
@@ -2437,8 +2437,8 @@
         </p:nvSpPr>
         <p:spPr>
           <a:xfrm>
-            <a:off x="1792288" y="5367338"/>
-            <a:ext cx="5486400" cy="804862"/>
+            <a:off x="1792288" y="4025506"/>
+            <a:ext cx="5486400" cy="603647"/>
           </a:xfrm>
         </p:spPr>
         <p:txBody>
@@ -2448,35 +2448,35 @@
               <a:buNone/>
               <a:defRPr sz="1400"/>
             </a:lvl1pPr>
-            <a:lvl2pPr marL="457200" indent="0">
+            <a:lvl2pPr marL="457072" indent="0">
               <a:buNone/>
               <a:defRPr sz="1200"/>
             </a:lvl2pPr>
-            <a:lvl3pPr marL="914400" indent="0">
+            <a:lvl3pPr marL="914144" indent="0">
               <a:buNone/>
               <a:defRPr sz="1000"/>
             </a:lvl3pPr>
-            <a:lvl4pPr marL="1371600" indent="0">
+            <a:lvl4pPr marL="1371216" indent="0">
               <a:buNone/>
               <a:defRPr sz="900"/>
             </a:lvl4pPr>
-            <a:lvl5pPr marL="1828800" indent="0">
+            <a:lvl5pPr marL="1828289" indent="0">
               <a:buNone/>
               <a:defRPr sz="900"/>
             </a:lvl5pPr>
-            <a:lvl6pPr marL="2286000" indent="0">
+            <a:lvl6pPr marL="2285361" indent="0">
               <a:buNone/>
               <a:defRPr sz="900"/>
             </a:lvl6pPr>
-            <a:lvl7pPr marL="2743200" indent="0">
+            <a:lvl7pPr marL="2742433" indent="0">
               <a:buNone/>
               <a:defRPr sz="900"/>
             </a:lvl7pPr>
-            <a:lvl8pPr marL="3200400" indent="0">
+            <a:lvl8pPr marL="3199505" indent="0">
               <a:buNone/>
               <a:defRPr sz="900"/>
             </a:lvl8pPr>
-            <a:lvl9pPr marL="3657600" indent="0">
+            <a:lvl9pPr marL="3656577" indent="0">
               <a:buNone/>
               <a:defRPr sz="900"/>
             </a:lvl9pPr>
@@ -2507,7 +2507,7 @@
           <a:p>
             <a:fld id="{C3B5F8B5-E55E-4111-B234-B1BB757BB9B0}" type="datetimeFigureOut">
               <a:rPr lang="en-US" smtClean="0"/>
-              <a:t>3/21/2016</a:t>
+              <a:t>4/8/2016</a:t>
             </a:fld>
             <a:endParaRPr lang="en-US"/>
           </a:p>
@@ -2602,15 +2602,15 @@
         </p:nvSpPr>
         <p:spPr>
           <a:xfrm>
-            <a:off x="457200" y="274638"/>
-            <a:ext cx="8229600" cy="1143000"/>
+            <a:off x="457200" y="205979"/>
+            <a:ext cx="8229600" cy="857250"/>
           </a:xfrm>
           <a:prstGeom prst="rect">
             <a:avLst/>
           </a:prstGeom>
         </p:spPr>
         <p:txBody>
-          <a:bodyPr vert="horz" lIns="91440" tIns="45720" rIns="91440" bIns="45720" rtlCol="0" anchor="ctr">
+          <a:bodyPr vert="horz" lIns="91414" tIns="45707" rIns="91414" bIns="45707" rtlCol="0" anchor="ctr">
             <a:normAutofit/>
           </a:bodyPr>
           <a:lstStyle/>
@@ -2635,15 +2635,15 @@
         </p:nvSpPr>
         <p:spPr>
           <a:xfrm>
-            <a:off x="457200" y="1600200"/>
-            <a:ext cx="8229600" cy="4525963"/>
+            <a:off x="457200" y="1200151"/>
+            <a:ext cx="8229600" cy="3394472"/>
           </a:xfrm>
           <a:prstGeom prst="rect">
             <a:avLst/>
           </a:prstGeom>
         </p:spPr>
         <p:txBody>
-          <a:bodyPr vert="horz" lIns="91440" tIns="45720" rIns="91440" bIns="45720" rtlCol="0">
+          <a:bodyPr vert="horz" lIns="91414" tIns="45707" rIns="91414" bIns="45707" rtlCol="0">
             <a:normAutofit/>
           </a:bodyPr>
           <a:lstStyle/>
@@ -2697,15 +2697,15 @@
         </p:nvSpPr>
         <p:spPr>
           <a:xfrm>
-            <a:off x="457200" y="6356350"/>
-            <a:ext cx="2133600" cy="365125"/>
+            <a:off x="457200" y="4767266"/>
+            <a:ext cx="2133600" cy="273844"/>
           </a:xfrm>
           <a:prstGeom prst="rect">
             <a:avLst/>
           </a:prstGeom>
         </p:spPr>
         <p:txBody>
-          <a:bodyPr vert="horz" lIns="91440" tIns="45720" rIns="91440" bIns="45720" rtlCol="0" anchor="ctr"/>
+          <a:bodyPr vert="horz" lIns="91414" tIns="45707" rIns="91414" bIns="45707" rtlCol="0" anchor="ctr"/>
           <a:lstStyle>
             <a:lvl1pPr algn="l">
               <a:defRPr sz="1200">
@@ -2720,7 +2720,7 @@
           <a:p>
             <a:fld id="{C3B5F8B5-E55E-4111-B234-B1BB757BB9B0}" type="datetimeFigureOut">
               <a:rPr lang="en-US" smtClean="0"/>
-              <a:t>3/21/2016</a:t>
+              <a:t>4/8/2016</a:t>
             </a:fld>
             <a:endParaRPr lang="en-US"/>
           </a:p>
@@ -2738,15 +2738,15 @@
         </p:nvSpPr>
         <p:spPr>
           <a:xfrm>
-            <a:off x="3124200" y="6356350"/>
-            <a:ext cx="2895600" cy="365125"/>
+            <a:off x="3124200" y="4767266"/>
+            <a:ext cx="2895600" cy="273844"/>
           </a:xfrm>
           <a:prstGeom prst="rect">
             <a:avLst/>
           </a:prstGeom>
         </p:spPr>
         <p:txBody>
-          <a:bodyPr vert="horz" lIns="91440" tIns="45720" rIns="91440" bIns="45720" rtlCol="0" anchor="ctr"/>
+          <a:bodyPr vert="horz" lIns="91414" tIns="45707" rIns="91414" bIns="45707" rtlCol="0" anchor="ctr"/>
           <a:lstStyle>
             <a:lvl1pPr algn="ctr">
               <a:defRPr sz="1200">
@@ -2775,15 +2775,15 @@
         </p:nvSpPr>
         <p:spPr>
           <a:xfrm>
-            <a:off x="6553200" y="6356350"/>
-            <a:ext cx="2133600" cy="365125"/>
+            <a:off x="6553200" y="4767266"/>
+            <a:ext cx="2133600" cy="273844"/>
           </a:xfrm>
           <a:prstGeom prst="rect">
             <a:avLst/>
           </a:prstGeom>
         </p:spPr>
         <p:txBody>
-          <a:bodyPr vert="horz" lIns="91440" tIns="45720" rIns="91440" bIns="45720" rtlCol="0" anchor="ctr"/>
+          <a:bodyPr vert="horz" lIns="91414" tIns="45707" rIns="91414" bIns="45707" rtlCol="0" anchor="ctr"/>
           <a:lstStyle>
             <a:lvl1pPr algn="r">
               <a:defRPr sz="1200">
@@ -2827,7 +2827,7 @@
   </p:sldLayoutIdLst>
   <p:txStyles>
     <p:titleStyle>
-      <a:lvl1pPr algn="ctr" defTabSz="914400" rtl="0" eaLnBrk="1" latinLnBrk="0" hangingPunct="1">
+      <a:lvl1pPr algn="ctr" defTabSz="914144" rtl="0" eaLnBrk="1" latinLnBrk="0" hangingPunct="1">
         <a:spcBef>
           <a:spcPct val="0"/>
         </a:spcBef>
@@ -2843,7 +2843,7 @@
       </a:lvl1pPr>
     </p:titleStyle>
     <p:bodyStyle>
-      <a:lvl1pPr marL="342900" indent="-342900" algn="l" defTabSz="914400" rtl="0" eaLnBrk="1" latinLnBrk="0" hangingPunct="1">
+      <a:lvl1pPr marL="342804" indent="-342804" algn="l" defTabSz="914144" rtl="0" eaLnBrk="1" latinLnBrk="0" hangingPunct="1">
         <a:spcBef>
           <a:spcPct val="20000"/>
         </a:spcBef>
@@ -2858,7 +2858,7 @@
           <a:cs typeface="+mn-cs"/>
         </a:defRPr>
       </a:lvl1pPr>
-      <a:lvl2pPr marL="742950" indent="-285750" algn="l" defTabSz="914400" rtl="0" eaLnBrk="1" latinLnBrk="0" hangingPunct="1">
+      <a:lvl2pPr marL="742742" indent="-285670" algn="l" defTabSz="914144" rtl="0" eaLnBrk="1" latinLnBrk="0" hangingPunct="1">
         <a:spcBef>
           <a:spcPct val="20000"/>
         </a:spcBef>
@@ -2873,7 +2873,7 @@
           <a:cs typeface="+mn-cs"/>
         </a:defRPr>
       </a:lvl2pPr>
-      <a:lvl3pPr marL="1143000" indent="-228600" algn="l" defTabSz="914400" rtl="0" eaLnBrk="1" latinLnBrk="0" hangingPunct="1">
+      <a:lvl3pPr marL="1142680" indent="-228536" algn="l" defTabSz="914144" rtl="0" eaLnBrk="1" latinLnBrk="0" hangingPunct="1">
         <a:spcBef>
           <a:spcPct val="20000"/>
         </a:spcBef>
@@ -2888,13 +2888,13 @@
           <a:cs typeface="+mn-cs"/>
         </a:defRPr>
       </a:lvl3pPr>
-      <a:lvl4pPr marL="1600200" indent="-228600" algn="l" defTabSz="914400" rtl="0" eaLnBrk="1" latinLnBrk="0" hangingPunct="1">
+      <a:lvl4pPr marL="1599752" indent="-228536" algn="l" defTabSz="914144" rtl="0" eaLnBrk="1" latinLnBrk="0" hangingPunct="1">
         <a:spcBef>
           <a:spcPct val="20000"/>
         </a:spcBef>
         <a:buFont typeface="Arial" panose="020B0604020202020204" pitchFamily="34" charset="0"/>
         <a:buChar char="–"/>
-        <a:defRPr sz="2000" kern="1200">
+        <a:defRPr sz="1900" kern="1200">
           <a:solidFill>
             <a:schemeClr val="tx1"/>
           </a:solidFill>
@@ -2903,13 +2903,13 @@
           <a:cs typeface="+mn-cs"/>
         </a:defRPr>
       </a:lvl4pPr>
-      <a:lvl5pPr marL="2057400" indent="-228600" algn="l" defTabSz="914400" rtl="0" eaLnBrk="1" latinLnBrk="0" hangingPunct="1">
+      <a:lvl5pPr marL="2056825" indent="-228536" algn="l" defTabSz="914144" rtl="0" eaLnBrk="1" latinLnBrk="0" hangingPunct="1">
         <a:spcBef>
           <a:spcPct val="20000"/>
         </a:spcBef>
         <a:buFont typeface="Arial" panose="020B0604020202020204" pitchFamily="34" charset="0"/>
         <a:buChar char="»"/>
-        <a:defRPr sz="2000" kern="1200">
+        <a:defRPr sz="1900" kern="1200">
           <a:solidFill>
             <a:schemeClr val="tx1"/>
           </a:solidFill>
@@ -2918,13 +2918,13 @@
           <a:cs typeface="+mn-cs"/>
         </a:defRPr>
       </a:lvl5pPr>
-      <a:lvl6pPr marL="2514600" indent="-228600" algn="l" defTabSz="914400" rtl="0" eaLnBrk="1" latinLnBrk="0" hangingPunct="1">
+      <a:lvl6pPr marL="2513897" indent="-228536" algn="l" defTabSz="914144" rtl="0" eaLnBrk="1" latinLnBrk="0" hangingPunct="1">
         <a:spcBef>
           <a:spcPct val="20000"/>
         </a:spcBef>
         <a:buFont typeface="Arial" panose="020B0604020202020204" pitchFamily="34" charset="0"/>
         <a:buChar char="•"/>
-        <a:defRPr sz="2000" kern="1200">
+        <a:defRPr sz="1900" kern="1200">
           <a:solidFill>
             <a:schemeClr val="tx1"/>
           </a:solidFill>
@@ -2933,13 +2933,13 @@
           <a:cs typeface="+mn-cs"/>
         </a:defRPr>
       </a:lvl6pPr>
-      <a:lvl7pPr marL="2971800" indent="-228600" algn="l" defTabSz="914400" rtl="0" eaLnBrk="1" latinLnBrk="0" hangingPunct="1">
+      <a:lvl7pPr marL="2970969" indent="-228536" algn="l" defTabSz="914144" rtl="0" eaLnBrk="1" latinLnBrk="0" hangingPunct="1">
         <a:spcBef>
           <a:spcPct val="20000"/>
         </a:spcBef>
         <a:buFont typeface="Arial" panose="020B0604020202020204" pitchFamily="34" charset="0"/>
         <a:buChar char="•"/>
-        <a:defRPr sz="2000" kern="1200">
+        <a:defRPr sz="1900" kern="1200">
           <a:solidFill>
             <a:schemeClr val="tx1"/>
           </a:solidFill>
@@ -2948,13 +2948,13 @@
           <a:cs typeface="+mn-cs"/>
         </a:defRPr>
       </a:lvl7pPr>
-      <a:lvl8pPr marL="3429000" indent="-228600" algn="l" defTabSz="914400" rtl="0" eaLnBrk="1" latinLnBrk="0" hangingPunct="1">
+      <a:lvl8pPr marL="3428041" indent="-228536" algn="l" defTabSz="914144" rtl="0" eaLnBrk="1" latinLnBrk="0" hangingPunct="1">
         <a:spcBef>
           <a:spcPct val="20000"/>
         </a:spcBef>
         <a:buFont typeface="Arial" panose="020B0604020202020204" pitchFamily="34" charset="0"/>
         <a:buChar char="•"/>
-        <a:defRPr sz="2000" kern="1200">
+        <a:defRPr sz="1900" kern="1200">
           <a:solidFill>
             <a:schemeClr val="tx1"/>
           </a:solidFill>
@@ -2963,13 +2963,13 @@
           <a:cs typeface="+mn-cs"/>
         </a:defRPr>
       </a:lvl8pPr>
-      <a:lvl9pPr marL="3886200" indent="-228600" algn="l" defTabSz="914400" rtl="0" eaLnBrk="1" latinLnBrk="0" hangingPunct="1">
+      <a:lvl9pPr marL="3885113" indent="-228536" algn="l" defTabSz="914144" rtl="0" eaLnBrk="1" latinLnBrk="0" hangingPunct="1">
         <a:spcBef>
           <a:spcPct val="20000"/>
         </a:spcBef>
         <a:buFont typeface="Arial" panose="020B0604020202020204" pitchFamily="34" charset="0"/>
         <a:buChar char="•"/>
-        <a:defRPr sz="2000" kern="1200">
+        <a:defRPr sz="1900" kern="1200">
           <a:solidFill>
             <a:schemeClr val="tx1"/>
           </a:solidFill>
@@ -2983,7 +2983,7 @@
       <a:defPPr>
         <a:defRPr lang="en-US"/>
       </a:defPPr>
-      <a:lvl1pPr marL="0" algn="l" defTabSz="914400" rtl="0" eaLnBrk="1" latinLnBrk="0" hangingPunct="1">
+      <a:lvl1pPr marL="0" algn="l" defTabSz="914144" rtl="0" eaLnBrk="1" latinLnBrk="0" hangingPunct="1">
         <a:defRPr sz="1800" kern="1200">
           <a:solidFill>
             <a:schemeClr val="tx1"/>
@@ -2993,7 +2993,7 @@
           <a:cs typeface="+mn-cs"/>
         </a:defRPr>
       </a:lvl1pPr>
-      <a:lvl2pPr marL="457200" algn="l" defTabSz="914400" rtl="0" eaLnBrk="1" latinLnBrk="0" hangingPunct="1">
+      <a:lvl2pPr marL="457072" algn="l" defTabSz="914144" rtl="0" eaLnBrk="1" latinLnBrk="0" hangingPunct="1">
         <a:defRPr sz="1800" kern="1200">
           <a:solidFill>
             <a:schemeClr val="tx1"/>
@@ -3003,7 +3003,7 @@
           <a:cs typeface="+mn-cs"/>
         </a:defRPr>
       </a:lvl2pPr>
-      <a:lvl3pPr marL="914400" algn="l" defTabSz="914400" rtl="0" eaLnBrk="1" latinLnBrk="0" hangingPunct="1">
+      <a:lvl3pPr marL="914144" algn="l" defTabSz="914144" rtl="0" eaLnBrk="1" latinLnBrk="0" hangingPunct="1">
         <a:defRPr sz="1800" kern="1200">
           <a:solidFill>
             <a:schemeClr val="tx1"/>
@@ -3013,7 +3013,7 @@
           <a:cs typeface="+mn-cs"/>
         </a:defRPr>
       </a:lvl3pPr>
-      <a:lvl4pPr marL="1371600" algn="l" defTabSz="914400" rtl="0" eaLnBrk="1" latinLnBrk="0" hangingPunct="1">
+      <a:lvl4pPr marL="1371216" algn="l" defTabSz="914144" rtl="0" eaLnBrk="1" latinLnBrk="0" hangingPunct="1">
         <a:defRPr sz="1800" kern="1200">
           <a:solidFill>
             <a:schemeClr val="tx1"/>
@@ -3023,7 +3023,7 @@
           <a:cs typeface="+mn-cs"/>
         </a:defRPr>
       </a:lvl4pPr>
-      <a:lvl5pPr marL="1828800" algn="l" defTabSz="914400" rtl="0" eaLnBrk="1" latinLnBrk="0" hangingPunct="1">
+      <a:lvl5pPr marL="1828289" algn="l" defTabSz="914144" rtl="0" eaLnBrk="1" latinLnBrk="0" hangingPunct="1">
         <a:defRPr sz="1800" kern="1200">
           <a:solidFill>
             <a:schemeClr val="tx1"/>
@@ -3033,7 +3033,7 @@
           <a:cs typeface="+mn-cs"/>
         </a:defRPr>
       </a:lvl5pPr>
-      <a:lvl6pPr marL="2286000" algn="l" defTabSz="914400" rtl="0" eaLnBrk="1" latinLnBrk="0" hangingPunct="1">
+      <a:lvl6pPr marL="2285361" algn="l" defTabSz="914144" rtl="0" eaLnBrk="1" latinLnBrk="0" hangingPunct="1">
         <a:defRPr sz="1800" kern="1200">
           <a:solidFill>
             <a:schemeClr val="tx1"/>
@@ -3043,7 +3043,7 @@
           <a:cs typeface="+mn-cs"/>
         </a:defRPr>
       </a:lvl6pPr>
-      <a:lvl7pPr marL="2743200" algn="l" defTabSz="914400" rtl="0" eaLnBrk="1" latinLnBrk="0" hangingPunct="1">
+      <a:lvl7pPr marL="2742433" algn="l" defTabSz="914144" rtl="0" eaLnBrk="1" latinLnBrk="0" hangingPunct="1">
         <a:defRPr sz="1800" kern="1200">
           <a:solidFill>
             <a:schemeClr val="tx1"/>
@@ -3053,7 +3053,7 @@
           <a:cs typeface="+mn-cs"/>
         </a:defRPr>
       </a:lvl7pPr>
-      <a:lvl8pPr marL="3200400" algn="l" defTabSz="914400" rtl="0" eaLnBrk="1" latinLnBrk="0" hangingPunct="1">
+      <a:lvl8pPr marL="3199505" algn="l" defTabSz="914144" rtl="0" eaLnBrk="1" latinLnBrk="0" hangingPunct="1">
         <a:defRPr sz="1800" kern="1200">
           <a:solidFill>
             <a:schemeClr val="tx1"/>
@@ -3063,7 +3063,7 @@
           <a:cs typeface="+mn-cs"/>
         </a:defRPr>
       </a:lvl8pPr>
-      <a:lvl9pPr marL="3657600" algn="l" defTabSz="914400" rtl="0" eaLnBrk="1" latinLnBrk="0" hangingPunct="1">
+      <a:lvl9pPr marL="3656577" algn="l" defTabSz="914144" rtl="0" eaLnBrk="1" latinLnBrk="0" hangingPunct="1">
         <a:defRPr sz="1800" kern="1200">
           <a:solidFill>
             <a:schemeClr val="tx1"/>
@@ -3097,14 +3097,14 @@
       </p:grpSpPr>
       <p:sp>
         <p:nvSpPr>
-          <p:cNvPr id="4" name="Rectangle 3"/>
+          <p:cNvPr id="50" name="Rectangle 49"/>
           <p:cNvSpPr/>
           <p:nvPr/>
         </p:nvSpPr>
         <p:spPr>
           <a:xfrm>
-            <a:off x="2926246" y="4867842"/>
-            <a:ext cx="1765027" cy="435101"/>
+            <a:off x="2127593" y="2186673"/>
+            <a:ext cx="1656184" cy="453261"/>
           </a:xfrm>
           <a:prstGeom prst="rect">
             <a:avLst/>
@@ -3125,13 +3125,13 @@
           </a:fontRef>
         </p:style>
         <p:txBody>
-          <a:bodyPr rtlCol="0" anchor="ctr"/>
+          <a:bodyPr lIns="91414" tIns="45707" rIns="91414" bIns="45707" rtlCol="0" anchor="ctr"/>
           <a:lstStyle/>
           <a:p>
             <a:pPr algn="ctr"/>
             <a:r>
-              <a:rPr lang="en-US" b="1" dirty="0"/>
-              <a:t>Role</a:t>
+              <a:rPr lang="en-US" sz="1600" b="1" dirty="0"/>
+              <a:t>DynamicAdapter</a:t>
             </a:r>
             <a:endParaRPr lang="en-US" dirty="0"/>
           </a:p>
@@ -3139,14 +3139,14 @@
       </p:sp>
       <p:sp>
         <p:nvSpPr>
-          <p:cNvPr id="5" name="Rectangle 4"/>
+          <p:cNvPr id="52" name="Rectangle 51"/>
           <p:cNvSpPr/>
           <p:nvPr/>
         </p:nvSpPr>
         <p:spPr>
           <a:xfrm>
-            <a:off x="35496" y="2905977"/>
-            <a:ext cx="1740596" cy="451015"/>
+            <a:off x="4628839" y="3723036"/>
+            <a:ext cx="1599345" cy="432048"/>
           </a:xfrm>
           <a:prstGeom prst="rect">
             <a:avLst/>
@@ -3167,13 +3167,17 @@
           </a:fontRef>
         </p:style>
         <p:txBody>
-          <a:bodyPr rtlCol="0" anchor="ctr"/>
+          <a:bodyPr lIns="91414" tIns="45707" rIns="91414" bIns="45707" rtlCol="0" anchor="ctr"/>
           <a:lstStyle/>
           <a:p>
             <a:pPr algn="ctr"/>
             <a:r>
-              <a:rPr lang="en-US" b="1" dirty="0"/>
-              <a:t>PlayRelation</a:t>
+              <a:rPr lang="en-US" sz="1600" dirty="0"/>
+              <a:t>R</a:t>
+            </a:r>
+            <a:r>
+              <a:rPr lang="en-US" sz="1600" dirty="0" smtClean="0"/>
+              <a:t>oleFPGA</a:t>
             </a:r>
             <a:endParaRPr lang="en-US" dirty="0"/>
           </a:p>
@@ -3181,14 +3185,14 @@
       </p:sp>
       <p:sp>
         <p:nvSpPr>
-          <p:cNvPr id="6" name="Rectangle 5"/>
+          <p:cNvPr id="53" name="Rectangle 52"/>
           <p:cNvSpPr/>
           <p:nvPr/>
         </p:nvSpPr>
         <p:spPr>
           <a:xfrm>
-            <a:off x="2926247" y="2894965"/>
-            <a:ext cx="1789769" cy="453261"/>
+            <a:off x="4601201" y="949249"/>
+            <a:ext cx="1626983" cy="432048"/>
           </a:xfrm>
           <a:prstGeom prst="rect">
             <a:avLst/>
@@ -3209,13 +3213,13 @@
           </a:fontRef>
         </p:style>
         <p:txBody>
-          <a:bodyPr rtlCol="0" anchor="ctr"/>
+          <a:bodyPr lIns="91414" tIns="45707" rIns="91414" bIns="45707" rtlCol="0" anchor="ctr"/>
           <a:lstStyle/>
           <a:p>
             <a:pPr algn="ctr"/>
             <a:r>
-              <a:rPr lang="en-US" b="1" dirty="0"/>
-              <a:t>DynamicAdapter</a:t>
+              <a:rPr lang="en-US" sz="1600" dirty="0" err="1" smtClean="0"/>
+              <a:t>ExcelGroup</a:t>
             </a:r>
             <a:endParaRPr lang="en-US" dirty="0"/>
           </a:p>
@@ -3223,14 +3227,14 @@
       </p:sp>
       <p:sp>
         <p:nvSpPr>
-          <p:cNvPr id="7" name="Rectangle 6"/>
+          <p:cNvPr id="54" name="Rectangle 53"/>
           <p:cNvSpPr/>
           <p:nvPr/>
         </p:nvSpPr>
         <p:spPr>
           <a:xfrm>
-            <a:off x="1115616" y="836712"/>
-            <a:ext cx="1789769" cy="432048"/>
+            <a:off x="4628839" y="123478"/>
+            <a:ext cx="1599345" cy="432048"/>
           </a:xfrm>
           <a:prstGeom prst="rect">
             <a:avLst/>
@@ -3251,13 +3255,13 @@
           </a:fontRef>
         </p:style>
         <p:txBody>
-          <a:bodyPr rtlCol="0" anchor="ctr"/>
+          <a:bodyPr lIns="91414" tIns="45707" rIns="91414" bIns="45707" rtlCol="0" anchor="ctr"/>
           <a:lstStyle/>
           <a:p>
             <a:pPr algn="ctr"/>
             <a:r>
-              <a:rPr lang="en-US" b="1" dirty="0"/>
-              <a:t>Player</a:t>
+              <a:rPr lang="en-US" sz="1600" dirty="0" smtClean="0"/>
+              <a:t>PimcaMachinery</a:t>
             </a:r>
             <a:endParaRPr lang="en-US" dirty="0"/>
           </a:p>
@@ -3265,14 +3269,14 @@
       </p:sp>
       <p:sp>
         <p:nvSpPr>
-          <p:cNvPr id="8" name="Rectangle 7"/>
+          <p:cNvPr id="55" name="Rectangle 54"/>
           <p:cNvSpPr/>
           <p:nvPr/>
         </p:nvSpPr>
         <p:spPr>
           <a:xfrm>
-            <a:off x="5980045" y="4869160"/>
-            <a:ext cx="1871866" cy="432048"/>
+            <a:off x="4163650" y="2520991"/>
+            <a:ext cx="2634726" cy="432048"/>
           </a:xfrm>
           <a:prstGeom prst="rect">
             <a:avLst/>
@@ -3293,17 +3297,13 @@
           </a:fontRef>
         </p:style>
         <p:txBody>
-          <a:bodyPr rtlCol="0" anchor="ctr"/>
+          <a:bodyPr lIns="91414" tIns="45707" rIns="91414" bIns="45707" rtlCol="0" anchor="ctr"/>
           <a:lstStyle/>
           <a:p>
             <a:pPr algn="ctr"/>
             <a:r>
-              <a:rPr lang="en-US" dirty="0"/>
-              <a:t>R</a:t>
-            </a:r>
-            <a:r>
-              <a:rPr lang="en-US" dirty="0" smtClean="0"/>
-              <a:t>oleFPGA</a:t>
+              <a:rPr lang="en-US" sz="1600" dirty="0" err="1" smtClean="0"/>
+              <a:t>DynamicAdapterFPGA_Excel</a:t>
             </a:r>
             <a:endParaRPr lang="en-US" dirty="0"/>
           </a:p>
@@ -3311,14 +3311,14 @@
       </p:sp>
       <p:sp>
         <p:nvSpPr>
-          <p:cNvPr id="9" name="Rectangle 8"/>
+          <p:cNvPr id="56" name="Rectangle 55"/>
           <p:cNvSpPr/>
           <p:nvPr/>
         </p:nvSpPr>
         <p:spPr>
           <a:xfrm>
-            <a:off x="179512" y="4464250"/>
-            <a:ext cx="720078" cy="216024"/>
+            <a:off x="4163650" y="1823545"/>
+            <a:ext cx="2612265" cy="432048"/>
           </a:xfrm>
           <a:prstGeom prst="rect">
             <a:avLst/>
@@ -3339,206 +3339,12 @@
           </a:fontRef>
         </p:style>
         <p:txBody>
-          <a:bodyPr rtlCol="0" anchor="ctr"/>
+          <a:bodyPr lIns="91414" tIns="45707" rIns="91414" bIns="45707" rtlCol="0" anchor="ctr"/>
           <a:lstStyle/>
           <a:p>
             <a:pPr algn="ctr"/>
-            <a:endParaRPr lang="en-US" dirty="0"/>
-          </a:p>
-        </p:txBody>
-      </p:sp>
-      <p:sp>
-        <p:nvSpPr>
-          <p:cNvPr id="10" name="ZoneTexte 9"/>
-          <p:cNvSpPr txBox="1"/>
-          <p:nvPr/>
-        </p:nvSpPr>
-        <p:spPr>
-          <a:xfrm>
-            <a:off x="998665" y="4387596"/>
-            <a:ext cx="651140" cy="369332"/>
-          </a:xfrm>
-          <a:prstGeom prst="rect">
-            <a:avLst/>
-          </a:prstGeom>
-          <a:noFill/>
-        </p:spPr>
-        <p:txBody>
-          <a:bodyPr wrap="none" rtlCol="0">
-            <a:spAutoFit/>
-          </a:bodyPr>
-          <a:lstStyle/>
-          <a:p>
-            <a:r>
-              <a:rPr lang="en-US" dirty="0" smtClean="0"/>
-              <a:t>Class</a:t>
-            </a:r>
-            <a:endParaRPr lang="en-US" dirty="0"/>
-          </a:p>
-        </p:txBody>
-      </p:sp>
-      <p:sp>
-        <p:nvSpPr>
-          <p:cNvPr id="11" name="Rectangle 10"/>
-          <p:cNvSpPr/>
-          <p:nvPr/>
-        </p:nvSpPr>
-        <p:spPr>
-          <a:xfrm>
-            <a:off x="3707904" y="1218385"/>
-            <a:ext cx="1871866" cy="432048"/>
-          </a:xfrm>
-          <a:prstGeom prst="rect">
-            <a:avLst/>
-          </a:prstGeom>
-        </p:spPr>
-        <p:style>
-          <a:lnRef idx="2">
-            <a:schemeClr val="dk1"/>
-          </a:lnRef>
-          <a:fillRef idx="1">
-            <a:schemeClr val="lt1"/>
-          </a:fillRef>
-          <a:effectRef idx="0">
-            <a:schemeClr val="dk1"/>
-          </a:effectRef>
-          <a:fontRef idx="minor">
-            <a:schemeClr val="dk1"/>
-          </a:fontRef>
-        </p:style>
-        <p:txBody>
-          <a:bodyPr rtlCol="0" anchor="ctr"/>
-          <a:lstStyle/>
-          <a:p>
-            <a:pPr algn="ctr"/>
-            <a:r>
-              <a:rPr lang="en-US" dirty="0" err="1" smtClean="0"/>
-              <a:t>ExcelGroup</a:t>
-            </a:r>
-            <a:endParaRPr lang="en-US" dirty="0"/>
-          </a:p>
-        </p:txBody>
-      </p:sp>
-      <p:sp>
-        <p:nvSpPr>
-          <p:cNvPr id="12" name="Rectangle 11"/>
-          <p:cNvSpPr/>
-          <p:nvPr/>
-        </p:nvSpPr>
-        <p:spPr>
-          <a:xfrm>
-            <a:off x="3707904" y="332656"/>
-            <a:ext cx="1871866" cy="432048"/>
-          </a:xfrm>
-          <a:prstGeom prst="rect">
-            <a:avLst/>
-          </a:prstGeom>
-        </p:spPr>
-        <p:style>
-          <a:lnRef idx="2">
-            <a:schemeClr val="dk1"/>
-          </a:lnRef>
-          <a:fillRef idx="1">
-            <a:schemeClr val="lt1"/>
-          </a:fillRef>
-          <a:effectRef idx="0">
-            <a:schemeClr val="dk1"/>
-          </a:effectRef>
-          <a:fontRef idx="minor">
-            <a:schemeClr val="dk1"/>
-          </a:fontRef>
-        </p:style>
-        <p:txBody>
-          <a:bodyPr rtlCol="0" anchor="ctr"/>
-          <a:lstStyle/>
-          <a:p>
-            <a:pPr algn="ctr"/>
-            <a:r>
-              <a:rPr lang="en-US" dirty="0" smtClean="0"/>
-              <a:t>PimcaMachinery</a:t>
-            </a:r>
-            <a:endParaRPr lang="en-US" dirty="0"/>
-          </a:p>
-        </p:txBody>
-      </p:sp>
-      <p:sp>
-        <p:nvSpPr>
-          <p:cNvPr id="13" name="Rectangle 12"/>
-          <p:cNvSpPr/>
-          <p:nvPr/>
-        </p:nvSpPr>
-        <p:spPr>
-          <a:xfrm>
-            <a:off x="5971402" y="3284984"/>
-            <a:ext cx="2951986" cy="432048"/>
-          </a:xfrm>
-          <a:prstGeom prst="rect">
-            <a:avLst/>
-          </a:prstGeom>
-        </p:spPr>
-        <p:style>
-          <a:lnRef idx="2">
-            <a:schemeClr val="dk1"/>
-          </a:lnRef>
-          <a:fillRef idx="1">
-            <a:schemeClr val="lt1"/>
-          </a:fillRef>
-          <a:effectRef idx="0">
-            <a:schemeClr val="dk1"/>
-          </a:effectRef>
-          <a:fontRef idx="minor">
-            <a:schemeClr val="dk1"/>
-          </a:fontRef>
-        </p:style>
-        <p:txBody>
-          <a:bodyPr rtlCol="0" anchor="ctr"/>
-          <a:lstStyle/>
-          <a:p>
-            <a:pPr algn="ctr"/>
-            <a:r>
-              <a:rPr lang="en-US" dirty="0" err="1" smtClean="0"/>
-              <a:t>DynamicAdapterFPGA_Excel</a:t>
-            </a:r>
-            <a:endParaRPr lang="en-US" dirty="0"/>
-          </a:p>
-        </p:txBody>
-      </p:sp>
-      <p:sp>
-        <p:nvSpPr>
-          <p:cNvPr id="14" name="Rectangle 13"/>
-          <p:cNvSpPr/>
-          <p:nvPr/>
-        </p:nvSpPr>
-        <p:spPr>
-          <a:xfrm>
-            <a:off x="5980045" y="2462917"/>
-            <a:ext cx="2951986" cy="432048"/>
-          </a:xfrm>
-          <a:prstGeom prst="rect">
-            <a:avLst/>
-          </a:prstGeom>
-        </p:spPr>
-        <p:style>
-          <a:lnRef idx="2">
-            <a:schemeClr val="dk1"/>
-          </a:lnRef>
-          <a:fillRef idx="1">
-            <a:schemeClr val="lt1"/>
-          </a:fillRef>
-          <a:effectRef idx="0">
-            <a:schemeClr val="dk1"/>
-          </a:effectRef>
-          <a:fontRef idx="minor">
-            <a:schemeClr val="dk1"/>
-          </a:fontRef>
-        </p:style>
-        <p:txBody>
-          <a:bodyPr rtlCol="0" anchor="ctr"/>
-          <a:lstStyle/>
-          <a:p>
-            <a:pPr algn="ctr"/>
-            <a:r>
-              <a:rPr lang="en-US" dirty="0" smtClean="0"/>
+            <a:r>
+              <a:rPr lang="en-US" sz="1600" dirty="0" smtClean="0"/>
               <a:t>DynamicAdapterFPGA_Pimca</a:t>
             </a:r>
             <a:endParaRPr lang="en-US" dirty="0"/>
@@ -3547,17 +3353,17 @@
       </p:sp>
       <p:cxnSp>
         <p:nvCxnSpPr>
-          <p:cNvPr id="15" name="Connecteur droit 14"/>
+          <p:cNvPr id="57" name="Connecteur droit 56"/>
           <p:cNvCxnSpPr>
-            <a:stCxn id="7" idx="2"/>
-            <a:endCxn id="5" idx="0"/>
+            <a:stCxn id="78" idx="2"/>
+            <a:endCxn id="77" idx="0"/>
           </p:cNvCxnSpPr>
           <p:nvPr/>
         </p:nvCxnSpPr>
         <p:spPr>
           <a:xfrm flipH="1">
-            <a:off x="905794" y="1268760"/>
-            <a:ext cx="1104707" cy="1637217"/>
+            <a:off x="694091" y="699539"/>
+            <a:ext cx="1660152" cy="1497742"/>
           </a:xfrm>
           <a:prstGeom prst="line">
             <a:avLst/>
@@ -3585,14 +3391,14 @@
       </p:cxnSp>
       <p:sp>
         <p:nvSpPr>
-          <p:cNvPr id="16" name="ZoneTexte 15"/>
+          <p:cNvPr id="58" name="ZoneTexte 57"/>
           <p:cNvSpPr txBox="1"/>
           <p:nvPr/>
         </p:nvSpPr>
         <p:spPr>
           <a:xfrm>
-            <a:off x="1403648" y="1268760"/>
-            <a:ext cx="1209305" cy="276999"/>
+            <a:off x="1670051" y="685907"/>
+            <a:ext cx="1209253" cy="276973"/>
           </a:xfrm>
           <a:prstGeom prst="rect">
             <a:avLst/>
@@ -3600,13 +3406,13 @@
           <a:noFill/>
         </p:spPr>
         <p:txBody>
-          <a:bodyPr wrap="none" rtlCol="0">
+          <a:bodyPr wrap="none" lIns="91414" tIns="45707" rIns="91414" bIns="45707" rtlCol="0">
             <a:spAutoFit/>
           </a:bodyPr>
           <a:lstStyle/>
           <a:p>
             <a:r>
-              <a:rPr lang="en-US" sz="1200" b="1" dirty="0" smtClean="0"/>
+              <a:rPr lang="en-US" sz="1200" b="1" dirty="0"/>
               <a:t>0..1           player</a:t>
             </a:r>
             <a:endParaRPr lang="en-US" sz="1200" b="1" dirty="0"/>
@@ -3615,13 +3421,13 @@
       </p:sp>
       <p:sp>
         <p:nvSpPr>
-          <p:cNvPr id="17" name="ZoneTexte 16"/>
+          <p:cNvPr id="59" name="ZoneTexte 58"/>
           <p:cNvSpPr txBox="1"/>
           <p:nvPr/>
         </p:nvSpPr>
         <p:spPr>
           <a:xfrm>
-            <a:off x="759272" y="2632958"/>
+            <a:off x="400587" y="1949437"/>
             <a:ext cx="1473480" cy="276999"/>
           </a:xfrm>
           <a:prstGeom prst="rect">
@@ -3630,18 +3436,14 @@
           <a:noFill/>
         </p:spPr>
         <p:txBody>
-          <a:bodyPr wrap="none" rtlCol="0">
+          <a:bodyPr wrap="none" lIns="91414" tIns="45707" rIns="91414" bIns="45707" rtlCol="0">
             <a:spAutoFit/>
           </a:bodyPr>
           <a:lstStyle/>
           <a:p>
             <a:r>
-              <a:rPr lang="en-US" sz="1200" b="1" dirty="0" smtClean="0"/>
-              <a:t>*          </a:t>
-            </a:r>
-            <a:r>
-              <a:rPr lang="en-US" sz="1200" b="1" dirty="0" err="1" smtClean="0"/>
-              <a:t>playRelations</a:t>
+              <a:rPr lang="en-US" sz="1200" b="1" dirty="0"/>
+              <a:t>*          playRelations</a:t>
             </a:r>
             <a:endParaRPr lang="en-US" sz="1200" b="1" dirty="0"/>
           </a:p>
@@ -3649,17 +3451,17 @@
       </p:sp>
       <p:cxnSp>
         <p:nvCxnSpPr>
-          <p:cNvPr id="18" name="Connecteur droit 17"/>
+          <p:cNvPr id="60" name="Connecteur droit 59"/>
           <p:cNvCxnSpPr>
-            <a:stCxn id="4" idx="0"/>
-            <a:endCxn id="5" idx="2"/>
+            <a:stCxn id="79" idx="0"/>
+            <a:endCxn id="77" idx="2"/>
           </p:cNvCxnSpPr>
           <p:nvPr/>
         </p:nvCxnSpPr>
         <p:spPr>
           <a:xfrm flipH="1" flipV="1">
-            <a:off x="905794" y="3356992"/>
-            <a:ext cx="2902966" cy="1510850"/>
+            <a:off x="694091" y="2629329"/>
+            <a:ext cx="1660153" cy="1081771"/>
           </a:xfrm>
           <a:prstGeom prst="line">
             <a:avLst/>
@@ -3687,17 +3489,17 @@
       </p:cxnSp>
       <p:cxnSp>
         <p:nvCxnSpPr>
-          <p:cNvPr id="19" name="Connecteur droit 18"/>
+          <p:cNvPr id="61" name="Connecteur droit 60"/>
           <p:cNvCxnSpPr>
-            <a:stCxn id="5" idx="3"/>
-            <a:endCxn id="6" idx="1"/>
+            <a:stCxn id="77" idx="3"/>
+            <a:endCxn id="50" idx="1"/>
           </p:cNvCxnSpPr>
           <p:nvPr/>
         </p:nvCxnSpPr>
         <p:spPr>
           <a:xfrm flipV="1">
-            <a:off x="1776092" y="3121596"/>
-            <a:ext cx="1150155" cy="9889"/>
+            <a:off x="1331640" y="2413304"/>
+            <a:ext cx="795953" cy="1"/>
           </a:xfrm>
           <a:prstGeom prst="line">
             <a:avLst/>
@@ -3726,14 +3528,14 @@
       </p:cxnSp>
       <p:sp>
         <p:nvSpPr>
-          <p:cNvPr id="20" name="ZoneTexte 19"/>
+          <p:cNvPr id="62" name="ZoneTexte 61"/>
           <p:cNvSpPr txBox="1"/>
           <p:nvPr/>
         </p:nvSpPr>
         <p:spPr>
           <a:xfrm>
-            <a:off x="2267744" y="2781579"/>
-            <a:ext cx="683970" cy="647421"/>
+            <a:off x="1357949" y="2149671"/>
+            <a:ext cx="683917" cy="278063"/>
           </a:xfrm>
           <a:prstGeom prst="rect">
             <a:avLst/>
@@ -3741,41 +3543,30 @@
           <a:noFill/>
         </p:spPr>
         <p:txBody>
-          <a:bodyPr wrap="none" tIns="46800" rtlCol="0">
+          <a:bodyPr wrap="none" lIns="91414" tIns="46787" rIns="91414" bIns="45707" rtlCol="0">
             <a:spAutoFit/>
           </a:bodyPr>
           <a:lstStyle/>
           <a:p>
+            <a:pPr algn="ctr"/>
             <a:r>
               <a:rPr lang="en-US" sz="1200" b="1" dirty="0" smtClean="0"/>
               <a:t>adapter</a:t>
             </a:r>
-          </a:p>
-          <a:p>
             <a:endParaRPr lang="en-US" sz="1200" b="1" dirty="0"/>
           </a:p>
-          <a:p>
-            <a:r>
-              <a:rPr lang="en-US" sz="1200" b="1" dirty="0" smtClean="0"/>
-              <a:t>   0</a:t>
-            </a:r>
-            <a:r>
-              <a:rPr lang="en-US" sz="1200" b="1" dirty="0"/>
-              <a:t>..1</a:t>
-            </a:r>
-          </a:p>
-        </p:txBody>
-      </p:sp>
-      <p:sp>
-        <p:nvSpPr>
-          <p:cNvPr id="21" name="ZoneTexte 20"/>
+        </p:txBody>
+      </p:sp>
+      <p:sp>
+        <p:nvSpPr>
+          <p:cNvPr id="63" name="ZoneTexte 62"/>
           <p:cNvSpPr txBox="1"/>
           <p:nvPr/>
         </p:nvSpPr>
         <p:spPr>
           <a:xfrm>
-            <a:off x="2987824" y="4575611"/>
-            <a:ext cx="1064459" cy="276999"/>
+            <a:off x="1779402" y="3507854"/>
+            <a:ext cx="1064406" cy="276973"/>
           </a:xfrm>
           <a:prstGeom prst="rect">
             <a:avLst/>
@@ -3783,13 +3574,13 @@
           <a:noFill/>
         </p:spPr>
         <p:txBody>
-          <a:bodyPr wrap="none" rtlCol="0">
+          <a:bodyPr wrap="none" lIns="91414" tIns="45707" rIns="91414" bIns="45707" rtlCol="0">
             <a:spAutoFit/>
           </a:bodyPr>
           <a:lstStyle/>
           <a:p>
             <a:r>
-              <a:rPr lang="en-US" sz="1200" b="1" dirty="0" smtClean="0"/>
+              <a:rPr lang="en-US" sz="1200" b="1" dirty="0"/>
               <a:t>0..1           role</a:t>
             </a:r>
             <a:endParaRPr lang="en-US" sz="1200" b="1" dirty="0"/>
@@ -3798,32 +3589,28 @@
       </p:sp>
       <p:sp>
         <p:nvSpPr>
-          <p:cNvPr id="22" name="Rectangle 21"/>
+          <p:cNvPr id="64" name="Rectangle 63"/>
           <p:cNvSpPr/>
           <p:nvPr/>
         </p:nvSpPr>
         <p:spPr>
           <a:xfrm>
-            <a:off x="755576" y="3381101"/>
-            <a:ext cx="1540806" cy="276999"/>
+            <a:off x="366950" y="2571750"/>
+            <a:ext cx="1540754" cy="276973"/>
           </a:xfrm>
           <a:prstGeom prst="rect">
             <a:avLst/>
           </a:prstGeom>
         </p:spPr>
         <p:txBody>
-          <a:bodyPr wrap="none">
+          <a:bodyPr wrap="none" lIns="91414" tIns="45707" rIns="91414" bIns="45707">
             <a:spAutoFit/>
           </a:bodyPr>
           <a:lstStyle/>
           <a:p>
             <a:r>
-              <a:rPr lang="en-US" sz="1200" b="1" dirty="0" smtClean="0"/>
-              <a:t>0..1         </a:t>
-            </a:r>
-            <a:r>
-              <a:rPr lang="en-US" sz="1200" b="1" dirty="0" err="1" smtClean="0"/>
-              <a:t>playRelation</a:t>
+              <a:rPr lang="en-US" sz="1200" b="1" dirty="0"/>
+              <a:t>0..1         playRelation</a:t>
             </a:r>
             <a:endParaRPr lang="en-US" sz="1200" b="1" dirty="0"/>
           </a:p>
@@ -3831,13 +3618,13 @@
       </p:sp>
       <p:cxnSp>
         <p:nvCxnSpPr>
-          <p:cNvPr id="23" name="Connecteur droit avec flèche 22"/>
+          <p:cNvPr id="65" name="Connecteur droit avec flèche 64"/>
           <p:cNvCxnSpPr/>
           <p:nvPr/>
         </p:nvCxnSpPr>
         <p:spPr>
           <a:xfrm flipV="1">
-            <a:off x="6264672" y="1662482"/>
+            <a:off x="6264673" y="1381297"/>
             <a:ext cx="1483322" cy="369332"/>
           </a:xfrm>
           <a:prstGeom prst="straightConnector1">
@@ -3865,267 +3652,122 @@
       </p:cxnSp>
       <p:sp>
         <p:nvSpPr>
-          <p:cNvPr id="24" name="Flèche vers le bas 23"/>
+          <p:cNvPr id="70" name="Ellipse 69"/>
           <p:cNvSpPr/>
           <p:nvPr/>
         </p:nvSpPr>
         <p:spPr>
-          <a:xfrm rot="25980000">
-            <a:off x="5283019" y="2180626"/>
-            <a:ext cx="153770" cy="1342408"/>
-          </a:xfrm>
-          <a:prstGeom prst="downArrow">
-            <a:avLst>
-              <a:gd name="adj1" fmla="val 0"/>
-              <a:gd name="adj2" fmla="val 79181"/>
-            </a:avLst>
+          <a:xfrm>
+            <a:off x="7308304" y="51469"/>
+            <a:ext cx="1728191" cy="576065"/>
+          </a:xfrm>
+          <a:prstGeom prst="ellipse">
+            <a:avLst/>
           </a:prstGeom>
-          <a:noFill/>
-          <a:ln>
-            <a:solidFill>
-              <a:schemeClr val="tx1"/>
-            </a:solidFill>
-          </a:ln>
         </p:spPr>
         <p:style>
           <a:lnRef idx="2">
-            <a:schemeClr val="accent1">
-              <a:shade val="50000"/>
-            </a:schemeClr>
+            <a:schemeClr val="dk1"/>
           </a:lnRef>
           <a:fillRef idx="1">
-            <a:schemeClr val="accent1"/>
+            <a:schemeClr val="lt1"/>
           </a:fillRef>
           <a:effectRef idx="0">
-            <a:schemeClr val="accent1"/>
+            <a:schemeClr val="dk1"/>
           </a:effectRef>
           <a:fontRef idx="minor">
-            <a:schemeClr val="lt1"/>
+            <a:schemeClr val="dk1"/>
           </a:fontRef>
         </p:style>
         <p:txBody>
-          <a:bodyPr rtlCol="0" anchor="ctr"/>
+          <a:bodyPr wrap="none" lIns="0" tIns="45707" rIns="0" bIns="45707" rtlCol="0" anchor="ctr"/>
           <a:lstStyle/>
           <a:p>
             <a:pPr algn="ctr"/>
-            <a:endParaRPr lang="en-US"/>
-          </a:p>
-        </p:txBody>
-      </p:sp>
-      <p:sp>
-        <p:nvSpPr>
-          <p:cNvPr id="25" name="Flèche vers le bas 24"/>
+            <a:r>
+              <a:rPr lang="en-US" sz="1600" dirty="0" smtClean="0"/>
+              <a:t>pimcaMachinery0</a:t>
+            </a:r>
+            <a:endParaRPr lang="en-US" dirty="0">
+              <a:solidFill>
+                <a:schemeClr val="dk1"/>
+              </a:solidFill>
+            </a:endParaRPr>
+          </a:p>
+        </p:txBody>
+      </p:sp>
+      <p:sp>
+        <p:nvSpPr>
+          <p:cNvPr id="71" name="Ellipse 70"/>
           <p:cNvSpPr/>
           <p:nvPr/>
         </p:nvSpPr>
         <p:spPr>
-          <a:xfrm rot="6300000">
-            <a:off x="5273251" y="2695100"/>
-            <a:ext cx="155458" cy="1306253"/>
-          </a:xfrm>
-          <a:prstGeom prst="downArrow">
-            <a:avLst>
-              <a:gd name="adj1" fmla="val 0"/>
-              <a:gd name="adj2" fmla="val 79181"/>
-            </a:avLst>
+          <a:xfrm>
+            <a:off x="7544993" y="872345"/>
+            <a:ext cx="1254811" cy="576065"/>
+          </a:xfrm>
+          <a:prstGeom prst="ellipse">
+            <a:avLst/>
           </a:prstGeom>
-          <a:noFill/>
-          <a:ln>
-            <a:solidFill>
-              <a:schemeClr val="tx1"/>
-            </a:solidFill>
-          </a:ln>
         </p:spPr>
         <p:style>
           <a:lnRef idx="2">
-            <a:schemeClr val="accent1">
-              <a:shade val="50000"/>
-            </a:schemeClr>
+            <a:schemeClr val="dk1"/>
           </a:lnRef>
           <a:fillRef idx="1">
-            <a:schemeClr val="accent1"/>
+            <a:schemeClr val="lt1"/>
           </a:fillRef>
           <a:effectRef idx="0">
-            <a:schemeClr val="accent1"/>
+            <a:schemeClr val="dk1"/>
           </a:effectRef>
           <a:fontRef idx="minor">
-            <a:schemeClr val="lt1"/>
+            <a:schemeClr val="dk1"/>
           </a:fontRef>
         </p:style>
         <p:txBody>
-          <a:bodyPr rtlCol="0" anchor="ctr"/>
+          <a:bodyPr wrap="none" lIns="0" tIns="45707" rIns="0" bIns="45707" rtlCol="0" anchor="ctr"/>
           <a:lstStyle/>
           <a:p>
             <a:pPr algn="ctr"/>
-            <a:endParaRPr lang="en-US"/>
-          </a:p>
-        </p:txBody>
-      </p:sp>
-      <p:sp>
-        <p:nvSpPr>
-          <p:cNvPr id="26" name="Flèche vers le bas 25"/>
-          <p:cNvSpPr/>
-          <p:nvPr/>
-        </p:nvSpPr>
-        <p:spPr>
-          <a:xfrm rot="25080000">
-            <a:off x="3236527" y="291579"/>
-            <a:ext cx="148009" cy="957017"/>
-          </a:xfrm>
-          <a:prstGeom prst="downArrow">
-            <a:avLst>
-              <a:gd name="adj1" fmla="val 0"/>
-              <a:gd name="adj2" fmla="val 79181"/>
-            </a:avLst>
-          </a:prstGeom>
-          <a:noFill/>
-          <a:ln>
-            <a:solidFill>
-              <a:schemeClr val="tx1"/>
-            </a:solidFill>
-          </a:ln>
-        </p:spPr>
-        <p:style>
-          <a:lnRef idx="2">
-            <a:schemeClr val="accent1">
-              <a:shade val="50000"/>
-            </a:schemeClr>
-          </a:lnRef>
-          <a:fillRef idx="1">
-            <a:schemeClr val="accent1"/>
-          </a:fillRef>
-          <a:effectRef idx="0">
-            <a:schemeClr val="accent1"/>
-          </a:effectRef>
-          <a:fontRef idx="minor">
-            <a:schemeClr val="lt1"/>
-          </a:fontRef>
-        </p:style>
-        <p:txBody>
-          <a:bodyPr rtlCol="0" anchor="ctr"/>
-          <a:lstStyle/>
-          <a:p>
-            <a:pPr algn="ctr"/>
-            <a:endParaRPr lang="en-US"/>
-          </a:p>
-        </p:txBody>
-      </p:sp>
-      <p:sp>
-        <p:nvSpPr>
-          <p:cNvPr id="28" name="Flèche vers le bas 27"/>
-          <p:cNvSpPr/>
-          <p:nvPr/>
-        </p:nvSpPr>
-        <p:spPr>
-          <a:xfrm rot="5400000">
-            <a:off x="5260925" y="4446716"/>
-            <a:ext cx="155459" cy="1265494"/>
-          </a:xfrm>
-          <a:prstGeom prst="downArrow">
-            <a:avLst>
-              <a:gd name="adj1" fmla="val 0"/>
-              <a:gd name="adj2" fmla="val 79181"/>
-            </a:avLst>
-          </a:prstGeom>
-          <a:noFill/>
-          <a:ln>
-            <a:solidFill>
-              <a:schemeClr val="tx1"/>
-            </a:solidFill>
-          </a:ln>
-        </p:spPr>
-        <p:style>
-          <a:lnRef idx="2">
-            <a:schemeClr val="accent1">
-              <a:shade val="50000"/>
-            </a:schemeClr>
-          </a:lnRef>
-          <a:fillRef idx="1">
-            <a:schemeClr val="accent1"/>
-          </a:fillRef>
-          <a:effectRef idx="0">
-            <a:schemeClr val="accent1"/>
-          </a:effectRef>
-          <a:fontRef idx="minor">
-            <a:schemeClr val="lt1"/>
-          </a:fontRef>
-        </p:style>
-        <p:txBody>
-          <a:bodyPr rtlCol="0" anchor="ctr"/>
-          <a:lstStyle/>
-          <a:p>
-            <a:pPr algn="ctr"/>
-            <a:endParaRPr lang="en-US"/>
-          </a:p>
-        </p:txBody>
-      </p:sp>
-      <p:sp>
-        <p:nvSpPr>
-          <p:cNvPr id="29" name="Flèche vers le bas 28"/>
-          <p:cNvSpPr/>
-          <p:nvPr/>
-        </p:nvSpPr>
-        <p:spPr>
-          <a:xfrm rot="-5400000">
-            <a:off x="470622" y="4909810"/>
-            <a:ext cx="155460" cy="720080"/>
-          </a:xfrm>
-          <a:prstGeom prst="downArrow">
-            <a:avLst>
-              <a:gd name="adj1" fmla="val 0"/>
-              <a:gd name="adj2" fmla="val 79181"/>
-            </a:avLst>
-          </a:prstGeom>
-          <a:noFill/>
-          <a:ln>
-            <a:solidFill>
-              <a:schemeClr val="tx1"/>
-            </a:solidFill>
-          </a:ln>
-        </p:spPr>
-        <p:style>
-          <a:lnRef idx="2">
-            <a:schemeClr val="accent1">
-              <a:shade val="50000"/>
-            </a:schemeClr>
-          </a:lnRef>
-          <a:fillRef idx="1">
-            <a:schemeClr val="accent1"/>
-          </a:fillRef>
-          <a:effectRef idx="0">
-            <a:schemeClr val="accent1"/>
-          </a:effectRef>
-          <a:fontRef idx="minor">
-            <a:schemeClr val="lt1"/>
-          </a:fontRef>
-        </p:style>
-        <p:txBody>
-          <a:bodyPr rtlCol="0" anchor="ctr"/>
-          <a:lstStyle/>
-          <a:p>
-            <a:pPr algn="ctr"/>
-            <a:endParaRPr lang="en-US"/>
+            <a:r>
+              <a:rPr lang="en-US" sz="1600" dirty="0"/>
+              <a:t>e</a:t>
+            </a:r>
+            <a:r>
+              <a:rPr lang="en-US" sz="1600" dirty="0" smtClean="0"/>
+              <a:t>xcelGroup0</a:t>
+            </a:r>
+            <a:endParaRPr lang="en-US" dirty="0">
+              <a:solidFill>
+                <a:schemeClr val="dk1"/>
+              </a:solidFill>
+            </a:endParaRPr>
           </a:p>
         </p:txBody>
       </p:sp>
       <p:cxnSp>
         <p:nvCxnSpPr>
-          <p:cNvPr id="30" name="Connecteur droit 29"/>
-          <p:cNvCxnSpPr/>
+          <p:cNvPr id="73" name="Connecteur droit avec flèche 72"/>
+          <p:cNvCxnSpPr>
+            <a:stCxn id="70" idx="2"/>
+            <a:endCxn id="54" idx="3"/>
+          </p:cNvCxnSpPr>
           <p:nvPr/>
         </p:nvCxnSpPr>
         <p:spPr>
-          <a:xfrm>
-            <a:off x="189300" y="5656233"/>
-            <a:ext cx="719092" cy="0"/>
-          </a:xfrm>
-          <a:prstGeom prst="line">
+          <a:xfrm flipH="1">
+            <a:off x="6228184" y="339502"/>
+            <a:ext cx="1080120" cy="0"/>
+          </a:xfrm>
+          <a:prstGeom prst="straightConnector1">
             <a:avLst/>
           </a:prstGeom>
           <a:ln w="22225">
             <a:solidFill>
               <a:schemeClr val="tx1"/>
             </a:solidFill>
+            <a:prstDash val="sysDot"/>
             <a:tailEnd type="arrow"/>
           </a:ln>
         </p:spPr>
@@ -4146,22 +3788,27 @@
       </p:cxnSp>
       <p:cxnSp>
         <p:nvCxnSpPr>
-          <p:cNvPr id="31" name="Connecteur droit 30"/>
-          <p:cNvCxnSpPr/>
+          <p:cNvPr id="74" name="Connecteur droit avec flèche 73"/>
+          <p:cNvCxnSpPr>
+            <a:stCxn id="71" idx="2"/>
+            <a:endCxn id="53" idx="3"/>
+          </p:cNvCxnSpPr>
           <p:nvPr/>
         </p:nvCxnSpPr>
         <p:spPr>
           <a:xfrm flipH="1">
-            <a:off x="201254" y="6040350"/>
-            <a:ext cx="694197" cy="1"/>
-          </a:xfrm>
-          <a:prstGeom prst="line">
+            <a:off x="6228184" y="1160378"/>
+            <a:ext cx="1316809" cy="4895"/>
+          </a:xfrm>
+          <a:prstGeom prst="straightConnector1">
             <a:avLst/>
           </a:prstGeom>
           <a:ln w="22225">
             <a:solidFill>
               <a:schemeClr val="tx1"/>
             </a:solidFill>
+            <a:prstDash val="sysDot"/>
+            <a:tailEnd type="arrow"/>
           </a:ln>
         </p:spPr>
         <p:style>
@@ -4181,116 +3828,16 @@
       </p:cxnSp>
       <p:sp>
         <p:nvSpPr>
-          <p:cNvPr id="32" name="ZoneTexte 31"/>
-          <p:cNvSpPr txBox="1"/>
-          <p:nvPr/>
-        </p:nvSpPr>
-        <p:spPr>
-          <a:xfrm>
-            <a:off x="1005811" y="5085184"/>
-            <a:ext cx="1572354" cy="369332"/>
-          </a:xfrm>
-          <a:prstGeom prst="rect">
-            <a:avLst/>
-          </a:prstGeom>
-          <a:noFill/>
-        </p:spPr>
-        <p:txBody>
-          <a:bodyPr wrap="none" rtlCol="0">
-            <a:spAutoFit/>
-          </a:bodyPr>
-          <a:lstStyle/>
-          <a:p>
-            <a:r>
-              <a:rPr lang="en-US" dirty="0"/>
-              <a:t>Generalization</a:t>
-            </a:r>
-          </a:p>
-        </p:txBody>
-      </p:sp>
-      <p:sp>
-        <p:nvSpPr>
-          <p:cNvPr id="33" name="ZoneTexte 32"/>
-          <p:cNvSpPr txBox="1"/>
-          <p:nvPr/>
-        </p:nvSpPr>
-        <p:spPr>
-          <a:xfrm>
-            <a:off x="1005811" y="5475594"/>
-            <a:ext cx="1277401" cy="369332"/>
-          </a:xfrm>
-          <a:prstGeom prst="rect">
-            <a:avLst/>
-          </a:prstGeom>
-          <a:noFill/>
-        </p:spPr>
-        <p:txBody>
-          <a:bodyPr wrap="none" rtlCol="0">
-            <a:spAutoFit/>
-          </a:bodyPr>
-          <a:lstStyle/>
-          <a:p>
-            <a:r>
-              <a:rPr lang="en-US" dirty="0"/>
-              <a:t>Association</a:t>
-            </a:r>
-          </a:p>
-        </p:txBody>
-      </p:sp>
-      <p:sp>
-        <p:nvSpPr>
-          <p:cNvPr id="34" name="ZoneTexte 33"/>
-          <p:cNvSpPr txBox="1"/>
-          <p:nvPr/>
-        </p:nvSpPr>
-        <p:spPr>
-          <a:xfrm>
-            <a:off x="998665" y="5824326"/>
-            <a:ext cx="1900520" cy="369332"/>
-          </a:xfrm>
-          <a:prstGeom prst="rect">
-            <a:avLst/>
-          </a:prstGeom>
-          <a:noFill/>
-        </p:spPr>
-        <p:txBody>
-          <a:bodyPr wrap="none" rtlCol="0">
-            <a:spAutoFit/>
-          </a:bodyPr>
-          <a:lstStyle/>
-          <a:p>
-            <a:r>
-              <a:rPr lang="en-US" dirty="0"/>
-              <a:t>B</a:t>
-            </a:r>
-            <a:r>
-              <a:rPr lang="en-US" dirty="0" smtClean="0"/>
-              <a:t>inary</a:t>
-            </a:r>
-            <a:r>
-              <a:rPr lang="en-US" dirty="0"/>
-              <a:t> </a:t>
-            </a:r>
-            <a:r>
-              <a:rPr lang="en-US" dirty="0" smtClean="0"/>
-              <a:t>Association</a:t>
-            </a:r>
-            <a:endParaRPr lang="en-US" dirty="0"/>
-          </a:p>
-        </p:txBody>
-      </p:sp>
-      <p:sp>
-        <p:nvSpPr>
-          <p:cNvPr id="3" name="Ellipse 2"/>
+          <p:cNvPr id="77" name="Rectangle 76"/>
           <p:cNvSpPr/>
           <p:nvPr/>
         </p:nvSpPr>
         <p:spPr>
           <a:xfrm>
-            <a:off x="6804248" y="260648"/>
-            <a:ext cx="2127783" cy="576064"/>
-          </a:xfrm>
-          <a:prstGeom prst="ellipse">
+            <a:off x="56541" y="2197281"/>
+            <a:ext cx="1275099" cy="432048"/>
+          </a:xfrm>
+          <a:prstGeom prst="rect">
             <a:avLst/>
           </a:prstGeom>
         </p:spPr>
@@ -4309,38 +3856,30 @@
           </a:fontRef>
         </p:style>
         <p:txBody>
-          <a:bodyPr wrap="none" lIns="0" rIns="0" rtlCol="0" anchor="ctr"/>
+          <a:bodyPr lIns="91414" tIns="45707" rIns="91414" bIns="45707" rtlCol="0" anchor="ctr"/>
           <a:lstStyle/>
           <a:p>
             <a:pPr algn="ctr"/>
             <a:r>
-              <a:rPr lang="en-US" dirty="0"/>
-              <a:t>p</a:t>
-            </a:r>
-            <a:r>
-              <a:rPr lang="en-US" dirty="0" smtClean="0"/>
-              <a:t>imcaMachinery0</a:t>
-            </a:r>
-            <a:endParaRPr lang="en-US" dirty="0">
-              <a:solidFill>
-                <a:schemeClr val="dk1"/>
-              </a:solidFill>
-            </a:endParaRPr>
-          </a:p>
-        </p:txBody>
-      </p:sp>
-      <p:sp>
-        <p:nvSpPr>
-          <p:cNvPr id="35" name="Ellipse 34"/>
+              <a:rPr lang="en-US" sz="1600" b="1" dirty="0" smtClean="0"/>
+              <a:t>PlayRelation</a:t>
+            </a:r>
+            <a:endParaRPr lang="en-US" dirty="0"/>
+          </a:p>
+        </p:txBody>
+      </p:sp>
+      <p:sp>
+        <p:nvSpPr>
+          <p:cNvPr id="78" name="Rectangle 77"/>
           <p:cNvSpPr/>
           <p:nvPr/>
         </p:nvSpPr>
         <p:spPr>
           <a:xfrm>
-            <a:off x="6845576" y="1146377"/>
-            <a:ext cx="2127783" cy="576064"/>
-          </a:xfrm>
-          <a:prstGeom prst="ellipse">
+            <a:off x="1716693" y="267491"/>
+            <a:ext cx="1275099" cy="432048"/>
+          </a:xfrm>
+          <a:prstGeom prst="rect">
             <a:avLst/>
           </a:prstGeom>
         </p:spPr>
@@ -4359,88 +3898,110 @@
           </a:fontRef>
         </p:style>
         <p:txBody>
-          <a:bodyPr wrap="none" lIns="0" rIns="0" rtlCol="0" anchor="ctr"/>
+          <a:bodyPr lIns="91414" tIns="45707" rIns="91414" bIns="45707" rtlCol="0" anchor="ctr"/>
           <a:lstStyle/>
           <a:p>
             <a:pPr algn="ctr"/>
             <a:r>
-              <a:rPr lang="en-US" dirty="0"/>
-              <a:t>e</a:t>
-            </a:r>
-            <a:r>
-              <a:rPr lang="en-US" smtClean="0"/>
-              <a:t>xcelGroup0</a:t>
-            </a:r>
-            <a:endParaRPr lang="en-US" dirty="0">
-              <a:solidFill>
-                <a:schemeClr val="dk1"/>
-              </a:solidFill>
-            </a:endParaRPr>
-          </a:p>
-        </p:txBody>
-      </p:sp>
-      <p:sp>
-        <p:nvSpPr>
-          <p:cNvPr id="36" name="Flèche vers le bas 35"/>
+              <a:rPr lang="en-US" sz="1600" b="1" dirty="0" smtClean="0"/>
+              <a:t>Player</a:t>
+            </a:r>
+            <a:endParaRPr lang="en-US" dirty="0"/>
+          </a:p>
+        </p:txBody>
+      </p:sp>
+      <p:sp>
+        <p:nvSpPr>
+          <p:cNvPr id="79" name="Rectangle 78"/>
           <p:cNvSpPr/>
           <p:nvPr/>
         </p:nvSpPr>
         <p:spPr>
-          <a:xfrm rot="28440000">
-            <a:off x="3247913" y="867806"/>
-            <a:ext cx="148009" cy="883434"/>
-          </a:xfrm>
-          <a:prstGeom prst="downArrow">
-            <a:avLst>
-              <a:gd name="adj1" fmla="val 0"/>
-              <a:gd name="adj2" fmla="val 79181"/>
-            </a:avLst>
+          <a:xfrm>
+            <a:off x="1716694" y="3711100"/>
+            <a:ext cx="1275099" cy="432048"/>
+          </a:xfrm>
+          <a:prstGeom prst="rect">
+            <a:avLst/>
           </a:prstGeom>
-          <a:noFill/>
-          <a:ln>
-            <a:solidFill>
-              <a:schemeClr val="tx1"/>
-            </a:solidFill>
-          </a:ln>
         </p:spPr>
         <p:style>
           <a:lnRef idx="2">
-            <a:schemeClr val="accent1">
-              <a:shade val="50000"/>
-            </a:schemeClr>
+            <a:schemeClr val="dk1"/>
           </a:lnRef>
           <a:fillRef idx="1">
-            <a:schemeClr val="accent1"/>
+            <a:schemeClr val="lt1"/>
           </a:fillRef>
           <a:effectRef idx="0">
-            <a:schemeClr val="accent1"/>
+            <a:schemeClr val="dk1"/>
           </a:effectRef>
           <a:fontRef idx="minor">
-            <a:schemeClr val="lt1"/>
+            <a:schemeClr val="dk1"/>
           </a:fontRef>
         </p:style>
         <p:txBody>
-          <a:bodyPr rtlCol="0" anchor="ctr"/>
+          <a:bodyPr lIns="91414" tIns="45707" rIns="91414" bIns="45707" rtlCol="0" anchor="ctr"/>
           <a:lstStyle/>
           <a:p>
             <a:pPr algn="ctr"/>
-            <a:endParaRPr lang="en-US"/>
+            <a:r>
+              <a:rPr lang="en-US" sz="1600" b="1" dirty="0" smtClean="0"/>
+              <a:t>Role</a:t>
+            </a:r>
+            <a:endParaRPr lang="en-US" dirty="0"/>
           </a:p>
         </p:txBody>
       </p:sp>
       <p:cxnSp>
         <p:nvCxnSpPr>
-          <p:cNvPr id="38" name="Connecteur droit avec flèche 37"/>
+          <p:cNvPr id="128" name="Connecteur droit 127"/>
+          <p:cNvCxnSpPr/>
+          <p:nvPr/>
+        </p:nvCxnSpPr>
+        <p:spPr>
+          <a:xfrm>
+            <a:off x="3923928" y="3624"/>
+            <a:ext cx="72008" cy="5143500"/>
+          </a:xfrm>
+          <a:prstGeom prst="line">
+            <a:avLst/>
+          </a:prstGeom>
+          <a:ln w="31750">
+            <a:solidFill>
+              <a:schemeClr val="dk1">
+                <a:alpha val="80000"/>
+              </a:schemeClr>
+            </a:solidFill>
+            <a:prstDash val="dash"/>
+          </a:ln>
+        </p:spPr>
+        <p:style>
+          <a:lnRef idx="3">
+            <a:schemeClr val="dk1"/>
+          </a:lnRef>
+          <a:fillRef idx="0">
+            <a:schemeClr val="dk1"/>
+          </a:fillRef>
+          <a:effectRef idx="2">
+            <a:schemeClr val="dk1"/>
+          </a:effectRef>
+          <a:fontRef idx="minor">
+            <a:schemeClr val="tx1"/>
+          </a:fontRef>
+        </p:style>
+      </p:cxnSp>
+      <p:cxnSp>
+        <p:nvCxnSpPr>
+          <p:cNvPr id="161" name="Connecteur droit avec flèche 160"/>
           <p:cNvCxnSpPr>
-            <a:stCxn id="3" idx="2"/>
-            <a:endCxn id="12" idx="3"/>
+            <a:stCxn id="54" idx="1"/>
           </p:cNvCxnSpPr>
           <p:nvPr/>
         </p:nvCxnSpPr>
         <p:spPr>
           <a:xfrm flipH="1">
-            <a:off x="5579770" y="548680"/>
-            <a:ext cx="1224478" cy="0"/>
+            <a:off x="2991793" y="339502"/>
+            <a:ext cx="1637046" cy="72005"/>
           </a:xfrm>
           <a:prstGeom prst="straightConnector1">
             <a:avLst/>
@@ -4470,17 +4031,17 @@
       </p:cxnSp>
       <p:cxnSp>
         <p:nvCxnSpPr>
-          <p:cNvPr id="40" name="Connecteur droit avec flèche 39"/>
+          <p:cNvPr id="164" name="Connecteur droit avec flèche 163"/>
           <p:cNvCxnSpPr>
-            <a:stCxn id="35" idx="2"/>
-            <a:endCxn id="11" idx="3"/>
+            <a:stCxn id="53" idx="1"/>
+            <a:endCxn id="78" idx="3"/>
           </p:cNvCxnSpPr>
           <p:nvPr/>
         </p:nvCxnSpPr>
         <p:spPr>
-          <a:xfrm flipH="1">
-            <a:off x="5579770" y="1434409"/>
-            <a:ext cx="1265806" cy="0"/>
+          <a:xfrm flipH="1" flipV="1">
+            <a:off x="2991792" y="483515"/>
+            <a:ext cx="1609409" cy="681758"/>
           </a:xfrm>
           <a:prstGeom prst="straightConnector1">
             <a:avLst/>
@@ -4510,14 +4071,17 @@
       </p:cxnSp>
       <p:cxnSp>
         <p:nvCxnSpPr>
-          <p:cNvPr id="42" name="Connecteur droit avec flèche 41"/>
-          <p:cNvCxnSpPr/>
+          <p:cNvPr id="167" name="Connecteur droit avec flèche 166"/>
+          <p:cNvCxnSpPr>
+            <a:stCxn id="56" idx="1"/>
+            <a:endCxn id="50" idx="3"/>
+          </p:cNvCxnSpPr>
           <p:nvPr/>
         </p:nvCxnSpPr>
         <p:spPr>
-          <a:xfrm>
-            <a:off x="201254" y="6381290"/>
-            <a:ext cx="707138" cy="0"/>
+          <a:xfrm flipH="1">
+            <a:off x="3783777" y="2039569"/>
+            <a:ext cx="379873" cy="373735"/>
           </a:xfrm>
           <a:prstGeom prst="straightConnector1">
             <a:avLst/>
@@ -4545,16 +4109,171 @@
           </a:fontRef>
         </p:style>
       </p:cxnSp>
-      <p:sp>
-        <p:nvSpPr>
-          <p:cNvPr id="45" name="ZoneTexte 44"/>
+      <p:cxnSp>
+        <p:nvCxnSpPr>
+          <p:cNvPr id="170" name="Connecteur droit avec flèche 169"/>
+          <p:cNvCxnSpPr>
+            <a:stCxn id="55" idx="1"/>
+            <a:endCxn id="50" idx="3"/>
+          </p:cNvCxnSpPr>
+          <p:nvPr/>
+        </p:nvCxnSpPr>
+        <p:spPr>
+          <a:xfrm flipH="1" flipV="1">
+            <a:off x="3783777" y="2413304"/>
+            <a:ext cx="379873" cy="323711"/>
+          </a:xfrm>
+          <a:prstGeom prst="straightConnector1">
+            <a:avLst/>
+          </a:prstGeom>
+          <a:ln w="22225">
+            <a:solidFill>
+              <a:schemeClr val="tx1"/>
+            </a:solidFill>
+            <a:prstDash val="sysDot"/>
+            <a:tailEnd type="arrow"/>
+          </a:ln>
+        </p:spPr>
+        <p:style>
+          <a:lnRef idx="1">
+            <a:schemeClr val="accent1"/>
+          </a:lnRef>
+          <a:fillRef idx="0">
+            <a:schemeClr val="accent1"/>
+          </a:fillRef>
+          <a:effectRef idx="0">
+            <a:schemeClr val="accent1"/>
+          </a:effectRef>
+          <a:fontRef idx="minor">
+            <a:schemeClr val="tx1"/>
+          </a:fontRef>
+        </p:style>
+      </p:cxnSp>
+      <p:cxnSp>
+        <p:nvCxnSpPr>
+          <p:cNvPr id="173" name="Connecteur droit avec flèche 172"/>
+          <p:cNvCxnSpPr>
+            <a:stCxn id="52" idx="1"/>
+            <a:endCxn id="79" idx="3"/>
+          </p:cNvCxnSpPr>
+          <p:nvPr/>
+        </p:nvCxnSpPr>
+        <p:spPr>
+          <a:xfrm flipH="1" flipV="1">
+            <a:off x="2991793" y="3927124"/>
+            <a:ext cx="1637046" cy="11936"/>
+          </a:xfrm>
+          <a:prstGeom prst="straightConnector1">
+            <a:avLst/>
+          </a:prstGeom>
+          <a:ln w="22225">
+            <a:solidFill>
+              <a:schemeClr val="tx1"/>
+            </a:solidFill>
+            <a:prstDash val="sysDot"/>
+            <a:tailEnd type="arrow"/>
+          </a:ln>
+        </p:spPr>
+        <p:style>
+          <a:lnRef idx="1">
+            <a:schemeClr val="accent1"/>
+          </a:lnRef>
+          <a:fillRef idx="0">
+            <a:schemeClr val="accent1"/>
+          </a:fillRef>
+          <a:effectRef idx="0">
+            <a:schemeClr val="accent1"/>
+          </a:effectRef>
+          <a:fontRef idx="minor">
+            <a:schemeClr val="tx1"/>
+          </a:fontRef>
+        </p:style>
+      </p:cxnSp>
+      <p:cxnSp>
+        <p:nvCxnSpPr>
+          <p:cNvPr id="177" name="Connecteur droit 176"/>
+          <p:cNvCxnSpPr/>
+          <p:nvPr/>
+        </p:nvCxnSpPr>
+        <p:spPr>
+          <a:xfrm>
+            <a:off x="6924837" y="-20538"/>
+            <a:ext cx="72008" cy="5143500"/>
+          </a:xfrm>
+          <a:prstGeom prst="line">
+            <a:avLst/>
+          </a:prstGeom>
+          <a:ln w="31750">
+            <a:solidFill>
+              <a:schemeClr val="dk1">
+                <a:alpha val="80000"/>
+              </a:schemeClr>
+            </a:solidFill>
+            <a:prstDash val="dash"/>
+          </a:ln>
+        </p:spPr>
+        <p:style>
+          <a:lnRef idx="3">
+            <a:schemeClr val="dk1"/>
+          </a:lnRef>
+          <a:fillRef idx="0">
+            <a:schemeClr val="dk1"/>
+          </a:fillRef>
+          <a:effectRef idx="2">
+            <a:schemeClr val="dk1"/>
+          </a:effectRef>
+          <a:fontRef idx="minor">
+            <a:schemeClr val="tx1"/>
+          </a:fontRef>
+        </p:style>
+      </p:cxnSp>
+      <p:cxnSp>
+        <p:nvCxnSpPr>
+          <p:cNvPr id="187" name="Connecteur droit avec flèche 186"/>
+          <p:cNvCxnSpPr/>
+          <p:nvPr/>
+        </p:nvCxnSpPr>
+        <p:spPr>
+          <a:xfrm flipH="1">
+            <a:off x="79057" y="5000729"/>
+            <a:ext cx="699138" cy="0"/>
+          </a:xfrm>
+          <a:prstGeom prst="straightConnector1">
+            <a:avLst/>
+          </a:prstGeom>
+          <a:ln w="22225">
+            <a:solidFill>
+              <a:schemeClr val="tx1"/>
+            </a:solidFill>
+            <a:prstDash val="sysDot"/>
+            <a:tailEnd type="arrow"/>
+          </a:ln>
+        </p:spPr>
+        <p:style>
+          <a:lnRef idx="1">
+            <a:schemeClr val="accent1"/>
+          </a:lnRef>
+          <a:fillRef idx="0">
+            <a:schemeClr val="accent1"/>
+          </a:fillRef>
+          <a:effectRef idx="0">
+            <a:schemeClr val="accent1"/>
+          </a:effectRef>
+          <a:fontRef idx="minor">
+            <a:schemeClr val="tx1"/>
+          </a:fontRef>
+        </p:style>
+      </p:cxnSp>
+      <p:sp>
+        <p:nvSpPr>
+          <p:cNvPr id="189" name="ZoneTexte 188"/>
           <p:cNvSpPr txBox="1"/>
           <p:nvPr/>
         </p:nvSpPr>
         <p:spPr>
           <a:xfrm>
-            <a:off x="987768" y="6165304"/>
-            <a:ext cx="1216423" cy="369332"/>
+            <a:off x="755576" y="4825484"/>
+            <a:ext cx="1235146" cy="338554"/>
           </a:xfrm>
           <a:prstGeom prst="rect">
             <a:avLst/>
@@ -4568,23 +4287,164 @@
           <a:lstStyle/>
           <a:p>
             <a:r>
-              <a:rPr lang="en-US" dirty="0" smtClean="0"/>
-              <a:t>Instance of</a:t>
-            </a:r>
-            <a:endParaRPr lang="en-US" dirty="0"/>
-          </a:p>
-        </p:txBody>
-      </p:sp>
-      <p:sp>
-        <p:nvSpPr>
-          <p:cNvPr id="46" name="Ellipse 45"/>
+              <a:rPr lang="en-US" sz="1600" dirty="0" smtClean="0"/>
+              <a:t>: Conform to</a:t>
+            </a:r>
+            <a:endParaRPr lang="en-US" sz="1600" dirty="0"/>
+          </a:p>
+        </p:txBody>
+      </p:sp>
+      <p:sp>
+        <p:nvSpPr>
+          <p:cNvPr id="191" name="ZoneTexte 190"/>
+          <p:cNvSpPr txBox="1"/>
+          <p:nvPr/>
+        </p:nvSpPr>
+        <p:spPr>
+          <a:xfrm>
+            <a:off x="911210" y="4441667"/>
+            <a:ext cx="1632948" cy="369332"/>
+          </a:xfrm>
+          <a:prstGeom prst="rect">
+            <a:avLst/>
+          </a:prstGeom>
+          <a:noFill/>
+        </p:spPr>
+        <p:txBody>
+          <a:bodyPr wrap="none" rtlCol="0">
+            <a:spAutoFit/>
+          </a:bodyPr>
+          <a:lstStyle/>
+          <a:p>
+            <a:pPr algn="ctr"/>
+            <a:r>
+              <a:rPr lang="en-US" b="1" u="sng" dirty="0" smtClean="0">
+                <a:effectLst>
+                  <a:outerShdw blurRad="38100" dist="38100" dir="2700000" algn="tl">
+                    <a:srgbClr val="000000">
+                      <a:alpha val="43137"/>
+                    </a:srgbClr>
+                  </a:outerShdw>
+                </a:effectLst>
+              </a:rPr>
+              <a:t>Role4All model</a:t>
+            </a:r>
+            <a:endParaRPr lang="en-US" b="1" u="sng" dirty="0">
+              <a:effectLst>
+                <a:outerShdw blurRad="38100" dist="38100" dir="2700000" algn="tl">
+                  <a:srgbClr val="000000">
+                    <a:alpha val="43137"/>
+                  </a:srgbClr>
+                </a:outerShdw>
+              </a:effectLst>
+            </a:endParaRPr>
+          </a:p>
+        </p:txBody>
+      </p:sp>
+      <p:sp>
+        <p:nvSpPr>
+          <p:cNvPr id="192" name="ZoneTexte 191"/>
+          <p:cNvSpPr txBox="1"/>
+          <p:nvPr/>
+        </p:nvSpPr>
+        <p:spPr>
+          <a:xfrm>
+            <a:off x="4709819" y="4486052"/>
+            <a:ext cx="1409745" cy="369332"/>
+          </a:xfrm>
+          <a:prstGeom prst="rect">
+            <a:avLst/>
+          </a:prstGeom>
+          <a:noFill/>
+        </p:spPr>
+        <p:txBody>
+          <a:bodyPr wrap="none" rtlCol="0">
+            <a:spAutoFit/>
+          </a:bodyPr>
+          <a:lstStyle/>
+          <a:p>
+            <a:pPr algn="ctr"/>
+            <a:r>
+              <a:rPr lang="en-US" b="1" u="sng" dirty="0" smtClean="0">
+                <a:effectLst>
+                  <a:outerShdw blurRad="38100" dist="38100" dir="2700000" algn="tl">
+                    <a:srgbClr val="000000">
+                      <a:alpha val="43137"/>
+                    </a:srgbClr>
+                  </a:outerShdw>
+                </a:effectLst>
+              </a:rPr>
+              <a:t>A role model</a:t>
+            </a:r>
+            <a:endParaRPr lang="en-US" b="1" u="sng" dirty="0">
+              <a:effectLst>
+                <a:outerShdw blurRad="38100" dist="38100" dir="2700000" algn="tl">
+                  <a:srgbClr val="000000">
+                    <a:alpha val="43137"/>
+                  </a:srgbClr>
+                </a:outerShdw>
+              </a:effectLst>
+            </a:endParaRPr>
+          </a:p>
+        </p:txBody>
+      </p:sp>
+      <p:sp>
+        <p:nvSpPr>
+          <p:cNvPr id="193" name="ZoneTexte 192"/>
+          <p:cNvSpPr txBox="1"/>
+          <p:nvPr/>
+        </p:nvSpPr>
+        <p:spPr>
+          <a:xfrm>
+            <a:off x="7634430" y="4486052"/>
+            <a:ext cx="1075937" cy="369332"/>
+          </a:xfrm>
+          <a:prstGeom prst="rect">
+            <a:avLst/>
+          </a:prstGeom>
+          <a:noFill/>
+        </p:spPr>
+        <p:txBody>
+          <a:bodyPr wrap="none" rtlCol="0">
+            <a:spAutoFit/>
+          </a:bodyPr>
+          <a:lstStyle/>
+          <a:p>
+            <a:pPr algn="ctr"/>
+            <a:r>
+              <a:rPr lang="en-US" b="1" u="sng" dirty="0" smtClean="0">
+                <a:effectLst>
+                  <a:outerShdw blurRad="38100" dist="38100" dir="2700000" algn="tl">
+                    <a:srgbClr val="000000">
+                      <a:alpha val="43137"/>
+                    </a:srgbClr>
+                  </a:outerShdw>
+                </a:effectLst>
+              </a:rPr>
+              <a:t>Instances</a:t>
+            </a:r>
+            <a:endParaRPr lang="en-US" b="1" u="sng" dirty="0">
+              <a:effectLst>
+                <a:outerShdw blurRad="38100" dist="38100" dir="2700000" algn="tl">
+                  <a:srgbClr val="000000">
+                    <a:alpha val="43137"/>
+                  </a:srgbClr>
+                </a:outerShdw>
+              </a:effectLst>
+            </a:endParaRPr>
+          </a:p>
+        </p:txBody>
+      </p:sp>
+      <p:sp>
+        <p:nvSpPr>
+          <p:cNvPr id="194" name="Ellipse 193"/>
           <p:cNvSpPr/>
           <p:nvPr/>
         </p:nvSpPr>
         <p:spPr>
           <a:xfrm>
-            <a:off x="151621" y="4797152"/>
-            <a:ext cx="775860" cy="288032"/>
+            <a:off x="7550960" y="2613379"/>
+            <a:ext cx="1254811" cy="576065"/>
           </a:xfrm>
           <a:prstGeom prst="ellipse">
             <a:avLst/>
@@ -4605,24 +4465,242 @@
           </a:fontRef>
         </p:style>
         <p:txBody>
-          <a:bodyPr rtlCol="0" anchor="ctr"/>
+          <a:bodyPr wrap="none" lIns="0" tIns="45707" rIns="0" bIns="45707" rtlCol="0" anchor="ctr"/>
           <a:lstStyle/>
           <a:p>
             <a:pPr algn="ctr"/>
-            <a:endParaRPr lang="en-US" dirty="0"/>
-          </a:p>
-        </p:txBody>
-      </p:sp>
-      <p:sp>
-        <p:nvSpPr>
-          <p:cNvPr id="47" name="Rectangle 46"/>
+            <a:r>
+              <a:rPr lang="en-US" sz="1600" dirty="0" smtClean="0"/>
+              <a:t>roleFPGA0</a:t>
+            </a:r>
+            <a:endParaRPr lang="en-US" dirty="0">
+              <a:solidFill>
+                <a:schemeClr val="dk1"/>
+              </a:solidFill>
+            </a:endParaRPr>
+          </a:p>
+        </p:txBody>
+      </p:sp>
+      <p:sp>
+        <p:nvSpPr>
+          <p:cNvPr id="195" name="Ellipse 194"/>
           <p:cNvSpPr/>
           <p:nvPr/>
         </p:nvSpPr>
         <p:spPr>
           <a:xfrm>
-            <a:off x="1013947" y="4751788"/>
-            <a:ext cx="1024063" cy="369332"/>
+            <a:off x="7565661" y="3255000"/>
+            <a:ext cx="1254811" cy="576065"/>
+          </a:xfrm>
+          <a:prstGeom prst="ellipse">
+            <a:avLst/>
+          </a:prstGeom>
+        </p:spPr>
+        <p:style>
+          <a:lnRef idx="2">
+            <a:schemeClr val="dk1"/>
+          </a:lnRef>
+          <a:fillRef idx="1">
+            <a:schemeClr val="lt1"/>
+          </a:fillRef>
+          <a:effectRef idx="0">
+            <a:schemeClr val="dk1"/>
+          </a:effectRef>
+          <a:fontRef idx="minor">
+            <a:schemeClr val="dk1"/>
+          </a:fontRef>
+        </p:style>
+        <p:txBody>
+          <a:bodyPr wrap="none" lIns="0" tIns="45707" rIns="0" bIns="45707" rtlCol="0" anchor="ctr"/>
+          <a:lstStyle/>
+          <a:p>
+            <a:pPr algn="ctr"/>
+            <a:r>
+              <a:rPr lang="en-US" sz="1600" dirty="0" smtClean="0"/>
+              <a:t>roleFPGA0.1</a:t>
+            </a:r>
+            <a:endParaRPr lang="en-US" dirty="0">
+              <a:solidFill>
+                <a:schemeClr val="dk1"/>
+              </a:solidFill>
+            </a:endParaRPr>
+          </a:p>
+        </p:txBody>
+      </p:sp>
+      <p:sp>
+        <p:nvSpPr>
+          <p:cNvPr id="196" name="Ellipse 195"/>
+          <p:cNvSpPr/>
+          <p:nvPr/>
+        </p:nvSpPr>
+        <p:spPr>
+          <a:xfrm>
+            <a:off x="7544465" y="3939901"/>
+            <a:ext cx="1254811" cy="576065"/>
+          </a:xfrm>
+          <a:prstGeom prst="ellipse">
+            <a:avLst/>
+          </a:prstGeom>
+        </p:spPr>
+        <p:style>
+          <a:lnRef idx="2">
+            <a:schemeClr val="dk1"/>
+          </a:lnRef>
+          <a:fillRef idx="1">
+            <a:schemeClr val="lt1"/>
+          </a:fillRef>
+          <a:effectRef idx="0">
+            <a:schemeClr val="dk1"/>
+          </a:effectRef>
+          <a:fontRef idx="minor">
+            <a:schemeClr val="dk1"/>
+          </a:fontRef>
+        </p:style>
+        <p:txBody>
+          <a:bodyPr wrap="none" lIns="0" tIns="45707" rIns="0" bIns="45707" rtlCol="0" anchor="ctr"/>
+          <a:lstStyle/>
+          <a:p>
+            <a:pPr algn="ctr"/>
+            <a:r>
+              <a:rPr lang="en-US" sz="1600" dirty="0" smtClean="0"/>
+              <a:t>roleFPGA0.2</a:t>
+            </a:r>
+            <a:endParaRPr lang="en-US" dirty="0">
+              <a:solidFill>
+                <a:schemeClr val="dk1"/>
+              </a:solidFill>
+            </a:endParaRPr>
+          </a:p>
+        </p:txBody>
+      </p:sp>
+      <p:cxnSp>
+        <p:nvCxnSpPr>
+          <p:cNvPr id="197" name="Connecteur droit avec flèche 196"/>
+          <p:cNvCxnSpPr>
+            <a:stCxn id="194" idx="2"/>
+          </p:cNvCxnSpPr>
+          <p:nvPr/>
+        </p:nvCxnSpPr>
+        <p:spPr>
+          <a:xfrm flipH="1">
+            <a:off x="6228185" y="2901412"/>
+            <a:ext cx="1322775" cy="959189"/>
+          </a:xfrm>
+          <a:prstGeom prst="straightConnector1">
+            <a:avLst/>
+          </a:prstGeom>
+          <a:ln w="22225">
+            <a:solidFill>
+              <a:schemeClr val="tx1"/>
+            </a:solidFill>
+            <a:prstDash val="sysDot"/>
+            <a:tailEnd type="arrow"/>
+          </a:ln>
+        </p:spPr>
+        <p:style>
+          <a:lnRef idx="1">
+            <a:schemeClr val="accent1"/>
+          </a:lnRef>
+          <a:fillRef idx="0">
+            <a:schemeClr val="accent1"/>
+          </a:fillRef>
+          <a:effectRef idx="0">
+            <a:schemeClr val="accent1"/>
+          </a:effectRef>
+          <a:fontRef idx="minor">
+            <a:schemeClr val="tx1"/>
+          </a:fontRef>
+        </p:style>
+      </p:cxnSp>
+      <p:cxnSp>
+        <p:nvCxnSpPr>
+          <p:cNvPr id="200" name="Connecteur droit avec flèche 199"/>
+          <p:cNvCxnSpPr>
+            <a:stCxn id="195" idx="2"/>
+            <a:endCxn id="52" idx="3"/>
+          </p:cNvCxnSpPr>
+          <p:nvPr/>
+        </p:nvCxnSpPr>
+        <p:spPr>
+          <a:xfrm flipH="1">
+            <a:off x="6228184" y="3543033"/>
+            <a:ext cx="1337477" cy="396027"/>
+          </a:xfrm>
+          <a:prstGeom prst="straightConnector1">
+            <a:avLst/>
+          </a:prstGeom>
+          <a:ln w="22225">
+            <a:solidFill>
+              <a:schemeClr val="tx1"/>
+            </a:solidFill>
+            <a:prstDash val="sysDot"/>
+            <a:tailEnd type="arrow"/>
+          </a:ln>
+        </p:spPr>
+        <p:style>
+          <a:lnRef idx="1">
+            <a:schemeClr val="accent1"/>
+          </a:lnRef>
+          <a:fillRef idx="0">
+            <a:schemeClr val="accent1"/>
+          </a:fillRef>
+          <a:effectRef idx="0">
+            <a:schemeClr val="accent1"/>
+          </a:effectRef>
+          <a:fontRef idx="minor">
+            <a:schemeClr val="tx1"/>
+          </a:fontRef>
+        </p:style>
+      </p:cxnSp>
+      <p:cxnSp>
+        <p:nvCxnSpPr>
+          <p:cNvPr id="204" name="Connecteur droit avec flèche 203"/>
+          <p:cNvCxnSpPr>
+            <a:stCxn id="196" idx="2"/>
+          </p:cNvCxnSpPr>
+          <p:nvPr/>
+        </p:nvCxnSpPr>
+        <p:spPr>
+          <a:xfrm flipH="1" flipV="1">
+            <a:off x="6228185" y="4011068"/>
+            <a:ext cx="1316280" cy="216866"/>
+          </a:xfrm>
+          <a:prstGeom prst="straightConnector1">
+            <a:avLst/>
+          </a:prstGeom>
+          <a:ln w="22225">
+            <a:solidFill>
+              <a:schemeClr val="tx1"/>
+            </a:solidFill>
+            <a:prstDash val="sysDot"/>
+            <a:tailEnd type="arrow"/>
+          </a:ln>
+        </p:spPr>
+        <p:style>
+          <a:lnRef idx="1">
+            <a:schemeClr val="accent1"/>
+          </a:lnRef>
+          <a:fillRef idx="0">
+            <a:schemeClr val="accent1"/>
+          </a:fillRef>
+          <a:effectRef idx="0">
+            <a:schemeClr val="accent1"/>
+          </a:effectRef>
+          <a:fontRef idx="minor">
+            <a:schemeClr val="tx1"/>
+          </a:fontRef>
+        </p:style>
+      </p:cxnSp>
+      <p:sp>
+        <p:nvSpPr>
+          <p:cNvPr id="225" name="Rectangle 224"/>
+          <p:cNvSpPr/>
+          <p:nvPr/>
+        </p:nvSpPr>
+        <p:spPr>
+          <a:xfrm>
+            <a:off x="1469716" y="2382491"/>
+            <a:ext cx="460382" cy="276999"/>
           </a:xfrm>
           <a:prstGeom prst="rect">
             <a:avLst/>
@@ -4634,10 +4712,12 @@
           </a:bodyPr>
           <a:lstStyle/>
           <a:p>
-            <a:r>
-              <a:rPr lang="en-US" dirty="0"/>
-              <a:t>Instance </a:t>
-            </a:r>
+            <a:pPr algn="ctr"/>
+            <a:r>
+              <a:rPr lang="en-US" sz="1200" b="1" dirty="0"/>
+              <a:t> 0..1</a:t>
+            </a:r>
+            <a:endParaRPr lang="en-US" sz="1200" dirty="0"/>
           </a:p>
         </p:txBody>
       </p:sp>

--- a/documentation/docTravail/seancesTravail/cyber/Role4All_metaModel.pptx
+++ b/documentation/docTravail/seancesTravail/cyber/Role4All_metaModel.pptx
@@ -288,7 +288,7 @@
           <a:p>
             <a:fld id="{C3B5F8B5-E55E-4111-B234-B1BB757BB9B0}" type="datetimeFigureOut">
               <a:rPr lang="en-US" smtClean="0"/>
-              <a:t>4/8/2016</a:t>
+              <a:t>4/11/2016</a:t>
             </a:fld>
             <a:endParaRPr lang="en-US"/>
           </a:p>
@@ -458,7 +458,7 @@
           <a:p>
             <a:fld id="{C3B5F8B5-E55E-4111-B234-B1BB757BB9B0}" type="datetimeFigureOut">
               <a:rPr lang="en-US" smtClean="0"/>
-              <a:t>4/8/2016</a:t>
+              <a:t>4/11/2016</a:t>
             </a:fld>
             <a:endParaRPr lang="en-US"/>
           </a:p>
@@ -638,7 +638,7 @@
           <a:p>
             <a:fld id="{C3B5F8B5-E55E-4111-B234-B1BB757BB9B0}" type="datetimeFigureOut">
               <a:rPr lang="en-US" smtClean="0"/>
-              <a:t>4/8/2016</a:t>
+              <a:t>4/11/2016</a:t>
             </a:fld>
             <a:endParaRPr lang="en-US"/>
           </a:p>
@@ -808,7 +808,7 @@
           <a:p>
             <a:fld id="{C3B5F8B5-E55E-4111-B234-B1BB757BB9B0}" type="datetimeFigureOut">
               <a:rPr lang="en-US" smtClean="0"/>
-              <a:t>4/8/2016</a:t>
+              <a:t>4/11/2016</a:t>
             </a:fld>
             <a:endParaRPr lang="en-US"/>
           </a:p>
@@ -1054,7 +1054,7 @@
           <a:p>
             <a:fld id="{C3B5F8B5-E55E-4111-B234-B1BB757BB9B0}" type="datetimeFigureOut">
               <a:rPr lang="en-US" smtClean="0"/>
-              <a:t>4/8/2016</a:t>
+              <a:t>4/11/2016</a:t>
             </a:fld>
             <a:endParaRPr lang="en-US"/>
           </a:p>
@@ -1342,7 +1342,7 @@
           <a:p>
             <a:fld id="{C3B5F8B5-E55E-4111-B234-B1BB757BB9B0}" type="datetimeFigureOut">
               <a:rPr lang="en-US" smtClean="0"/>
-              <a:t>4/8/2016</a:t>
+              <a:t>4/11/2016</a:t>
             </a:fld>
             <a:endParaRPr lang="en-US"/>
           </a:p>
@@ -1764,7 +1764,7 @@
           <a:p>
             <a:fld id="{C3B5F8B5-E55E-4111-B234-B1BB757BB9B0}" type="datetimeFigureOut">
               <a:rPr lang="en-US" smtClean="0"/>
-              <a:t>4/8/2016</a:t>
+              <a:t>4/11/2016</a:t>
             </a:fld>
             <a:endParaRPr lang="en-US"/>
           </a:p>
@@ -1882,7 +1882,7 @@
           <a:p>
             <a:fld id="{C3B5F8B5-E55E-4111-B234-B1BB757BB9B0}" type="datetimeFigureOut">
               <a:rPr lang="en-US" smtClean="0"/>
-              <a:t>4/8/2016</a:t>
+              <a:t>4/11/2016</a:t>
             </a:fld>
             <a:endParaRPr lang="en-US"/>
           </a:p>
@@ -1977,7 +1977,7 @@
           <a:p>
             <a:fld id="{C3B5F8B5-E55E-4111-B234-B1BB757BB9B0}" type="datetimeFigureOut">
               <a:rPr lang="en-US" smtClean="0"/>
-              <a:t>4/8/2016</a:t>
+              <a:t>4/11/2016</a:t>
             </a:fld>
             <a:endParaRPr lang="en-US"/>
           </a:p>
@@ -2254,7 +2254,7 @@
           <a:p>
             <a:fld id="{C3B5F8B5-E55E-4111-B234-B1BB757BB9B0}" type="datetimeFigureOut">
               <a:rPr lang="en-US" smtClean="0"/>
-              <a:t>4/8/2016</a:t>
+              <a:t>4/11/2016</a:t>
             </a:fld>
             <a:endParaRPr lang="en-US"/>
           </a:p>
@@ -2507,7 +2507,7 @@
           <a:p>
             <a:fld id="{C3B5F8B5-E55E-4111-B234-B1BB757BB9B0}" type="datetimeFigureOut">
               <a:rPr lang="en-US" smtClean="0"/>
-              <a:t>4/8/2016</a:t>
+              <a:t>4/11/2016</a:t>
             </a:fld>
             <a:endParaRPr lang="en-US"/>
           </a:p>
@@ -2720,7 +2720,7 @@
           <a:p>
             <a:fld id="{C3B5F8B5-E55E-4111-B234-B1BB757BB9B0}" type="datetimeFigureOut">
               <a:rPr lang="en-US" smtClean="0"/>
-              <a:t>4/8/2016</a:t>
+              <a:t>4/11/2016</a:t>
             </a:fld>
             <a:endParaRPr lang="en-US"/>
           </a:p>
@@ -3095,1230 +3095,1251 @@
           <a:chExt cx="0" cy="0"/>
         </a:xfrm>
       </p:grpSpPr>
-      <p:sp>
-        <p:nvSpPr>
-          <p:cNvPr id="50" name="Rectangle 49"/>
-          <p:cNvSpPr/>
+      <p:grpSp>
+        <p:nvGrpSpPr>
+          <p:cNvPr id="2" name="Groupe 1"/>
+          <p:cNvGrpSpPr/>
           <p:nvPr/>
-        </p:nvSpPr>
-        <p:spPr>
+        </p:nvGrpSpPr>
+        <p:grpSpPr>
           <a:xfrm>
-            <a:off x="2127593" y="2186673"/>
-            <a:ext cx="1656184" cy="453261"/>
+            <a:off x="56541" y="-20538"/>
+            <a:ext cx="8691923" cy="4968552"/>
+            <a:chOff x="56541" y="-20538"/>
+            <a:chExt cx="8979954" cy="5184576"/>
           </a:xfrm>
-          <a:prstGeom prst="rect">
-            <a:avLst/>
-          </a:prstGeom>
-        </p:spPr>
-        <p:style>
-          <a:lnRef idx="2">
-            <a:schemeClr val="dk1"/>
-          </a:lnRef>
-          <a:fillRef idx="1">
-            <a:schemeClr val="lt1"/>
-          </a:fillRef>
-          <a:effectRef idx="0">
-            <a:schemeClr val="dk1"/>
-          </a:effectRef>
-          <a:fontRef idx="minor">
-            <a:schemeClr val="dk1"/>
-          </a:fontRef>
-        </p:style>
-        <p:txBody>
-          <a:bodyPr lIns="91414" tIns="45707" rIns="91414" bIns="45707" rtlCol="0" anchor="ctr"/>
-          <a:lstStyle/>
-          <a:p>
-            <a:pPr algn="ctr"/>
-            <a:r>
-              <a:rPr lang="en-US" sz="1600" b="1" dirty="0"/>
-              <a:t>DynamicAdapter</a:t>
-            </a:r>
-            <a:endParaRPr lang="en-US" dirty="0"/>
-          </a:p>
-        </p:txBody>
-      </p:sp>
-      <p:sp>
-        <p:nvSpPr>
-          <p:cNvPr id="52" name="Rectangle 51"/>
-          <p:cNvSpPr/>
-          <p:nvPr/>
-        </p:nvSpPr>
-        <p:spPr>
-          <a:xfrm>
-            <a:off x="4628839" y="3723036"/>
-            <a:ext cx="1599345" cy="432048"/>
-          </a:xfrm>
-          <a:prstGeom prst="rect">
-            <a:avLst/>
-          </a:prstGeom>
-        </p:spPr>
-        <p:style>
-          <a:lnRef idx="2">
-            <a:schemeClr val="dk1"/>
-          </a:lnRef>
-          <a:fillRef idx="1">
-            <a:schemeClr val="lt1"/>
-          </a:fillRef>
-          <a:effectRef idx="0">
-            <a:schemeClr val="dk1"/>
-          </a:effectRef>
-          <a:fontRef idx="minor">
-            <a:schemeClr val="dk1"/>
-          </a:fontRef>
-        </p:style>
-        <p:txBody>
-          <a:bodyPr lIns="91414" tIns="45707" rIns="91414" bIns="45707" rtlCol="0" anchor="ctr"/>
-          <a:lstStyle/>
-          <a:p>
-            <a:pPr algn="ctr"/>
-            <a:r>
-              <a:rPr lang="en-US" sz="1600" dirty="0"/>
-              <a:t>R</a:t>
-            </a:r>
-            <a:r>
-              <a:rPr lang="en-US" sz="1600" dirty="0" smtClean="0"/>
-              <a:t>oleFPGA</a:t>
-            </a:r>
-            <a:endParaRPr lang="en-US" dirty="0"/>
-          </a:p>
-        </p:txBody>
-      </p:sp>
-      <p:sp>
-        <p:nvSpPr>
-          <p:cNvPr id="53" name="Rectangle 52"/>
-          <p:cNvSpPr/>
-          <p:nvPr/>
-        </p:nvSpPr>
-        <p:spPr>
-          <a:xfrm>
-            <a:off x="4601201" y="949249"/>
-            <a:ext cx="1626983" cy="432048"/>
-          </a:xfrm>
-          <a:prstGeom prst="rect">
-            <a:avLst/>
-          </a:prstGeom>
-        </p:spPr>
-        <p:style>
-          <a:lnRef idx="2">
-            <a:schemeClr val="dk1"/>
-          </a:lnRef>
-          <a:fillRef idx="1">
-            <a:schemeClr val="lt1"/>
-          </a:fillRef>
-          <a:effectRef idx="0">
-            <a:schemeClr val="dk1"/>
-          </a:effectRef>
-          <a:fontRef idx="minor">
-            <a:schemeClr val="dk1"/>
-          </a:fontRef>
-        </p:style>
-        <p:txBody>
-          <a:bodyPr lIns="91414" tIns="45707" rIns="91414" bIns="45707" rtlCol="0" anchor="ctr"/>
-          <a:lstStyle/>
-          <a:p>
-            <a:pPr algn="ctr"/>
-            <a:r>
-              <a:rPr lang="en-US" sz="1600" dirty="0" err="1" smtClean="0"/>
-              <a:t>ExcelGroup</a:t>
-            </a:r>
-            <a:endParaRPr lang="en-US" dirty="0"/>
-          </a:p>
-        </p:txBody>
-      </p:sp>
-      <p:sp>
-        <p:nvSpPr>
-          <p:cNvPr id="54" name="Rectangle 53"/>
-          <p:cNvSpPr/>
-          <p:nvPr/>
-        </p:nvSpPr>
-        <p:spPr>
-          <a:xfrm>
-            <a:off x="4628839" y="123478"/>
-            <a:ext cx="1599345" cy="432048"/>
-          </a:xfrm>
-          <a:prstGeom prst="rect">
-            <a:avLst/>
-          </a:prstGeom>
-        </p:spPr>
-        <p:style>
-          <a:lnRef idx="2">
-            <a:schemeClr val="dk1"/>
-          </a:lnRef>
-          <a:fillRef idx="1">
-            <a:schemeClr val="lt1"/>
-          </a:fillRef>
-          <a:effectRef idx="0">
-            <a:schemeClr val="dk1"/>
-          </a:effectRef>
-          <a:fontRef idx="minor">
-            <a:schemeClr val="dk1"/>
-          </a:fontRef>
-        </p:style>
-        <p:txBody>
-          <a:bodyPr lIns="91414" tIns="45707" rIns="91414" bIns="45707" rtlCol="0" anchor="ctr"/>
-          <a:lstStyle/>
-          <a:p>
-            <a:pPr algn="ctr"/>
-            <a:r>
-              <a:rPr lang="en-US" sz="1600" dirty="0" smtClean="0"/>
-              <a:t>PimcaMachinery</a:t>
-            </a:r>
-            <a:endParaRPr lang="en-US" dirty="0"/>
-          </a:p>
-        </p:txBody>
-      </p:sp>
-      <p:sp>
-        <p:nvSpPr>
-          <p:cNvPr id="55" name="Rectangle 54"/>
-          <p:cNvSpPr/>
-          <p:nvPr/>
-        </p:nvSpPr>
-        <p:spPr>
-          <a:xfrm>
-            <a:off x="4163650" y="2520991"/>
-            <a:ext cx="2634726" cy="432048"/>
-          </a:xfrm>
-          <a:prstGeom prst="rect">
-            <a:avLst/>
-          </a:prstGeom>
-        </p:spPr>
-        <p:style>
-          <a:lnRef idx="2">
-            <a:schemeClr val="dk1"/>
-          </a:lnRef>
-          <a:fillRef idx="1">
-            <a:schemeClr val="lt1"/>
-          </a:fillRef>
-          <a:effectRef idx="0">
-            <a:schemeClr val="dk1"/>
-          </a:effectRef>
-          <a:fontRef idx="minor">
-            <a:schemeClr val="dk1"/>
-          </a:fontRef>
-        </p:style>
-        <p:txBody>
-          <a:bodyPr lIns="91414" tIns="45707" rIns="91414" bIns="45707" rtlCol="0" anchor="ctr"/>
-          <a:lstStyle/>
-          <a:p>
-            <a:pPr algn="ctr"/>
-            <a:r>
-              <a:rPr lang="en-US" sz="1600" dirty="0" err="1" smtClean="0"/>
-              <a:t>DynamicAdapterFPGA_Excel</a:t>
-            </a:r>
-            <a:endParaRPr lang="en-US" dirty="0"/>
-          </a:p>
-        </p:txBody>
-      </p:sp>
-      <p:sp>
-        <p:nvSpPr>
-          <p:cNvPr id="56" name="Rectangle 55"/>
-          <p:cNvSpPr/>
-          <p:nvPr/>
-        </p:nvSpPr>
-        <p:spPr>
-          <a:xfrm>
-            <a:off x="4163650" y="1823545"/>
-            <a:ext cx="2612265" cy="432048"/>
-          </a:xfrm>
-          <a:prstGeom prst="rect">
-            <a:avLst/>
-          </a:prstGeom>
-        </p:spPr>
-        <p:style>
-          <a:lnRef idx="2">
-            <a:schemeClr val="dk1"/>
-          </a:lnRef>
-          <a:fillRef idx="1">
-            <a:schemeClr val="lt1"/>
-          </a:fillRef>
-          <a:effectRef idx="0">
-            <a:schemeClr val="dk1"/>
-          </a:effectRef>
-          <a:fontRef idx="minor">
-            <a:schemeClr val="dk1"/>
-          </a:fontRef>
-        </p:style>
-        <p:txBody>
-          <a:bodyPr lIns="91414" tIns="45707" rIns="91414" bIns="45707" rtlCol="0" anchor="ctr"/>
-          <a:lstStyle/>
-          <a:p>
-            <a:pPr algn="ctr"/>
-            <a:r>
-              <a:rPr lang="en-US" sz="1600" dirty="0" smtClean="0"/>
-              <a:t>DynamicAdapterFPGA_Pimca</a:t>
-            </a:r>
-            <a:endParaRPr lang="en-US" dirty="0"/>
-          </a:p>
-        </p:txBody>
-      </p:sp>
-      <p:cxnSp>
-        <p:nvCxnSpPr>
-          <p:cNvPr id="57" name="Connecteur droit 56"/>
-          <p:cNvCxnSpPr>
-            <a:stCxn id="78" idx="2"/>
-            <a:endCxn id="77" idx="0"/>
-          </p:cNvCxnSpPr>
-          <p:nvPr/>
-        </p:nvCxnSpPr>
-        <p:spPr>
-          <a:xfrm flipH="1">
-            <a:off x="694091" y="699539"/>
-            <a:ext cx="1660152" cy="1497742"/>
-          </a:xfrm>
-          <a:prstGeom prst="line">
-            <a:avLst/>
-          </a:prstGeom>
-          <a:ln w="22225">
-            <a:solidFill>
+        </p:grpSpPr>
+        <p:sp>
+          <p:nvSpPr>
+            <p:cNvPr id="50" name="Rectangle 49"/>
+            <p:cNvSpPr/>
+            <p:nvPr/>
+          </p:nvSpPr>
+          <p:spPr>
+            <a:xfrm>
+              <a:off x="2127593" y="2186673"/>
+              <a:ext cx="1656184" cy="453261"/>
+            </a:xfrm>
+            <a:prstGeom prst="rect">
+              <a:avLst/>
+            </a:prstGeom>
+          </p:spPr>
+          <p:style>
+            <a:lnRef idx="2">
+              <a:schemeClr val="dk1"/>
+            </a:lnRef>
+            <a:fillRef idx="1">
+              <a:schemeClr val="lt1"/>
+            </a:fillRef>
+            <a:effectRef idx="0">
+              <a:schemeClr val="dk1"/>
+            </a:effectRef>
+            <a:fontRef idx="minor">
+              <a:schemeClr val="dk1"/>
+            </a:fontRef>
+          </p:style>
+          <p:txBody>
+            <a:bodyPr lIns="91414" tIns="45707" rIns="91414" bIns="45707" rtlCol="0" anchor="ctr"/>
+            <a:lstStyle/>
+            <a:p>
+              <a:pPr algn="ctr"/>
+              <a:r>
+                <a:rPr lang="en-US" sz="1600" b="1" dirty="0"/>
+                <a:t>DynamicAdapter</a:t>
+              </a:r>
+              <a:endParaRPr lang="en-US" dirty="0"/>
+            </a:p>
+          </p:txBody>
+        </p:sp>
+        <p:sp>
+          <p:nvSpPr>
+            <p:cNvPr id="52" name="Rectangle 51"/>
+            <p:cNvSpPr/>
+            <p:nvPr/>
+          </p:nvSpPr>
+          <p:spPr>
+            <a:xfrm>
+              <a:off x="4628839" y="3723036"/>
+              <a:ext cx="1599345" cy="432048"/>
+            </a:xfrm>
+            <a:prstGeom prst="rect">
+              <a:avLst/>
+            </a:prstGeom>
+          </p:spPr>
+          <p:style>
+            <a:lnRef idx="2">
+              <a:schemeClr val="dk1"/>
+            </a:lnRef>
+            <a:fillRef idx="1">
+              <a:schemeClr val="lt1"/>
+            </a:fillRef>
+            <a:effectRef idx="0">
+              <a:schemeClr val="dk1"/>
+            </a:effectRef>
+            <a:fontRef idx="minor">
+              <a:schemeClr val="dk1"/>
+            </a:fontRef>
+          </p:style>
+          <p:txBody>
+            <a:bodyPr lIns="91414" tIns="45707" rIns="91414" bIns="45707" rtlCol="0" anchor="ctr"/>
+            <a:lstStyle/>
+            <a:p>
+              <a:pPr algn="ctr"/>
+              <a:r>
+                <a:rPr lang="en-US" sz="1600" dirty="0"/>
+                <a:t>R</a:t>
+              </a:r>
+              <a:r>
+                <a:rPr lang="en-US" sz="1600" dirty="0" smtClean="0"/>
+                <a:t>oleFPGA</a:t>
+              </a:r>
+              <a:endParaRPr lang="en-US" dirty="0"/>
+            </a:p>
+          </p:txBody>
+        </p:sp>
+        <p:sp>
+          <p:nvSpPr>
+            <p:cNvPr id="53" name="Rectangle 52"/>
+            <p:cNvSpPr/>
+            <p:nvPr/>
+          </p:nvSpPr>
+          <p:spPr>
+            <a:xfrm>
+              <a:off x="4601201" y="949249"/>
+              <a:ext cx="1626983" cy="432048"/>
+            </a:xfrm>
+            <a:prstGeom prst="rect">
+              <a:avLst/>
+            </a:prstGeom>
+          </p:spPr>
+          <p:style>
+            <a:lnRef idx="2">
+              <a:schemeClr val="dk1"/>
+            </a:lnRef>
+            <a:fillRef idx="1">
+              <a:schemeClr val="lt1"/>
+            </a:fillRef>
+            <a:effectRef idx="0">
+              <a:schemeClr val="dk1"/>
+            </a:effectRef>
+            <a:fontRef idx="minor">
+              <a:schemeClr val="dk1"/>
+            </a:fontRef>
+          </p:style>
+          <p:txBody>
+            <a:bodyPr lIns="91414" tIns="45707" rIns="91414" bIns="45707" rtlCol="0" anchor="ctr"/>
+            <a:lstStyle/>
+            <a:p>
+              <a:pPr algn="ctr"/>
+              <a:r>
+                <a:rPr lang="en-US" sz="1600" dirty="0" err="1" smtClean="0"/>
+                <a:t>ExcelGroup</a:t>
+              </a:r>
+              <a:endParaRPr lang="en-US" dirty="0"/>
+            </a:p>
+          </p:txBody>
+        </p:sp>
+        <p:sp>
+          <p:nvSpPr>
+            <p:cNvPr id="54" name="Rectangle 53"/>
+            <p:cNvSpPr/>
+            <p:nvPr/>
+          </p:nvSpPr>
+          <p:spPr>
+            <a:xfrm>
+              <a:off x="4628839" y="123478"/>
+              <a:ext cx="1599345" cy="432048"/>
+            </a:xfrm>
+            <a:prstGeom prst="rect">
+              <a:avLst/>
+            </a:prstGeom>
+          </p:spPr>
+          <p:style>
+            <a:lnRef idx="2">
+              <a:schemeClr val="dk1"/>
+            </a:lnRef>
+            <a:fillRef idx="1">
+              <a:schemeClr val="lt1"/>
+            </a:fillRef>
+            <a:effectRef idx="0">
+              <a:schemeClr val="dk1"/>
+            </a:effectRef>
+            <a:fontRef idx="minor">
+              <a:schemeClr val="dk1"/>
+            </a:fontRef>
+          </p:style>
+          <p:txBody>
+            <a:bodyPr lIns="91414" tIns="45707" rIns="91414" bIns="45707" rtlCol="0" anchor="ctr"/>
+            <a:lstStyle/>
+            <a:p>
+              <a:pPr algn="ctr"/>
+              <a:r>
+                <a:rPr lang="en-US" sz="1600" dirty="0" smtClean="0"/>
+                <a:t>PimcaMachinery</a:t>
+              </a:r>
+              <a:endParaRPr lang="en-US" dirty="0"/>
+            </a:p>
+          </p:txBody>
+        </p:sp>
+        <p:sp>
+          <p:nvSpPr>
+            <p:cNvPr id="55" name="Rectangle 54"/>
+            <p:cNvSpPr/>
+            <p:nvPr/>
+          </p:nvSpPr>
+          <p:spPr>
+            <a:xfrm>
+              <a:off x="4163650" y="2520991"/>
+              <a:ext cx="2634726" cy="432048"/>
+            </a:xfrm>
+            <a:prstGeom prst="rect">
+              <a:avLst/>
+            </a:prstGeom>
+          </p:spPr>
+          <p:style>
+            <a:lnRef idx="2">
+              <a:schemeClr val="dk1"/>
+            </a:lnRef>
+            <a:fillRef idx="1">
+              <a:schemeClr val="lt1"/>
+            </a:fillRef>
+            <a:effectRef idx="0">
+              <a:schemeClr val="dk1"/>
+            </a:effectRef>
+            <a:fontRef idx="minor">
+              <a:schemeClr val="dk1"/>
+            </a:fontRef>
+          </p:style>
+          <p:txBody>
+            <a:bodyPr lIns="91414" tIns="45707" rIns="91414" bIns="45707" rtlCol="0" anchor="ctr"/>
+            <a:lstStyle/>
+            <a:p>
+              <a:pPr algn="ctr"/>
+              <a:r>
+                <a:rPr lang="en-US" sz="1600" dirty="0" err="1" smtClean="0"/>
+                <a:t>DynamicAdapterFPGA_Excel</a:t>
+              </a:r>
+              <a:endParaRPr lang="en-US" dirty="0"/>
+            </a:p>
+          </p:txBody>
+        </p:sp>
+        <p:sp>
+          <p:nvSpPr>
+            <p:cNvPr id="56" name="Rectangle 55"/>
+            <p:cNvSpPr/>
+            <p:nvPr/>
+          </p:nvSpPr>
+          <p:spPr>
+            <a:xfrm>
+              <a:off x="4163650" y="1823545"/>
+              <a:ext cx="2612265" cy="432048"/>
+            </a:xfrm>
+            <a:prstGeom prst="rect">
+              <a:avLst/>
+            </a:prstGeom>
+          </p:spPr>
+          <p:style>
+            <a:lnRef idx="2">
+              <a:schemeClr val="dk1"/>
+            </a:lnRef>
+            <a:fillRef idx="1">
+              <a:schemeClr val="lt1"/>
+            </a:fillRef>
+            <a:effectRef idx="0">
+              <a:schemeClr val="dk1"/>
+            </a:effectRef>
+            <a:fontRef idx="minor">
+              <a:schemeClr val="dk1"/>
+            </a:fontRef>
+          </p:style>
+          <p:txBody>
+            <a:bodyPr lIns="91414" tIns="45707" rIns="91414" bIns="45707" rtlCol="0" anchor="ctr"/>
+            <a:lstStyle/>
+            <a:p>
+              <a:pPr algn="ctr"/>
+              <a:r>
+                <a:rPr lang="en-US" sz="1600" dirty="0" smtClean="0"/>
+                <a:t>DynamicAdapterFPGA_Pimca</a:t>
+              </a:r>
+              <a:endParaRPr lang="en-US" dirty="0"/>
+            </a:p>
+          </p:txBody>
+        </p:sp>
+        <p:cxnSp>
+          <p:nvCxnSpPr>
+            <p:cNvPr id="57" name="Connecteur droit 56"/>
+            <p:cNvCxnSpPr>
+              <a:stCxn id="78" idx="2"/>
+              <a:endCxn id="77" idx="0"/>
+            </p:cNvCxnSpPr>
+            <p:nvPr/>
+          </p:nvCxnSpPr>
+          <p:spPr>
+            <a:xfrm flipH="1">
+              <a:off x="694091" y="699539"/>
+              <a:ext cx="1660152" cy="1497742"/>
+            </a:xfrm>
+            <a:prstGeom prst="line">
+              <a:avLst/>
+            </a:prstGeom>
+            <a:ln w="22225">
+              <a:solidFill>
+                <a:schemeClr val="tx1"/>
+              </a:solidFill>
+            </a:ln>
+          </p:spPr>
+          <p:style>
+            <a:lnRef idx="1">
+              <a:schemeClr val="accent1"/>
+            </a:lnRef>
+            <a:fillRef idx="0">
+              <a:schemeClr val="accent1"/>
+            </a:fillRef>
+            <a:effectRef idx="0">
+              <a:schemeClr val="accent1"/>
+            </a:effectRef>
+            <a:fontRef idx="minor">
               <a:schemeClr val="tx1"/>
-            </a:solidFill>
-          </a:ln>
-        </p:spPr>
-        <p:style>
-          <a:lnRef idx="1">
-            <a:schemeClr val="accent1"/>
-          </a:lnRef>
-          <a:fillRef idx="0">
-            <a:schemeClr val="accent1"/>
-          </a:fillRef>
-          <a:effectRef idx="0">
-            <a:schemeClr val="accent1"/>
-          </a:effectRef>
-          <a:fontRef idx="minor">
-            <a:schemeClr val="tx1"/>
-          </a:fontRef>
-        </p:style>
-      </p:cxnSp>
-      <p:sp>
-        <p:nvSpPr>
-          <p:cNvPr id="58" name="ZoneTexte 57"/>
-          <p:cNvSpPr txBox="1"/>
-          <p:nvPr/>
-        </p:nvSpPr>
-        <p:spPr>
-          <a:xfrm>
-            <a:off x="1670051" y="685907"/>
-            <a:ext cx="1209253" cy="276973"/>
-          </a:xfrm>
-          <a:prstGeom prst="rect">
-            <a:avLst/>
-          </a:prstGeom>
-          <a:noFill/>
-        </p:spPr>
-        <p:txBody>
-          <a:bodyPr wrap="none" lIns="91414" tIns="45707" rIns="91414" bIns="45707" rtlCol="0">
-            <a:spAutoFit/>
-          </a:bodyPr>
-          <a:lstStyle/>
-          <a:p>
-            <a:r>
-              <a:rPr lang="en-US" sz="1200" b="1" dirty="0"/>
-              <a:t>0..1           player</a:t>
-            </a:r>
-            <a:endParaRPr lang="en-US" sz="1200" b="1" dirty="0"/>
-          </a:p>
-        </p:txBody>
-      </p:sp>
-      <p:sp>
-        <p:nvSpPr>
-          <p:cNvPr id="59" name="ZoneTexte 58"/>
-          <p:cNvSpPr txBox="1"/>
-          <p:nvPr/>
-        </p:nvSpPr>
-        <p:spPr>
-          <a:xfrm>
-            <a:off x="400587" y="1949437"/>
-            <a:ext cx="1473480" cy="276999"/>
-          </a:xfrm>
-          <a:prstGeom prst="rect">
-            <a:avLst/>
-          </a:prstGeom>
-          <a:noFill/>
-        </p:spPr>
-        <p:txBody>
-          <a:bodyPr wrap="none" lIns="91414" tIns="45707" rIns="91414" bIns="45707" rtlCol="0">
-            <a:spAutoFit/>
-          </a:bodyPr>
-          <a:lstStyle/>
-          <a:p>
-            <a:r>
-              <a:rPr lang="en-US" sz="1200" b="1" dirty="0"/>
-              <a:t>*          playRelations</a:t>
-            </a:r>
-            <a:endParaRPr lang="en-US" sz="1200" b="1" dirty="0"/>
-          </a:p>
-        </p:txBody>
-      </p:sp>
-      <p:cxnSp>
-        <p:nvCxnSpPr>
-          <p:cNvPr id="60" name="Connecteur droit 59"/>
-          <p:cNvCxnSpPr>
-            <a:stCxn id="79" idx="0"/>
-            <a:endCxn id="77" idx="2"/>
-          </p:cNvCxnSpPr>
-          <p:nvPr/>
-        </p:nvCxnSpPr>
-        <p:spPr>
-          <a:xfrm flipH="1" flipV="1">
-            <a:off x="694091" y="2629329"/>
-            <a:ext cx="1660153" cy="1081771"/>
-          </a:xfrm>
-          <a:prstGeom prst="line">
-            <a:avLst/>
-          </a:prstGeom>
-          <a:ln w="22225">
-            <a:solidFill>
+            </a:fontRef>
+          </p:style>
+        </p:cxnSp>
+        <p:sp>
+          <p:nvSpPr>
+            <p:cNvPr id="58" name="ZoneTexte 57"/>
+            <p:cNvSpPr txBox="1"/>
+            <p:nvPr/>
+          </p:nvSpPr>
+          <p:spPr>
+            <a:xfrm>
+              <a:off x="1670051" y="685907"/>
+              <a:ext cx="1209253" cy="276973"/>
+            </a:xfrm>
+            <a:prstGeom prst="rect">
+              <a:avLst/>
+            </a:prstGeom>
+            <a:noFill/>
+          </p:spPr>
+          <p:txBody>
+            <a:bodyPr wrap="none" lIns="91414" tIns="45707" rIns="91414" bIns="45707" rtlCol="0">
+              <a:spAutoFit/>
+            </a:bodyPr>
+            <a:lstStyle/>
+            <a:p>
+              <a:r>
+                <a:rPr lang="en-US" sz="1200" b="1" dirty="0"/>
+                <a:t>0..1           player</a:t>
+              </a:r>
+            </a:p>
+          </p:txBody>
+        </p:sp>
+        <p:sp>
+          <p:nvSpPr>
+            <p:cNvPr id="59" name="ZoneTexte 58"/>
+            <p:cNvSpPr txBox="1"/>
+            <p:nvPr/>
+          </p:nvSpPr>
+          <p:spPr>
+            <a:xfrm>
+              <a:off x="400587" y="1949437"/>
+              <a:ext cx="1473480" cy="276999"/>
+            </a:xfrm>
+            <a:prstGeom prst="rect">
+              <a:avLst/>
+            </a:prstGeom>
+            <a:noFill/>
+          </p:spPr>
+          <p:txBody>
+            <a:bodyPr wrap="none" lIns="91414" tIns="45707" rIns="91414" bIns="45707" rtlCol="0">
+              <a:spAutoFit/>
+            </a:bodyPr>
+            <a:lstStyle/>
+            <a:p>
+              <a:r>
+                <a:rPr lang="en-US" sz="1200" b="1" dirty="0"/>
+                <a:t>*          playRelations</a:t>
+              </a:r>
+            </a:p>
+          </p:txBody>
+        </p:sp>
+        <p:cxnSp>
+          <p:nvCxnSpPr>
+            <p:cNvPr id="60" name="Connecteur droit 59"/>
+            <p:cNvCxnSpPr>
+              <a:stCxn id="79" idx="0"/>
+              <a:endCxn id="77" idx="2"/>
+            </p:cNvCxnSpPr>
+            <p:nvPr/>
+          </p:nvCxnSpPr>
+          <p:spPr>
+            <a:xfrm flipH="1" flipV="1">
+              <a:off x="694091" y="2629329"/>
+              <a:ext cx="1660153" cy="1081771"/>
+            </a:xfrm>
+            <a:prstGeom prst="line">
+              <a:avLst/>
+            </a:prstGeom>
+            <a:ln w="22225">
+              <a:solidFill>
+                <a:schemeClr val="tx1"/>
+              </a:solidFill>
+            </a:ln>
+          </p:spPr>
+          <p:style>
+            <a:lnRef idx="1">
+              <a:schemeClr val="accent1"/>
+            </a:lnRef>
+            <a:fillRef idx="0">
+              <a:schemeClr val="accent1"/>
+            </a:fillRef>
+            <a:effectRef idx="0">
+              <a:schemeClr val="accent1"/>
+            </a:effectRef>
+            <a:fontRef idx="minor">
               <a:schemeClr val="tx1"/>
-            </a:solidFill>
-          </a:ln>
-        </p:spPr>
-        <p:style>
-          <a:lnRef idx="1">
-            <a:schemeClr val="accent1"/>
-          </a:lnRef>
-          <a:fillRef idx="0">
-            <a:schemeClr val="accent1"/>
-          </a:fillRef>
-          <a:effectRef idx="0">
-            <a:schemeClr val="accent1"/>
-          </a:effectRef>
-          <a:fontRef idx="minor">
-            <a:schemeClr val="tx1"/>
-          </a:fontRef>
-        </p:style>
-      </p:cxnSp>
-      <p:cxnSp>
-        <p:nvCxnSpPr>
-          <p:cNvPr id="61" name="Connecteur droit 60"/>
-          <p:cNvCxnSpPr>
-            <a:stCxn id="77" idx="3"/>
-            <a:endCxn id="50" idx="1"/>
-          </p:cNvCxnSpPr>
-          <p:nvPr/>
-        </p:nvCxnSpPr>
-        <p:spPr>
-          <a:xfrm flipV="1">
-            <a:off x="1331640" y="2413304"/>
-            <a:ext cx="795953" cy="1"/>
-          </a:xfrm>
-          <a:prstGeom prst="line">
-            <a:avLst/>
-          </a:prstGeom>
-          <a:ln w="22225">
-            <a:solidFill>
+            </a:fontRef>
+          </p:style>
+        </p:cxnSp>
+        <p:cxnSp>
+          <p:nvCxnSpPr>
+            <p:cNvPr id="61" name="Connecteur droit 60"/>
+            <p:cNvCxnSpPr>
+              <a:stCxn id="77" idx="3"/>
+              <a:endCxn id="50" idx="1"/>
+            </p:cNvCxnSpPr>
+            <p:nvPr/>
+          </p:nvCxnSpPr>
+          <p:spPr>
+            <a:xfrm flipV="1">
+              <a:off x="1331640" y="2413304"/>
+              <a:ext cx="795953" cy="1"/>
+            </a:xfrm>
+            <a:prstGeom prst="line">
+              <a:avLst/>
+            </a:prstGeom>
+            <a:ln w="22225">
+              <a:solidFill>
+                <a:schemeClr val="tx1"/>
+              </a:solidFill>
+              <a:tailEnd type="arrow"/>
+            </a:ln>
+          </p:spPr>
+          <p:style>
+            <a:lnRef idx="1">
+              <a:schemeClr val="accent1"/>
+            </a:lnRef>
+            <a:fillRef idx="0">
+              <a:schemeClr val="accent1"/>
+            </a:fillRef>
+            <a:effectRef idx="0">
+              <a:schemeClr val="accent1"/>
+            </a:effectRef>
+            <a:fontRef idx="minor">
               <a:schemeClr val="tx1"/>
-            </a:solidFill>
-            <a:tailEnd type="arrow"/>
-          </a:ln>
-        </p:spPr>
-        <p:style>
-          <a:lnRef idx="1">
-            <a:schemeClr val="accent1"/>
-          </a:lnRef>
-          <a:fillRef idx="0">
-            <a:schemeClr val="accent1"/>
-          </a:fillRef>
-          <a:effectRef idx="0">
-            <a:schemeClr val="accent1"/>
-          </a:effectRef>
-          <a:fontRef idx="minor">
-            <a:schemeClr val="tx1"/>
-          </a:fontRef>
-        </p:style>
-      </p:cxnSp>
-      <p:sp>
-        <p:nvSpPr>
-          <p:cNvPr id="62" name="ZoneTexte 61"/>
-          <p:cNvSpPr txBox="1"/>
-          <p:nvPr/>
-        </p:nvSpPr>
-        <p:spPr>
-          <a:xfrm>
-            <a:off x="1357949" y="2149671"/>
-            <a:ext cx="683917" cy="278063"/>
-          </a:xfrm>
-          <a:prstGeom prst="rect">
-            <a:avLst/>
-          </a:prstGeom>
-          <a:noFill/>
-        </p:spPr>
-        <p:txBody>
-          <a:bodyPr wrap="none" lIns="91414" tIns="46787" rIns="91414" bIns="45707" rtlCol="0">
-            <a:spAutoFit/>
-          </a:bodyPr>
-          <a:lstStyle/>
-          <a:p>
-            <a:pPr algn="ctr"/>
-            <a:r>
-              <a:rPr lang="en-US" sz="1200" b="1" dirty="0" smtClean="0"/>
-              <a:t>adapter</a:t>
-            </a:r>
-            <a:endParaRPr lang="en-US" sz="1200" b="1" dirty="0"/>
-          </a:p>
-        </p:txBody>
-      </p:sp>
-      <p:sp>
-        <p:nvSpPr>
-          <p:cNvPr id="63" name="ZoneTexte 62"/>
-          <p:cNvSpPr txBox="1"/>
-          <p:nvPr/>
-        </p:nvSpPr>
-        <p:spPr>
-          <a:xfrm>
-            <a:off x="1779402" y="3507854"/>
-            <a:ext cx="1064406" cy="276973"/>
-          </a:xfrm>
-          <a:prstGeom prst="rect">
-            <a:avLst/>
-          </a:prstGeom>
-          <a:noFill/>
-        </p:spPr>
-        <p:txBody>
-          <a:bodyPr wrap="none" lIns="91414" tIns="45707" rIns="91414" bIns="45707" rtlCol="0">
-            <a:spAutoFit/>
-          </a:bodyPr>
-          <a:lstStyle/>
-          <a:p>
-            <a:r>
-              <a:rPr lang="en-US" sz="1200" b="1" dirty="0"/>
-              <a:t>0..1           role</a:t>
-            </a:r>
-            <a:endParaRPr lang="en-US" sz="1200" b="1" dirty="0"/>
-          </a:p>
-        </p:txBody>
-      </p:sp>
-      <p:sp>
-        <p:nvSpPr>
-          <p:cNvPr id="64" name="Rectangle 63"/>
-          <p:cNvSpPr/>
-          <p:nvPr/>
-        </p:nvSpPr>
-        <p:spPr>
-          <a:xfrm>
-            <a:off x="366950" y="2571750"/>
-            <a:ext cx="1540754" cy="276973"/>
-          </a:xfrm>
-          <a:prstGeom prst="rect">
-            <a:avLst/>
-          </a:prstGeom>
-        </p:spPr>
-        <p:txBody>
-          <a:bodyPr wrap="none" lIns="91414" tIns="45707" rIns="91414" bIns="45707">
-            <a:spAutoFit/>
-          </a:bodyPr>
-          <a:lstStyle/>
-          <a:p>
-            <a:r>
-              <a:rPr lang="en-US" sz="1200" b="1" dirty="0"/>
-              <a:t>0..1         playRelation</a:t>
-            </a:r>
-            <a:endParaRPr lang="en-US" sz="1200" b="1" dirty="0"/>
-          </a:p>
-        </p:txBody>
-      </p:sp>
-      <p:cxnSp>
-        <p:nvCxnSpPr>
-          <p:cNvPr id="65" name="Connecteur droit avec flèche 64"/>
-          <p:cNvCxnSpPr/>
-          <p:nvPr/>
-        </p:nvCxnSpPr>
-        <p:spPr>
-          <a:xfrm flipV="1">
-            <a:off x="6264673" y="1381297"/>
-            <a:ext cx="1483322" cy="369332"/>
-          </a:xfrm>
-          <a:prstGeom prst="straightConnector1">
-            <a:avLst/>
-          </a:prstGeom>
-          <a:ln w="19050">
+            </a:fontRef>
+          </p:style>
+        </p:cxnSp>
+        <p:sp>
+          <p:nvSpPr>
+            <p:cNvPr id="62" name="ZoneTexte 61"/>
+            <p:cNvSpPr txBox="1"/>
+            <p:nvPr/>
+          </p:nvSpPr>
+          <p:spPr>
+            <a:xfrm>
+              <a:off x="1357949" y="2149671"/>
+              <a:ext cx="683917" cy="278063"/>
+            </a:xfrm>
+            <a:prstGeom prst="rect">
+              <a:avLst/>
+            </a:prstGeom>
             <a:noFill/>
-            <a:tailEnd type="triangle" w="lg" len="lg"/>
-          </a:ln>
-        </p:spPr>
-        <p:style>
-          <a:lnRef idx="1">
-            <a:schemeClr val="accent1"/>
-          </a:lnRef>
-          <a:fillRef idx="0">
-            <a:schemeClr val="accent1"/>
-          </a:fillRef>
-          <a:effectRef idx="0">
-            <a:schemeClr val="accent1"/>
-          </a:effectRef>
-          <a:fontRef idx="minor">
-            <a:schemeClr val="tx1"/>
-          </a:fontRef>
-        </p:style>
-      </p:cxnSp>
-      <p:sp>
-        <p:nvSpPr>
-          <p:cNvPr id="70" name="Ellipse 69"/>
-          <p:cNvSpPr/>
-          <p:nvPr/>
-        </p:nvSpPr>
-        <p:spPr>
-          <a:xfrm>
-            <a:off x="7308304" y="51469"/>
-            <a:ext cx="1728191" cy="576065"/>
-          </a:xfrm>
-          <a:prstGeom prst="ellipse">
-            <a:avLst/>
-          </a:prstGeom>
-        </p:spPr>
-        <p:style>
-          <a:lnRef idx="2">
-            <a:schemeClr val="dk1"/>
-          </a:lnRef>
-          <a:fillRef idx="1">
-            <a:schemeClr val="lt1"/>
-          </a:fillRef>
-          <a:effectRef idx="0">
-            <a:schemeClr val="dk1"/>
-          </a:effectRef>
-          <a:fontRef idx="minor">
-            <a:schemeClr val="dk1"/>
-          </a:fontRef>
-        </p:style>
-        <p:txBody>
-          <a:bodyPr wrap="none" lIns="0" tIns="45707" rIns="0" bIns="45707" rtlCol="0" anchor="ctr"/>
-          <a:lstStyle/>
-          <a:p>
-            <a:pPr algn="ctr"/>
-            <a:r>
-              <a:rPr lang="en-US" sz="1600" dirty="0" smtClean="0"/>
-              <a:t>pimcaMachinery0</a:t>
-            </a:r>
-            <a:endParaRPr lang="en-US" dirty="0">
+          </p:spPr>
+          <p:txBody>
+            <a:bodyPr wrap="none" lIns="91414" tIns="46787" rIns="91414" bIns="45707" rtlCol="0">
+              <a:spAutoFit/>
+            </a:bodyPr>
+            <a:lstStyle/>
+            <a:p>
+              <a:pPr algn="ctr"/>
+              <a:r>
+                <a:rPr lang="en-US" sz="1200" b="1" dirty="0" smtClean="0"/>
+                <a:t>adapter</a:t>
+              </a:r>
+              <a:endParaRPr lang="en-US" sz="1200" b="1" dirty="0"/>
+            </a:p>
+          </p:txBody>
+        </p:sp>
+        <p:sp>
+          <p:nvSpPr>
+            <p:cNvPr id="63" name="ZoneTexte 62"/>
+            <p:cNvSpPr txBox="1"/>
+            <p:nvPr/>
+          </p:nvSpPr>
+          <p:spPr>
+            <a:xfrm>
+              <a:off x="1779402" y="3507854"/>
+              <a:ext cx="1064406" cy="276973"/>
+            </a:xfrm>
+            <a:prstGeom prst="rect">
+              <a:avLst/>
+            </a:prstGeom>
+            <a:noFill/>
+          </p:spPr>
+          <p:txBody>
+            <a:bodyPr wrap="none" lIns="91414" tIns="45707" rIns="91414" bIns="45707" rtlCol="0">
+              <a:spAutoFit/>
+            </a:bodyPr>
+            <a:lstStyle/>
+            <a:p>
+              <a:r>
+                <a:rPr lang="en-US" sz="1200" b="1" dirty="0"/>
+                <a:t>0..1           role</a:t>
+              </a:r>
+            </a:p>
+          </p:txBody>
+        </p:sp>
+        <p:sp>
+          <p:nvSpPr>
+            <p:cNvPr id="64" name="Rectangle 63"/>
+            <p:cNvSpPr/>
+            <p:nvPr/>
+          </p:nvSpPr>
+          <p:spPr>
+            <a:xfrm>
+              <a:off x="366950" y="2571750"/>
+              <a:ext cx="1540754" cy="276973"/>
+            </a:xfrm>
+            <a:prstGeom prst="rect">
+              <a:avLst/>
+            </a:prstGeom>
+          </p:spPr>
+          <p:txBody>
+            <a:bodyPr wrap="none" lIns="91414" tIns="45707" rIns="91414" bIns="45707">
+              <a:spAutoFit/>
+            </a:bodyPr>
+            <a:lstStyle/>
+            <a:p>
+              <a:r>
+                <a:rPr lang="en-US" sz="1200" b="1" dirty="0"/>
+                <a:t>0..1         playRelation</a:t>
+              </a:r>
+            </a:p>
+          </p:txBody>
+        </p:sp>
+        <p:cxnSp>
+          <p:nvCxnSpPr>
+            <p:cNvPr id="65" name="Connecteur droit avec flèche 64"/>
+            <p:cNvCxnSpPr/>
+            <p:nvPr/>
+          </p:nvCxnSpPr>
+          <p:spPr>
+            <a:xfrm flipV="1">
+              <a:off x="6264673" y="1381297"/>
+              <a:ext cx="1483322" cy="369332"/>
+            </a:xfrm>
+            <a:prstGeom prst="straightConnector1">
+              <a:avLst/>
+            </a:prstGeom>
+            <a:ln w="19050">
+              <a:noFill/>
+              <a:tailEnd type="triangle" w="lg" len="lg"/>
+            </a:ln>
+          </p:spPr>
+          <p:style>
+            <a:lnRef idx="1">
+              <a:schemeClr val="accent1"/>
+            </a:lnRef>
+            <a:fillRef idx="0">
+              <a:schemeClr val="accent1"/>
+            </a:fillRef>
+            <a:effectRef idx="0">
+              <a:schemeClr val="accent1"/>
+            </a:effectRef>
+            <a:fontRef idx="minor">
+              <a:schemeClr val="tx1"/>
+            </a:fontRef>
+          </p:style>
+        </p:cxnSp>
+        <p:sp>
+          <p:nvSpPr>
+            <p:cNvPr id="70" name="Ellipse 69"/>
+            <p:cNvSpPr/>
+            <p:nvPr/>
+          </p:nvSpPr>
+          <p:spPr>
+            <a:xfrm>
+              <a:off x="7308304" y="51469"/>
+              <a:ext cx="1728191" cy="576065"/>
+            </a:xfrm>
+            <a:prstGeom prst="ellipse">
+              <a:avLst/>
+            </a:prstGeom>
+          </p:spPr>
+          <p:style>
+            <a:lnRef idx="2">
+              <a:schemeClr val="dk1"/>
+            </a:lnRef>
+            <a:fillRef idx="1">
+              <a:schemeClr val="lt1"/>
+            </a:fillRef>
+            <a:effectRef idx="0">
+              <a:schemeClr val="dk1"/>
+            </a:effectRef>
+            <a:fontRef idx="minor">
+              <a:schemeClr val="dk1"/>
+            </a:fontRef>
+          </p:style>
+          <p:txBody>
+            <a:bodyPr wrap="none" lIns="0" tIns="45707" rIns="0" bIns="45707" rtlCol="0" anchor="ctr"/>
+            <a:lstStyle/>
+            <a:p>
+              <a:pPr algn="ctr"/>
+              <a:r>
+                <a:rPr lang="en-US" sz="1600" dirty="0" smtClean="0"/>
+                <a:t>pimcaMachinery0</a:t>
+              </a:r>
+              <a:endParaRPr lang="en-US" dirty="0">
+                <a:solidFill>
+                  <a:schemeClr val="dk1"/>
+                </a:solidFill>
+              </a:endParaRPr>
+            </a:p>
+          </p:txBody>
+        </p:sp>
+        <p:sp>
+          <p:nvSpPr>
+            <p:cNvPr id="71" name="Ellipse 70"/>
+            <p:cNvSpPr/>
+            <p:nvPr/>
+          </p:nvSpPr>
+          <p:spPr>
+            <a:xfrm>
+              <a:off x="7544993" y="872345"/>
+              <a:ext cx="1254811" cy="576065"/>
+            </a:xfrm>
+            <a:prstGeom prst="ellipse">
+              <a:avLst/>
+            </a:prstGeom>
+          </p:spPr>
+          <p:style>
+            <a:lnRef idx="2">
+              <a:schemeClr val="dk1"/>
+            </a:lnRef>
+            <a:fillRef idx="1">
+              <a:schemeClr val="lt1"/>
+            </a:fillRef>
+            <a:effectRef idx="0">
+              <a:schemeClr val="dk1"/>
+            </a:effectRef>
+            <a:fontRef idx="minor">
+              <a:schemeClr val="dk1"/>
+            </a:fontRef>
+          </p:style>
+          <p:txBody>
+            <a:bodyPr wrap="none" lIns="0" tIns="45707" rIns="0" bIns="45707" rtlCol="0" anchor="ctr"/>
+            <a:lstStyle/>
+            <a:p>
+              <a:pPr algn="ctr"/>
+              <a:r>
+                <a:rPr lang="en-US" sz="1600" dirty="0"/>
+                <a:t>e</a:t>
+              </a:r>
+              <a:r>
+                <a:rPr lang="en-US" sz="1600" dirty="0" smtClean="0"/>
+                <a:t>xcelGroup0</a:t>
+              </a:r>
+              <a:endParaRPr lang="en-US" dirty="0">
+                <a:solidFill>
+                  <a:schemeClr val="dk1"/>
+                </a:solidFill>
+              </a:endParaRPr>
+            </a:p>
+          </p:txBody>
+        </p:sp>
+        <p:cxnSp>
+          <p:nvCxnSpPr>
+            <p:cNvPr id="73" name="Connecteur droit avec flèche 72"/>
+            <p:cNvCxnSpPr>
+              <a:stCxn id="70" idx="2"/>
+              <a:endCxn id="54" idx="3"/>
+            </p:cNvCxnSpPr>
+            <p:nvPr/>
+          </p:nvCxnSpPr>
+          <p:spPr>
+            <a:xfrm flipH="1">
+              <a:off x="6228184" y="339502"/>
+              <a:ext cx="1080120" cy="0"/>
+            </a:xfrm>
+            <a:prstGeom prst="straightConnector1">
+              <a:avLst/>
+            </a:prstGeom>
+            <a:ln w="22225">
               <a:solidFill>
-                <a:schemeClr val="dk1"/>
+                <a:schemeClr val="tx1"/>
               </a:solidFill>
-            </a:endParaRPr>
-          </a:p>
-        </p:txBody>
-      </p:sp>
-      <p:sp>
-        <p:nvSpPr>
-          <p:cNvPr id="71" name="Ellipse 70"/>
-          <p:cNvSpPr/>
-          <p:nvPr/>
-        </p:nvSpPr>
-        <p:spPr>
-          <a:xfrm>
-            <a:off x="7544993" y="872345"/>
-            <a:ext cx="1254811" cy="576065"/>
-          </a:xfrm>
-          <a:prstGeom prst="ellipse">
-            <a:avLst/>
-          </a:prstGeom>
-        </p:spPr>
-        <p:style>
-          <a:lnRef idx="2">
-            <a:schemeClr val="dk1"/>
-          </a:lnRef>
-          <a:fillRef idx="1">
-            <a:schemeClr val="lt1"/>
-          </a:fillRef>
-          <a:effectRef idx="0">
-            <a:schemeClr val="dk1"/>
-          </a:effectRef>
-          <a:fontRef idx="minor">
-            <a:schemeClr val="dk1"/>
-          </a:fontRef>
-        </p:style>
-        <p:txBody>
-          <a:bodyPr wrap="none" lIns="0" tIns="45707" rIns="0" bIns="45707" rtlCol="0" anchor="ctr"/>
-          <a:lstStyle/>
-          <a:p>
-            <a:pPr algn="ctr"/>
-            <a:r>
-              <a:rPr lang="en-US" sz="1600" dirty="0"/>
-              <a:t>e</a:t>
-            </a:r>
-            <a:r>
-              <a:rPr lang="en-US" sz="1600" dirty="0" smtClean="0"/>
-              <a:t>xcelGroup0</a:t>
-            </a:r>
-            <a:endParaRPr lang="en-US" dirty="0">
+              <a:prstDash val="sysDot"/>
+              <a:tailEnd type="arrow"/>
+            </a:ln>
+          </p:spPr>
+          <p:style>
+            <a:lnRef idx="1">
+              <a:schemeClr val="accent1"/>
+            </a:lnRef>
+            <a:fillRef idx="0">
+              <a:schemeClr val="accent1"/>
+            </a:fillRef>
+            <a:effectRef idx="0">
+              <a:schemeClr val="accent1"/>
+            </a:effectRef>
+            <a:fontRef idx="minor">
+              <a:schemeClr val="tx1"/>
+            </a:fontRef>
+          </p:style>
+        </p:cxnSp>
+        <p:cxnSp>
+          <p:nvCxnSpPr>
+            <p:cNvPr id="74" name="Connecteur droit avec flèche 73"/>
+            <p:cNvCxnSpPr>
+              <a:stCxn id="71" idx="2"/>
+              <a:endCxn id="53" idx="3"/>
+            </p:cNvCxnSpPr>
+            <p:nvPr/>
+          </p:nvCxnSpPr>
+          <p:spPr>
+            <a:xfrm flipH="1">
+              <a:off x="6228184" y="1160378"/>
+              <a:ext cx="1316809" cy="4895"/>
+            </a:xfrm>
+            <a:prstGeom prst="straightConnector1">
+              <a:avLst/>
+            </a:prstGeom>
+            <a:ln w="22225">
               <a:solidFill>
-                <a:schemeClr val="dk1"/>
+                <a:schemeClr val="tx1"/>
               </a:solidFill>
-            </a:endParaRPr>
-          </a:p>
-        </p:txBody>
-      </p:sp>
-      <p:cxnSp>
-        <p:nvCxnSpPr>
-          <p:cNvPr id="73" name="Connecteur droit avec flèche 72"/>
-          <p:cNvCxnSpPr>
-            <a:stCxn id="70" idx="2"/>
-            <a:endCxn id="54" idx="3"/>
-          </p:cNvCxnSpPr>
-          <p:nvPr/>
-        </p:nvCxnSpPr>
-        <p:spPr>
-          <a:xfrm flipH="1">
-            <a:off x="6228184" y="339502"/>
-            <a:ext cx="1080120" cy="0"/>
-          </a:xfrm>
-          <a:prstGeom prst="straightConnector1">
-            <a:avLst/>
-          </a:prstGeom>
-          <a:ln w="22225">
-            <a:solidFill>
+              <a:prstDash val="sysDot"/>
+              <a:tailEnd type="arrow"/>
+            </a:ln>
+          </p:spPr>
+          <p:style>
+            <a:lnRef idx="1">
+              <a:schemeClr val="accent1"/>
+            </a:lnRef>
+            <a:fillRef idx="0">
+              <a:schemeClr val="accent1"/>
+            </a:fillRef>
+            <a:effectRef idx="0">
+              <a:schemeClr val="accent1"/>
+            </a:effectRef>
+            <a:fontRef idx="minor">
               <a:schemeClr val="tx1"/>
-            </a:solidFill>
-            <a:prstDash val="sysDot"/>
-            <a:tailEnd type="arrow"/>
-          </a:ln>
-        </p:spPr>
-        <p:style>
-          <a:lnRef idx="1">
-            <a:schemeClr val="accent1"/>
-          </a:lnRef>
-          <a:fillRef idx="0">
-            <a:schemeClr val="accent1"/>
-          </a:fillRef>
-          <a:effectRef idx="0">
-            <a:schemeClr val="accent1"/>
-          </a:effectRef>
-          <a:fontRef idx="minor">
-            <a:schemeClr val="tx1"/>
-          </a:fontRef>
-        </p:style>
-      </p:cxnSp>
-      <p:cxnSp>
-        <p:nvCxnSpPr>
-          <p:cNvPr id="74" name="Connecteur droit avec flèche 73"/>
-          <p:cNvCxnSpPr>
-            <a:stCxn id="71" idx="2"/>
-            <a:endCxn id="53" idx="3"/>
-          </p:cNvCxnSpPr>
-          <p:nvPr/>
-        </p:nvCxnSpPr>
-        <p:spPr>
-          <a:xfrm flipH="1">
-            <a:off x="6228184" y="1160378"/>
-            <a:ext cx="1316809" cy="4895"/>
-          </a:xfrm>
-          <a:prstGeom prst="straightConnector1">
-            <a:avLst/>
-          </a:prstGeom>
-          <a:ln w="22225">
-            <a:solidFill>
+            </a:fontRef>
+          </p:style>
+        </p:cxnSp>
+        <p:sp>
+          <p:nvSpPr>
+            <p:cNvPr id="77" name="Rectangle 76"/>
+            <p:cNvSpPr/>
+            <p:nvPr/>
+          </p:nvSpPr>
+          <p:spPr>
+            <a:xfrm>
+              <a:off x="56541" y="2197281"/>
+              <a:ext cx="1275099" cy="432048"/>
+            </a:xfrm>
+            <a:prstGeom prst="rect">
+              <a:avLst/>
+            </a:prstGeom>
+          </p:spPr>
+          <p:style>
+            <a:lnRef idx="2">
+              <a:schemeClr val="dk1"/>
+            </a:lnRef>
+            <a:fillRef idx="1">
+              <a:schemeClr val="lt1"/>
+            </a:fillRef>
+            <a:effectRef idx="0">
+              <a:schemeClr val="dk1"/>
+            </a:effectRef>
+            <a:fontRef idx="minor">
+              <a:schemeClr val="dk1"/>
+            </a:fontRef>
+          </p:style>
+          <p:txBody>
+            <a:bodyPr lIns="91414" tIns="45707" rIns="91414" bIns="45707" rtlCol="0" anchor="ctr"/>
+            <a:lstStyle/>
+            <a:p>
+              <a:pPr algn="ctr"/>
+              <a:r>
+                <a:rPr lang="en-US" sz="1600" b="1" dirty="0" smtClean="0"/>
+                <a:t>PlayRelation</a:t>
+              </a:r>
+              <a:endParaRPr lang="en-US" dirty="0"/>
+            </a:p>
+          </p:txBody>
+        </p:sp>
+        <p:sp>
+          <p:nvSpPr>
+            <p:cNvPr id="78" name="Rectangle 77"/>
+            <p:cNvSpPr/>
+            <p:nvPr/>
+          </p:nvSpPr>
+          <p:spPr>
+            <a:xfrm>
+              <a:off x="1716693" y="267491"/>
+              <a:ext cx="1275099" cy="432048"/>
+            </a:xfrm>
+            <a:prstGeom prst="rect">
+              <a:avLst/>
+            </a:prstGeom>
+          </p:spPr>
+          <p:style>
+            <a:lnRef idx="2">
+              <a:schemeClr val="dk1"/>
+            </a:lnRef>
+            <a:fillRef idx="1">
+              <a:schemeClr val="lt1"/>
+            </a:fillRef>
+            <a:effectRef idx="0">
+              <a:schemeClr val="dk1"/>
+            </a:effectRef>
+            <a:fontRef idx="minor">
+              <a:schemeClr val="dk1"/>
+            </a:fontRef>
+          </p:style>
+          <p:txBody>
+            <a:bodyPr lIns="91414" tIns="45707" rIns="91414" bIns="45707" rtlCol="0" anchor="ctr"/>
+            <a:lstStyle/>
+            <a:p>
+              <a:pPr algn="ctr"/>
+              <a:r>
+                <a:rPr lang="en-US" sz="1600" b="1" dirty="0" smtClean="0"/>
+                <a:t>Player</a:t>
+              </a:r>
+              <a:endParaRPr lang="en-US" dirty="0"/>
+            </a:p>
+          </p:txBody>
+        </p:sp>
+        <p:sp>
+          <p:nvSpPr>
+            <p:cNvPr id="79" name="Rectangle 78"/>
+            <p:cNvSpPr/>
+            <p:nvPr/>
+          </p:nvSpPr>
+          <p:spPr>
+            <a:xfrm>
+              <a:off x="1716694" y="3711100"/>
+              <a:ext cx="1275099" cy="432048"/>
+            </a:xfrm>
+            <a:prstGeom prst="rect">
+              <a:avLst/>
+            </a:prstGeom>
+          </p:spPr>
+          <p:style>
+            <a:lnRef idx="2">
+              <a:schemeClr val="dk1"/>
+            </a:lnRef>
+            <a:fillRef idx="1">
+              <a:schemeClr val="lt1"/>
+            </a:fillRef>
+            <a:effectRef idx="0">
+              <a:schemeClr val="dk1"/>
+            </a:effectRef>
+            <a:fontRef idx="minor">
+              <a:schemeClr val="dk1"/>
+            </a:fontRef>
+          </p:style>
+          <p:txBody>
+            <a:bodyPr lIns="91414" tIns="45707" rIns="91414" bIns="45707" rtlCol="0" anchor="ctr"/>
+            <a:lstStyle/>
+            <a:p>
+              <a:pPr algn="ctr"/>
+              <a:r>
+                <a:rPr lang="en-US" sz="1600" b="1" dirty="0" smtClean="0"/>
+                <a:t>Role</a:t>
+              </a:r>
+              <a:endParaRPr lang="en-US" dirty="0"/>
+            </a:p>
+          </p:txBody>
+        </p:sp>
+        <p:cxnSp>
+          <p:nvCxnSpPr>
+            <p:cNvPr id="128" name="Connecteur droit 127"/>
+            <p:cNvCxnSpPr/>
+            <p:nvPr/>
+          </p:nvCxnSpPr>
+          <p:spPr>
+            <a:xfrm>
+              <a:off x="3923928" y="3624"/>
+              <a:ext cx="72008" cy="5143500"/>
+            </a:xfrm>
+            <a:prstGeom prst="line">
+              <a:avLst/>
+            </a:prstGeom>
+            <a:ln w="31750">
+              <a:solidFill>
+                <a:schemeClr val="dk1">
+                  <a:alpha val="80000"/>
+                </a:schemeClr>
+              </a:solidFill>
+              <a:prstDash val="dash"/>
+            </a:ln>
+          </p:spPr>
+          <p:style>
+            <a:lnRef idx="3">
+              <a:schemeClr val="dk1"/>
+            </a:lnRef>
+            <a:fillRef idx="0">
+              <a:schemeClr val="dk1"/>
+            </a:fillRef>
+            <a:effectRef idx="2">
+              <a:schemeClr val="dk1"/>
+            </a:effectRef>
+            <a:fontRef idx="minor">
               <a:schemeClr val="tx1"/>
-            </a:solidFill>
-            <a:prstDash val="sysDot"/>
-            <a:tailEnd type="arrow"/>
-          </a:ln>
-        </p:spPr>
-        <p:style>
-          <a:lnRef idx="1">
-            <a:schemeClr val="accent1"/>
-          </a:lnRef>
-          <a:fillRef idx="0">
-            <a:schemeClr val="accent1"/>
-          </a:fillRef>
-          <a:effectRef idx="0">
-            <a:schemeClr val="accent1"/>
-          </a:effectRef>
-          <a:fontRef idx="minor">
-            <a:schemeClr val="tx1"/>
-          </a:fontRef>
-        </p:style>
-      </p:cxnSp>
-      <p:sp>
-        <p:nvSpPr>
-          <p:cNvPr id="77" name="Rectangle 76"/>
-          <p:cNvSpPr/>
-          <p:nvPr/>
-        </p:nvSpPr>
-        <p:spPr>
-          <a:xfrm>
-            <a:off x="56541" y="2197281"/>
-            <a:ext cx="1275099" cy="432048"/>
-          </a:xfrm>
-          <a:prstGeom prst="rect">
-            <a:avLst/>
-          </a:prstGeom>
-        </p:spPr>
-        <p:style>
-          <a:lnRef idx="2">
-            <a:schemeClr val="dk1"/>
-          </a:lnRef>
-          <a:fillRef idx="1">
-            <a:schemeClr val="lt1"/>
-          </a:fillRef>
-          <a:effectRef idx="0">
-            <a:schemeClr val="dk1"/>
-          </a:effectRef>
-          <a:fontRef idx="minor">
-            <a:schemeClr val="dk1"/>
-          </a:fontRef>
-        </p:style>
-        <p:txBody>
-          <a:bodyPr lIns="91414" tIns="45707" rIns="91414" bIns="45707" rtlCol="0" anchor="ctr"/>
-          <a:lstStyle/>
-          <a:p>
-            <a:pPr algn="ctr"/>
-            <a:r>
-              <a:rPr lang="en-US" sz="1600" b="1" dirty="0" smtClean="0"/>
-              <a:t>PlayRelation</a:t>
-            </a:r>
-            <a:endParaRPr lang="en-US" dirty="0"/>
-          </a:p>
-        </p:txBody>
-      </p:sp>
-      <p:sp>
-        <p:nvSpPr>
-          <p:cNvPr id="78" name="Rectangle 77"/>
-          <p:cNvSpPr/>
-          <p:nvPr/>
-        </p:nvSpPr>
-        <p:spPr>
-          <a:xfrm>
-            <a:off x="1716693" y="267491"/>
-            <a:ext cx="1275099" cy="432048"/>
-          </a:xfrm>
-          <a:prstGeom prst="rect">
-            <a:avLst/>
-          </a:prstGeom>
-        </p:spPr>
-        <p:style>
-          <a:lnRef idx="2">
-            <a:schemeClr val="dk1"/>
-          </a:lnRef>
-          <a:fillRef idx="1">
-            <a:schemeClr val="lt1"/>
-          </a:fillRef>
-          <a:effectRef idx="0">
-            <a:schemeClr val="dk1"/>
-          </a:effectRef>
-          <a:fontRef idx="minor">
-            <a:schemeClr val="dk1"/>
-          </a:fontRef>
-        </p:style>
-        <p:txBody>
-          <a:bodyPr lIns="91414" tIns="45707" rIns="91414" bIns="45707" rtlCol="0" anchor="ctr"/>
-          <a:lstStyle/>
-          <a:p>
-            <a:pPr algn="ctr"/>
-            <a:r>
-              <a:rPr lang="en-US" sz="1600" b="1" dirty="0" smtClean="0"/>
-              <a:t>Player</a:t>
-            </a:r>
-            <a:endParaRPr lang="en-US" dirty="0"/>
-          </a:p>
-        </p:txBody>
-      </p:sp>
-      <p:sp>
-        <p:nvSpPr>
-          <p:cNvPr id="79" name="Rectangle 78"/>
-          <p:cNvSpPr/>
-          <p:nvPr/>
-        </p:nvSpPr>
-        <p:spPr>
-          <a:xfrm>
-            <a:off x="1716694" y="3711100"/>
-            <a:ext cx="1275099" cy="432048"/>
-          </a:xfrm>
-          <a:prstGeom prst="rect">
-            <a:avLst/>
-          </a:prstGeom>
-        </p:spPr>
-        <p:style>
-          <a:lnRef idx="2">
-            <a:schemeClr val="dk1"/>
-          </a:lnRef>
-          <a:fillRef idx="1">
-            <a:schemeClr val="lt1"/>
-          </a:fillRef>
-          <a:effectRef idx="0">
-            <a:schemeClr val="dk1"/>
-          </a:effectRef>
-          <a:fontRef idx="minor">
-            <a:schemeClr val="dk1"/>
-          </a:fontRef>
-        </p:style>
-        <p:txBody>
-          <a:bodyPr lIns="91414" tIns="45707" rIns="91414" bIns="45707" rtlCol="0" anchor="ctr"/>
-          <a:lstStyle/>
-          <a:p>
-            <a:pPr algn="ctr"/>
-            <a:r>
-              <a:rPr lang="en-US" sz="1600" b="1" dirty="0" smtClean="0"/>
-              <a:t>Role</a:t>
-            </a:r>
-            <a:endParaRPr lang="en-US" dirty="0"/>
-          </a:p>
-        </p:txBody>
-      </p:sp>
-      <p:cxnSp>
-        <p:nvCxnSpPr>
-          <p:cNvPr id="128" name="Connecteur droit 127"/>
-          <p:cNvCxnSpPr/>
-          <p:nvPr/>
-        </p:nvCxnSpPr>
-        <p:spPr>
-          <a:xfrm>
-            <a:off x="3923928" y="3624"/>
-            <a:ext cx="72008" cy="5143500"/>
-          </a:xfrm>
-          <a:prstGeom prst="line">
-            <a:avLst/>
-          </a:prstGeom>
-          <a:ln w="31750">
-            <a:solidFill>
-              <a:schemeClr val="dk1">
-                <a:alpha val="80000"/>
-              </a:schemeClr>
-            </a:solidFill>
-            <a:prstDash val="dash"/>
-          </a:ln>
-        </p:spPr>
-        <p:style>
-          <a:lnRef idx="3">
-            <a:schemeClr val="dk1"/>
-          </a:lnRef>
-          <a:fillRef idx="0">
-            <a:schemeClr val="dk1"/>
-          </a:fillRef>
-          <a:effectRef idx="2">
-            <a:schemeClr val="dk1"/>
-          </a:effectRef>
-          <a:fontRef idx="minor">
-            <a:schemeClr val="tx1"/>
-          </a:fontRef>
-        </p:style>
-      </p:cxnSp>
-      <p:cxnSp>
-        <p:nvCxnSpPr>
-          <p:cNvPr id="161" name="Connecteur droit avec flèche 160"/>
-          <p:cNvCxnSpPr>
-            <a:stCxn id="54" idx="1"/>
-          </p:cNvCxnSpPr>
-          <p:nvPr/>
-        </p:nvCxnSpPr>
-        <p:spPr>
-          <a:xfrm flipH="1">
-            <a:off x="2991793" y="339502"/>
-            <a:ext cx="1637046" cy="72005"/>
-          </a:xfrm>
-          <a:prstGeom prst="straightConnector1">
-            <a:avLst/>
-          </a:prstGeom>
-          <a:ln w="22225">
-            <a:solidFill>
+            </a:fontRef>
+          </p:style>
+        </p:cxnSp>
+        <p:cxnSp>
+          <p:nvCxnSpPr>
+            <p:cNvPr id="161" name="Connecteur droit avec flèche 160"/>
+            <p:cNvCxnSpPr>
+              <a:stCxn id="54" idx="1"/>
+            </p:cNvCxnSpPr>
+            <p:nvPr/>
+          </p:nvCxnSpPr>
+          <p:spPr>
+            <a:xfrm flipH="1">
+              <a:off x="2991793" y="339502"/>
+              <a:ext cx="1637046" cy="72005"/>
+            </a:xfrm>
+            <a:prstGeom prst="straightConnector1">
+              <a:avLst/>
+            </a:prstGeom>
+            <a:ln w="22225">
+              <a:solidFill>
+                <a:schemeClr val="tx1"/>
+              </a:solidFill>
+              <a:prstDash val="sysDot"/>
+              <a:tailEnd type="arrow"/>
+            </a:ln>
+          </p:spPr>
+          <p:style>
+            <a:lnRef idx="1">
+              <a:schemeClr val="accent1"/>
+            </a:lnRef>
+            <a:fillRef idx="0">
+              <a:schemeClr val="accent1"/>
+            </a:fillRef>
+            <a:effectRef idx="0">
+              <a:schemeClr val="accent1"/>
+            </a:effectRef>
+            <a:fontRef idx="minor">
               <a:schemeClr val="tx1"/>
-            </a:solidFill>
-            <a:prstDash val="sysDot"/>
-            <a:tailEnd type="arrow"/>
-          </a:ln>
-        </p:spPr>
-        <p:style>
-          <a:lnRef idx="1">
-            <a:schemeClr val="accent1"/>
-          </a:lnRef>
-          <a:fillRef idx="0">
-            <a:schemeClr val="accent1"/>
-          </a:fillRef>
-          <a:effectRef idx="0">
-            <a:schemeClr val="accent1"/>
-          </a:effectRef>
-          <a:fontRef idx="minor">
-            <a:schemeClr val="tx1"/>
-          </a:fontRef>
-        </p:style>
-      </p:cxnSp>
-      <p:cxnSp>
-        <p:nvCxnSpPr>
-          <p:cNvPr id="164" name="Connecteur droit avec flèche 163"/>
-          <p:cNvCxnSpPr>
-            <a:stCxn id="53" idx="1"/>
-            <a:endCxn id="78" idx="3"/>
-          </p:cNvCxnSpPr>
-          <p:nvPr/>
-        </p:nvCxnSpPr>
-        <p:spPr>
-          <a:xfrm flipH="1" flipV="1">
-            <a:off x="2991792" y="483515"/>
-            <a:ext cx="1609409" cy="681758"/>
-          </a:xfrm>
-          <a:prstGeom prst="straightConnector1">
-            <a:avLst/>
-          </a:prstGeom>
-          <a:ln w="22225">
-            <a:solidFill>
+            </a:fontRef>
+          </p:style>
+        </p:cxnSp>
+        <p:cxnSp>
+          <p:nvCxnSpPr>
+            <p:cNvPr id="164" name="Connecteur droit avec flèche 163"/>
+            <p:cNvCxnSpPr>
+              <a:stCxn id="53" idx="1"/>
+              <a:endCxn id="78" idx="3"/>
+            </p:cNvCxnSpPr>
+            <p:nvPr/>
+          </p:nvCxnSpPr>
+          <p:spPr>
+            <a:xfrm flipH="1" flipV="1">
+              <a:off x="2991792" y="483515"/>
+              <a:ext cx="1609409" cy="681758"/>
+            </a:xfrm>
+            <a:prstGeom prst="straightConnector1">
+              <a:avLst/>
+            </a:prstGeom>
+            <a:ln w="22225">
+              <a:solidFill>
+                <a:schemeClr val="tx1"/>
+              </a:solidFill>
+              <a:prstDash val="sysDot"/>
+              <a:tailEnd type="arrow"/>
+            </a:ln>
+          </p:spPr>
+          <p:style>
+            <a:lnRef idx="1">
+              <a:schemeClr val="accent1"/>
+            </a:lnRef>
+            <a:fillRef idx="0">
+              <a:schemeClr val="accent1"/>
+            </a:fillRef>
+            <a:effectRef idx="0">
+              <a:schemeClr val="accent1"/>
+            </a:effectRef>
+            <a:fontRef idx="minor">
               <a:schemeClr val="tx1"/>
-            </a:solidFill>
-            <a:prstDash val="sysDot"/>
-            <a:tailEnd type="arrow"/>
-          </a:ln>
-        </p:spPr>
-        <p:style>
-          <a:lnRef idx="1">
-            <a:schemeClr val="accent1"/>
-          </a:lnRef>
-          <a:fillRef idx="0">
-            <a:schemeClr val="accent1"/>
-          </a:fillRef>
-          <a:effectRef idx="0">
-            <a:schemeClr val="accent1"/>
-          </a:effectRef>
-          <a:fontRef idx="minor">
-            <a:schemeClr val="tx1"/>
-          </a:fontRef>
-        </p:style>
-      </p:cxnSp>
-      <p:cxnSp>
-        <p:nvCxnSpPr>
-          <p:cNvPr id="167" name="Connecteur droit avec flèche 166"/>
-          <p:cNvCxnSpPr>
-            <a:stCxn id="56" idx="1"/>
-            <a:endCxn id="50" idx="3"/>
-          </p:cNvCxnSpPr>
-          <p:nvPr/>
-        </p:nvCxnSpPr>
-        <p:spPr>
-          <a:xfrm flipH="1">
-            <a:off x="3783777" y="2039569"/>
-            <a:ext cx="379873" cy="373735"/>
-          </a:xfrm>
-          <a:prstGeom prst="straightConnector1">
-            <a:avLst/>
-          </a:prstGeom>
-          <a:ln w="22225">
-            <a:solidFill>
+            </a:fontRef>
+          </p:style>
+        </p:cxnSp>
+        <p:cxnSp>
+          <p:nvCxnSpPr>
+            <p:cNvPr id="167" name="Connecteur droit avec flèche 166"/>
+            <p:cNvCxnSpPr>
+              <a:stCxn id="56" idx="1"/>
+              <a:endCxn id="50" idx="3"/>
+            </p:cNvCxnSpPr>
+            <p:nvPr/>
+          </p:nvCxnSpPr>
+          <p:spPr>
+            <a:xfrm flipH="1">
+              <a:off x="3783777" y="2039569"/>
+              <a:ext cx="379873" cy="373735"/>
+            </a:xfrm>
+            <a:prstGeom prst="straightConnector1">
+              <a:avLst/>
+            </a:prstGeom>
+            <a:ln w="22225">
+              <a:solidFill>
+                <a:schemeClr val="tx1"/>
+              </a:solidFill>
+              <a:prstDash val="sysDot"/>
+              <a:tailEnd type="arrow"/>
+            </a:ln>
+          </p:spPr>
+          <p:style>
+            <a:lnRef idx="1">
+              <a:schemeClr val="accent1"/>
+            </a:lnRef>
+            <a:fillRef idx="0">
+              <a:schemeClr val="accent1"/>
+            </a:fillRef>
+            <a:effectRef idx="0">
+              <a:schemeClr val="accent1"/>
+            </a:effectRef>
+            <a:fontRef idx="minor">
               <a:schemeClr val="tx1"/>
-            </a:solidFill>
-            <a:prstDash val="sysDot"/>
-            <a:tailEnd type="arrow"/>
-          </a:ln>
-        </p:spPr>
-        <p:style>
-          <a:lnRef idx="1">
-            <a:schemeClr val="accent1"/>
-          </a:lnRef>
-          <a:fillRef idx="0">
-            <a:schemeClr val="accent1"/>
-          </a:fillRef>
-          <a:effectRef idx="0">
-            <a:schemeClr val="accent1"/>
-          </a:effectRef>
-          <a:fontRef idx="minor">
-            <a:schemeClr val="tx1"/>
-          </a:fontRef>
-        </p:style>
-      </p:cxnSp>
-      <p:cxnSp>
-        <p:nvCxnSpPr>
-          <p:cNvPr id="170" name="Connecteur droit avec flèche 169"/>
-          <p:cNvCxnSpPr>
-            <a:stCxn id="55" idx="1"/>
-            <a:endCxn id="50" idx="3"/>
-          </p:cNvCxnSpPr>
-          <p:nvPr/>
-        </p:nvCxnSpPr>
-        <p:spPr>
-          <a:xfrm flipH="1" flipV="1">
-            <a:off x="3783777" y="2413304"/>
-            <a:ext cx="379873" cy="323711"/>
-          </a:xfrm>
-          <a:prstGeom prst="straightConnector1">
-            <a:avLst/>
-          </a:prstGeom>
-          <a:ln w="22225">
-            <a:solidFill>
+            </a:fontRef>
+          </p:style>
+        </p:cxnSp>
+        <p:cxnSp>
+          <p:nvCxnSpPr>
+            <p:cNvPr id="170" name="Connecteur droit avec flèche 169"/>
+            <p:cNvCxnSpPr>
+              <a:stCxn id="55" idx="1"/>
+              <a:endCxn id="50" idx="3"/>
+            </p:cNvCxnSpPr>
+            <p:nvPr/>
+          </p:nvCxnSpPr>
+          <p:spPr>
+            <a:xfrm flipH="1" flipV="1">
+              <a:off x="3783777" y="2413304"/>
+              <a:ext cx="379873" cy="323711"/>
+            </a:xfrm>
+            <a:prstGeom prst="straightConnector1">
+              <a:avLst/>
+            </a:prstGeom>
+            <a:ln w="22225">
+              <a:solidFill>
+                <a:schemeClr val="tx1"/>
+              </a:solidFill>
+              <a:prstDash val="sysDot"/>
+              <a:tailEnd type="arrow"/>
+            </a:ln>
+          </p:spPr>
+          <p:style>
+            <a:lnRef idx="1">
+              <a:schemeClr val="accent1"/>
+            </a:lnRef>
+            <a:fillRef idx="0">
+              <a:schemeClr val="accent1"/>
+            </a:fillRef>
+            <a:effectRef idx="0">
+              <a:schemeClr val="accent1"/>
+            </a:effectRef>
+            <a:fontRef idx="minor">
               <a:schemeClr val="tx1"/>
-            </a:solidFill>
-            <a:prstDash val="sysDot"/>
-            <a:tailEnd type="arrow"/>
-          </a:ln>
-        </p:spPr>
-        <p:style>
-          <a:lnRef idx="1">
-            <a:schemeClr val="accent1"/>
-          </a:lnRef>
-          <a:fillRef idx="0">
-            <a:schemeClr val="accent1"/>
-          </a:fillRef>
-          <a:effectRef idx="0">
-            <a:schemeClr val="accent1"/>
-          </a:effectRef>
-          <a:fontRef idx="minor">
-            <a:schemeClr val="tx1"/>
-          </a:fontRef>
-        </p:style>
-      </p:cxnSp>
-      <p:cxnSp>
-        <p:nvCxnSpPr>
-          <p:cNvPr id="173" name="Connecteur droit avec flèche 172"/>
-          <p:cNvCxnSpPr>
-            <a:stCxn id="52" idx="1"/>
-            <a:endCxn id="79" idx="3"/>
-          </p:cNvCxnSpPr>
-          <p:nvPr/>
-        </p:nvCxnSpPr>
-        <p:spPr>
-          <a:xfrm flipH="1" flipV="1">
-            <a:off x="2991793" y="3927124"/>
-            <a:ext cx="1637046" cy="11936"/>
-          </a:xfrm>
-          <a:prstGeom prst="straightConnector1">
-            <a:avLst/>
-          </a:prstGeom>
-          <a:ln w="22225">
-            <a:solidFill>
+            </a:fontRef>
+          </p:style>
+        </p:cxnSp>
+        <p:cxnSp>
+          <p:nvCxnSpPr>
+            <p:cNvPr id="173" name="Connecteur droit avec flèche 172"/>
+            <p:cNvCxnSpPr>
+              <a:stCxn id="52" idx="1"/>
+              <a:endCxn id="79" idx="3"/>
+            </p:cNvCxnSpPr>
+            <p:nvPr/>
+          </p:nvCxnSpPr>
+          <p:spPr>
+            <a:xfrm flipH="1" flipV="1">
+              <a:off x="2991793" y="3927124"/>
+              <a:ext cx="1637046" cy="11936"/>
+            </a:xfrm>
+            <a:prstGeom prst="straightConnector1">
+              <a:avLst/>
+            </a:prstGeom>
+            <a:ln w="22225">
+              <a:solidFill>
+                <a:schemeClr val="tx1"/>
+              </a:solidFill>
+              <a:prstDash val="sysDot"/>
+              <a:tailEnd type="arrow"/>
+            </a:ln>
+          </p:spPr>
+          <p:style>
+            <a:lnRef idx="1">
+              <a:schemeClr val="accent1"/>
+            </a:lnRef>
+            <a:fillRef idx="0">
+              <a:schemeClr val="accent1"/>
+            </a:fillRef>
+            <a:effectRef idx="0">
+              <a:schemeClr val="accent1"/>
+            </a:effectRef>
+            <a:fontRef idx="minor">
               <a:schemeClr val="tx1"/>
-            </a:solidFill>
-            <a:prstDash val="sysDot"/>
-            <a:tailEnd type="arrow"/>
-          </a:ln>
-        </p:spPr>
-        <p:style>
-          <a:lnRef idx="1">
-            <a:schemeClr val="accent1"/>
-          </a:lnRef>
-          <a:fillRef idx="0">
-            <a:schemeClr val="accent1"/>
-          </a:fillRef>
-          <a:effectRef idx="0">
-            <a:schemeClr val="accent1"/>
-          </a:effectRef>
-          <a:fontRef idx="minor">
-            <a:schemeClr val="tx1"/>
-          </a:fontRef>
-        </p:style>
-      </p:cxnSp>
-      <p:cxnSp>
-        <p:nvCxnSpPr>
-          <p:cNvPr id="177" name="Connecteur droit 176"/>
-          <p:cNvCxnSpPr/>
-          <p:nvPr/>
-        </p:nvCxnSpPr>
-        <p:spPr>
-          <a:xfrm>
-            <a:off x="6924837" y="-20538"/>
-            <a:ext cx="72008" cy="5143500"/>
-          </a:xfrm>
-          <a:prstGeom prst="line">
-            <a:avLst/>
-          </a:prstGeom>
-          <a:ln w="31750">
-            <a:solidFill>
-              <a:schemeClr val="dk1">
-                <a:alpha val="80000"/>
-              </a:schemeClr>
-            </a:solidFill>
-            <a:prstDash val="dash"/>
-          </a:ln>
-        </p:spPr>
-        <p:style>
-          <a:lnRef idx="3">
-            <a:schemeClr val="dk1"/>
-          </a:lnRef>
-          <a:fillRef idx="0">
-            <a:schemeClr val="dk1"/>
-          </a:fillRef>
-          <a:effectRef idx="2">
-            <a:schemeClr val="dk1"/>
-          </a:effectRef>
-          <a:fontRef idx="minor">
-            <a:schemeClr val="tx1"/>
-          </a:fontRef>
-        </p:style>
-      </p:cxnSp>
-      <p:cxnSp>
-        <p:nvCxnSpPr>
-          <p:cNvPr id="187" name="Connecteur droit avec flèche 186"/>
-          <p:cNvCxnSpPr/>
-          <p:nvPr/>
-        </p:nvCxnSpPr>
-        <p:spPr>
-          <a:xfrm flipH="1">
-            <a:off x="79057" y="5000729"/>
-            <a:ext cx="699138" cy="0"/>
-          </a:xfrm>
-          <a:prstGeom prst="straightConnector1">
-            <a:avLst/>
-          </a:prstGeom>
-          <a:ln w="22225">
-            <a:solidFill>
+            </a:fontRef>
+          </p:style>
+        </p:cxnSp>
+        <p:cxnSp>
+          <p:nvCxnSpPr>
+            <p:cNvPr id="177" name="Connecteur droit 176"/>
+            <p:cNvCxnSpPr/>
+            <p:nvPr/>
+          </p:nvCxnSpPr>
+          <p:spPr>
+            <a:xfrm>
+              <a:off x="6924837" y="-20538"/>
+              <a:ext cx="72008" cy="5143500"/>
+            </a:xfrm>
+            <a:prstGeom prst="line">
+              <a:avLst/>
+            </a:prstGeom>
+            <a:ln w="31750">
+              <a:solidFill>
+                <a:schemeClr val="dk1">
+                  <a:alpha val="80000"/>
+                </a:schemeClr>
+              </a:solidFill>
+              <a:prstDash val="dash"/>
+            </a:ln>
+          </p:spPr>
+          <p:style>
+            <a:lnRef idx="3">
+              <a:schemeClr val="dk1"/>
+            </a:lnRef>
+            <a:fillRef idx="0">
+              <a:schemeClr val="dk1"/>
+            </a:fillRef>
+            <a:effectRef idx="2">
+              <a:schemeClr val="dk1"/>
+            </a:effectRef>
+            <a:fontRef idx="minor">
               <a:schemeClr val="tx1"/>
-            </a:solidFill>
-            <a:prstDash val="sysDot"/>
-            <a:tailEnd type="arrow"/>
-          </a:ln>
-        </p:spPr>
-        <p:style>
-          <a:lnRef idx="1">
-            <a:schemeClr val="accent1"/>
-          </a:lnRef>
-          <a:fillRef idx="0">
-            <a:schemeClr val="accent1"/>
-          </a:fillRef>
-          <a:effectRef idx="0">
-            <a:schemeClr val="accent1"/>
-          </a:effectRef>
-          <a:fontRef idx="minor">
-            <a:schemeClr val="tx1"/>
-          </a:fontRef>
-        </p:style>
-      </p:cxnSp>
-      <p:sp>
-        <p:nvSpPr>
-          <p:cNvPr id="189" name="ZoneTexte 188"/>
-          <p:cNvSpPr txBox="1"/>
-          <p:nvPr/>
-        </p:nvSpPr>
-        <p:spPr>
-          <a:xfrm>
-            <a:off x="755576" y="4825484"/>
-            <a:ext cx="1235146" cy="338554"/>
-          </a:xfrm>
-          <a:prstGeom prst="rect">
-            <a:avLst/>
-          </a:prstGeom>
-          <a:noFill/>
-        </p:spPr>
-        <p:txBody>
-          <a:bodyPr wrap="none" rtlCol="0">
-            <a:spAutoFit/>
-          </a:bodyPr>
-          <a:lstStyle/>
-          <a:p>
-            <a:r>
-              <a:rPr lang="en-US" sz="1600" dirty="0" smtClean="0"/>
-              <a:t>: Conform to</a:t>
-            </a:r>
-            <a:endParaRPr lang="en-US" sz="1600" dirty="0"/>
-          </a:p>
-        </p:txBody>
-      </p:sp>
-      <p:sp>
-        <p:nvSpPr>
-          <p:cNvPr id="191" name="ZoneTexte 190"/>
-          <p:cNvSpPr txBox="1"/>
-          <p:nvPr/>
-        </p:nvSpPr>
-        <p:spPr>
-          <a:xfrm>
-            <a:off x="911210" y="4441667"/>
-            <a:ext cx="1632948" cy="369332"/>
-          </a:xfrm>
-          <a:prstGeom prst="rect">
-            <a:avLst/>
-          </a:prstGeom>
-          <a:noFill/>
-        </p:spPr>
-        <p:txBody>
-          <a:bodyPr wrap="none" rtlCol="0">
-            <a:spAutoFit/>
-          </a:bodyPr>
-          <a:lstStyle/>
-          <a:p>
-            <a:pPr algn="ctr"/>
-            <a:r>
-              <a:rPr lang="en-US" b="1" u="sng" dirty="0" smtClean="0">
+            </a:fontRef>
+          </p:style>
+        </p:cxnSp>
+        <p:cxnSp>
+          <p:nvCxnSpPr>
+            <p:cNvPr id="187" name="Connecteur droit avec flèche 186"/>
+            <p:cNvCxnSpPr/>
+            <p:nvPr/>
+          </p:nvCxnSpPr>
+          <p:spPr>
+            <a:xfrm flipH="1">
+              <a:off x="79057" y="5000729"/>
+              <a:ext cx="699138" cy="0"/>
+            </a:xfrm>
+            <a:prstGeom prst="straightConnector1">
+              <a:avLst/>
+            </a:prstGeom>
+            <a:ln w="22225">
+              <a:solidFill>
+                <a:schemeClr val="tx1"/>
+              </a:solidFill>
+              <a:prstDash val="sysDot"/>
+              <a:tailEnd type="arrow"/>
+            </a:ln>
+          </p:spPr>
+          <p:style>
+            <a:lnRef idx="1">
+              <a:schemeClr val="accent1"/>
+            </a:lnRef>
+            <a:fillRef idx="0">
+              <a:schemeClr val="accent1"/>
+            </a:fillRef>
+            <a:effectRef idx="0">
+              <a:schemeClr val="accent1"/>
+            </a:effectRef>
+            <a:fontRef idx="minor">
+              <a:schemeClr val="tx1"/>
+            </a:fontRef>
+          </p:style>
+        </p:cxnSp>
+        <p:sp>
+          <p:nvSpPr>
+            <p:cNvPr id="189" name="ZoneTexte 188"/>
+            <p:cNvSpPr txBox="1"/>
+            <p:nvPr/>
+          </p:nvSpPr>
+          <p:spPr>
+            <a:xfrm>
+              <a:off x="755576" y="4825484"/>
+              <a:ext cx="1235146" cy="338554"/>
+            </a:xfrm>
+            <a:prstGeom prst="rect">
+              <a:avLst/>
+            </a:prstGeom>
+            <a:noFill/>
+          </p:spPr>
+          <p:txBody>
+            <a:bodyPr wrap="none" rtlCol="0">
+              <a:spAutoFit/>
+            </a:bodyPr>
+            <a:lstStyle/>
+            <a:p>
+              <a:r>
+                <a:rPr lang="en-US" sz="1600" dirty="0" smtClean="0"/>
+                <a:t>: Conform to</a:t>
+              </a:r>
+              <a:endParaRPr lang="en-US" sz="1600" dirty="0"/>
+            </a:p>
+          </p:txBody>
+        </p:sp>
+        <p:sp>
+          <p:nvSpPr>
+            <p:cNvPr id="191" name="ZoneTexte 190"/>
+            <p:cNvSpPr txBox="1"/>
+            <p:nvPr/>
+          </p:nvSpPr>
+          <p:spPr>
+            <a:xfrm>
+              <a:off x="911210" y="4441667"/>
+              <a:ext cx="1632948" cy="369332"/>
+            </a:xfrm>
+            <a:prstGeom prst="rect">
+              <a:avLst/>
+            </a:prstGeom>
+            <a:noFill/>
+          </p:spPr>
+          <p:txBody>
+            <a:bodyPr wrap="none" rtlCol="0">
+              <a:spAutoFit/>
+            </a:bodyPr>
+            <a:lstStyle/>
+            <a:p>
+              <a:pPr algn="ctr"/>
+              <a:r>
+                <a:rPr lang="en-US" b="1" u="sng" dirty="0" smtClean="0">
+                  <a:effectLst>
+                    <a:outerShdw blurRad="38100" dist="38100" dir="2700000" algn="tl">
+                      <a:srgbClr val="000000">
+                        <a:alpha val="43137"/>
+                      </a:srgbClr>
+                    </a:outerShdw>
+                  </a:effectLst>
+                </a:rPr>
+                <a:t>Role4All model</a:t>
+              </a:r>
+              <a:endParaRPr lang="en-US" b="1" u="sng" dirty="0">
                 <a:effectLst>
                   <a:outerShdw blurRad="38100" dist="38100" dir="2700000" algn="tl">
                     <a:srgbClr val="000000">
@@ -4326,46 +4347,46 @@
                     </a:srgbClr>
                   </a:outerShdw>
                 </a:effectLst>
-              </a:rPr>
-              <a:t>Role4All model</a:t>
-            </a:r>
-            <a:endParaRPr lang="en-US" b="1" u="sng" dirty="0">
-              <a:effectLst>
-                <a:outerShdw blurRad="38100" dist="38100" dir="2700000" algn="tl">
-                  <a:srgbClr val="000000">
-                    <a:alpha val="43137"/>
-                  </a:srgbClr>
-                </a:outerShdw>
-              </a:effectLst>
-            </a:endParaRPr>
-          </a:p>
-        </p:txBody>
-      </p:sp>
-      <p:sp>
-        <p:nvSpPr>
-          <p:cNvPr id="192" name="ZoneTexte 191"/>
-          <p:cNvSpPr txBox="1"/>
-          <p:nvPr/>
-        </p:nvSpPr>
-        <p:spPr>
-          <a:xfrm>
-            <a:off x="4709819" y="4486052"/>
-            <a:ext cx="1409745" cy="369332"/>
-          </a:xfrm>
-          <a:prstGeom prst="rect">
-            <a:avLst/>
-          </a:prstGeom>
-          <a:noFill/>
-        </p:spPr>
-        <p:txBody>
-          <a:bodyPr wrap="none" rtlCol="0">
-            <a:spAutoFit/>
-          </a:bodyPr>
-          <a:lstStyle/>
-          <a:p>
-            <a:pPr algn="ctr"/>
-            <a:r>
-              <a:rPr lang="en-US" b="1" u="sng" dirty="0" smtClean="0">
+              </a:endParaRPr>
+            </a:p>
+          </p:txBody>
+        </p:sp>
+        <p:sp>
+          <p:nvSpPr>
+            <p:cNvPr id="192" name="ZoneTexte 191"/>
+            <p:cNvSpPr txBox="1"/>
+            <p:nvPr/>
+          </p:nvSpPr>
+          <p:spPr>
+            <a:xfrm>
+              <a:off x="4709819" y="4486052"/>
+              <a:ext cx="1409745" cy="369332"/>
+            </a:xfrm>
+            <a:prstGeom prst="rect">
+              <a:avLst/>
+            </a:prstGeom>
+            <a:noFill/>
+          </p:spPr>
+          <p:txBody>
+            <a:bodyPr wrap="none" rtlCol="0">
+              <a:spAutoFit/>
+            </a:bodyPr>
+            <a:lstStyle/>
+            <a:p>
+              <a:pPr algn="ctr"/>
+              <a:r>
+                <a:rPr lang="en-US" b="1" u="sng" dirty="0" smtClean="0">
+                  <a:effectLst>
+                    <a:outerShdw blurRad="38100" dist="38100" dir="2700000" algn="tl">
+                      <a:srgbClr val="000000">
+                        <a:alpha val="43137"/>
+                      </a:srgbClr>
+                    </a:outerShdw>
+                  </a:effectLst>
+                </a:rPr>
+                <a:t>A role model</a:t>
+              </a:r>
+              <a:endParaRPr lang="en-US" b="1" u="sng" dirty="0">
                 <a:effectLst>
                   <a:outerShdw blurRad="38100" dist="38100" dir="2700000" algn="tl">
                     <a:srgbClr val="000000">
@@ -4373,46 +4394,46 @@
                     </a:srgbClr>
                   </a:outerShdw>
                 </a:effectLst>
-              </a:rPr>
-              <a:t>A role model</a:t>
-            </a:r>
-            <a:endParaRPr lang="en-US" b="1" u="sng" dirty="0">
-              <a:effectLst>
-                <a:outerShdw blurRad="38100" dist="38100" dir="2700000" algn="tl">
-                  <a:srgbClr val="000000">
-                    <a:alpha val="43137"/>
-                  </a:srgbClr>
-                </a:outerShdw>
-              </a:effectLst>
-            </a:endParaRPr>
-          </a:p>
-        </p:txBody>
-      </p:sp>
-      <p:sp>
-        <p:nvSpPr>
-          <p:cNvPr id="193" name="ZoneTexte 192"/>
-          <p:cNvSpPr txBox="1"/>
-          <p:nvPr/>
-        </p:nvSpPr>
-        <p:spPr>
-          <a:xfrm>
-            <a:off x="7634430" y="4486052"/>
-            <a:ext cx="1075937" cy="369332"/>
-          </a:xfrm>
-          <a:prstGeom prst="rect">
-            <a:avLst/>
-          </a:prstGeom>
-          <a:noFill/>
-        </p:spPr>
-        <p:txBody>
-          <a:bodyPr wrap="none" rtlCol="0">
-            <a:spAutoFit/>
-          </a:bodyPr>
-          <a:lstStyle/>
-          <a:p>
-            <a:pPr algn="ctr"/>
-            <a:r>
-              <a:rPr lang="en-US" b="1" u="sng" dirty="0" smtClean="0">
+              </a:endParaRPr>
+            </a:p>
+          </p:txBody>
+        </p:sp>
+        <p:sp>
+          <p:nvSpPr>
+            <p:cNvPr id="193" name="ZoneTexte 192"/>
+            <p:cNvSpPr txBox="1"/>
+            <p:nvPr/>
+          </p:nvSpPr>
+          <p:spPr>
+            <a:xfrm>
+              <a:off x="7634430" y="4486052"/>
+              <a:ext cx="1075937" cy="369332"/>
+            </a:xfrm>
+            <a:prstGeom prst="rect">
+              <a:avLst/>
+            </a:prstGeom>
+            <a:noFill/>
+          </p:spPr>
+          <p:txBody>
+            <a:bodyPr wrap="none" rtlCol="0">
+              <a:spAutoFit/>
+            </a:bodyPr>
+            <a:lstStyle/>
+            <a:p>
+              <a:pPr algn="ctr"/>
+              <a:r>
+                <a:rPr lang="en-US" b="1" u="sng" dirty="0" smtClean="0">
+                  <a:effectLst>
+                    <a:outerShdw blurRad="38100" dist="38100" dir="2700000" algn="tl">
+                      <a:srgbClr val="000000">
+                        <a:alpha val="43137"/>
+                      </a:srgbClr>
+                    </a:outerShdw>
+                  </a:effectLst>
+                </a:rPr>
+                <a:t>Instances</a:t>
+              </a:r>
+              <a:endParaRPr lang="en-US" b="1" u="sng" dirty="0">
                 <a:effectLst>
                   <a:outerShdw blurRad="38100" dist="38100" dir="2700000" algn="tl">
                     <a:srgbClr val="000000">
@@ -4420,307 +4441,297 @@
                     </a:srgbClr>
                   </a:outerShdw>
                 </a:effectLst>
-              </a:rPr>
-              <a:t>Instances</a:t>
-            </a:r>
-            <a:endParaRPr lang="en-US" b="1" u="sng" dirty="0">
-              <a:effectLst>
-                <a:outerShdw blurRad="38100" dist="38100" dir="2700000" algn="tl">
-                  <a:srgbClr val="000000">
-                    <a:alpha val="43137"/>
-                  </a:srgbClr>
-                </a:outerShdw>
-              </a:effectLst>
-            </a:endParaRPr>
-          </a:p>
-        </p:txBody>
-      </p:sp>
-      <p:sp>
-        <p:nvSpPr>
-          <p:cNvPr id="194" name="Ellipse 193"/>
-          <p:cNvSpPr/>
-          <p:nvPr/>
-        </p:nvSpPr>
-        <p:spPr>
-          <a:xfrm>
-            <a:off x="7550960" y="2613379"/>
-            <a:ext cx="1254811" cy="576065"/>
-          </a:xfrm>
-          <a:prstGeom prst="ellipse">
-            <a:avLst/>
-          </a:prstGeom>
-        </p:spPr>
-        <p:style>
-          <a:lnRef idx="2">
-            <a:schemeClr val="dk1"/>
-          </a:lnRef>
-          <a:fillRef idx="1">
-            <a:schemeClr val="lt1"/>
-          </a:fillRef>
-          <a:effectRef idx="0">
-            <a:schemeClr val="dk1"/>
-          </a:effectRef>
-          <a:fontRef idx="minor">
-            <a:schemeClr val="dk1"/>
-          </a:fontRef>
-        </p:style>
-        <p:txBody>
-          <a:bodyPr wrap="none" lIns="0" tIns="45707" rIns="0" bIns="45707" rtlCol="0" anchor="ctr"/>
-          <a:lstStyle/>
-          <a:p>
-            <a:pPr algn="ctr"/>
-            <a:r>
-              <a:rPr lang="en-US" sz="1600" dirty="0" smtClean="0"/>
-              <a:t>roleFPGA0</a:t>
-            </a:r>
-            <a:endParaRPr lang="en-US" dirty="0">
+              </a:endParaRPr>
+            </a:p>
+          </p:txBody>
+        </p:sp>
+        <p:sp>
+          <p:nvSpPr>
+            <p:cNvPr id="194" name="Ellipse 193"/>
+            <p:cNvSpPr/>
+            <p:nvPr/>
+          </p:nvSpPr>
+          <p:spPr>
+            <a:xfrm>
+              <a:off x="7550960" y="2613379"/>
+              <a:ext cx="1254811" cy="576065"/>
+            </a:xfrm>
+            <a:prstGeom prst="ellipse">
+              <a:avLst/>
+            </a:prstGeom>
+          </p:spPr>
+          <p:style>
+            <a:lnRef idx="2">
+              <a:schemeClr val="dk1"/>
+            </a:lnRef>
+            <a:fillRef idx="1">
+              <a:schemeClr val="lt1"/>
+            </a:fillRef>
+            <a:effectRef idx="0">
+              <a:schemeClr val="dk1"/>
+            </a:effectRef>
+            <a:fontRef idx="minor">
+              <a:schemeClr val="dk1"/>
+            </a:fontRef>
+          </p:style>
+          <p:txBody>
+            <a:bodyPr wrap="none" lIns="0" tIns="45707" rIns="0" bIns="45707" rtlCol="0" anchor="ctr"/>
+            <a:lstStyle/>
+            <a:p>
+              <a:pPr algn="ctr"/>
+              <a:r>
+                <a:rPr lang="en-US" sz="1600" dirty="0" smtClean="0"/>
+                <a:t>roleFPGA0</a:t>
+              </a:r>
+              <a:endParaRPr lang="en-US" dirty="0">
+                <a:solidFill>
+                  <a:schemeClr val="dk1"/>
+                </a:solidFill>
+              </a:endParaRPr>
+            </a:p>
+          </p:txBody>
+        </p:sp>
+        <p:sp>
+          <p:nvSpPr>
+            <p:cNvPr id="195" name="Ellipse 194"/>
+            <p:cNvSpPr/>
+            <p:nvPr/>
+          </p:nvSpPr>
+          <p:spPr>
+            <a:xfrm>
+              <a:off x="7565661" y="3255000"/>
+              <a:ext cx="1254811" cy="576065"/>
+            </a:xfrm>
+            <a:prstGeom prst="ellipse">
+              <a:avLst/>
+            </a:prstGeom>
+          </p:spPr>
+          <p:style>
+            <a:lnRef idx="2">
+              <a:schemeClr val="dk1"/>
+            </a:lnRef>
+            <a:fillRef idx="1">
+              <a:schemeClr val="lt1"/>
+            </a:fillRef>
+            <a:effectRef idx="0">
+              <a:schemeClr val="dk1"/>
+            </a:effectRef>
+            <a:fontRef idx="minor">
+              <a:schemeClr val="dk1"/>
+            </a:fontRef>
+          </p:style>
+          <p:txBody>
+            <a:bodyPr wrap="none" lIns="0" tIns="45707" rIns="0" bIns="45707" rtlCol="0" anchor="ctr"/>
+            <a:lstStyle/>
+            <a:p>
+              <a:pPr algn="ctr"/>
+              <a:r>
+                <a:rPr lang="en-US" sz="1600" dirty="0" smtClean="0"/>
+                <a:t>roleFPGA0.1</a:t>
+              </a:r>
+              <a:endParaRPr lang="en-US" dirty="0">
+                <a:solidFill>
+                  <a:schemeClr val="dk1"/>
+                </a:solidFill>
+              </a:endParaRPr>
+            </a:p>
+          </p:txBody>
+        </p:sp>
+        <p:sp>
+          <p:nvSpPr>
+            <p:cNvPr id="196" name="Ellipse 195"/>
+            <p:cNvSpPr/>
+            <p:nvPr/>
+          </p:nvSpPr>
+          <p:spPr>
+            <a:xfrm>
+              <a:off x="7544465" y="3939901"/>
+              <a:ext cx="1254811" cy="576065"/>
+            </a:xfrm>
+            <a:prstGeom prst="ellipse">
+              <a:avLst/>
+            </a:prstGeom>
+          </p:spPr>
+          <p:style>
+            <a:lnRef idx="2">
+              <a:schemeClr val="dk1"/>
+            </a:lnRef>
+            <a:fillRef idx="1">
+              <a:schemeClr val="lt1"/>
+            </a:fillRef>
+            <a:effectRef idx="0">
+              <a:schemeClr val="dk1"/>
+            </a:effectRef>
+            <a:fontRef idx="minor">
+              <a:schemeClr val="dk1"/>
+            </a:fontRef>
+          </p:style>
+          <p:txBody>
+            <a:bodyPr wrap="none" lIns="0" tIns="45707" rIns="0" bIns="45707" rtlCol="0" anchor="ctr"/>
+            <a:lstStyle/>
+            <a:p>
+              <a:pPr algn="ctr"/>
+              <a:r>
+                <a:rPr lang="en-US" sz="1600" dirty="0" smtClean="0"/>
+                <a:t>roleFPGA0.2</a:t>
+              </a:r>
+              <a:endParaRPr lang="en-US" dirty="0">
+                <a:solidFill>
+                  <a:schemeClr val="dk1"/>
+                </a:solidFill>
+              </a:endParaRPr>
+            </a:p>
+          </p:txBody>
+        </p:sp>
+        <p:cxnSp>
+          <p:nvCxnSpPr>
+            <p:cNvPr id="197" name="Connecteur droit avec flèche 196"/>
+            <p:cNvCxnSpPr>
+              <a:stCxn id="194" idx="2"/>
+            </p:cNvCxnSpPr>
+            <p:nvPr/>
+          </p:nvCxnSpPr>
+          <p:spPr>
+            <a:xfrm flipH="1">
+              <a:off x="6228185" y="2901412"/>
+              <a:ext cx="1322775" cy="959189"/>
+            </a:xfrm>
+            <a:prstGeom prst="straightConnector1">
+              <a:avLst/>
+            </a:prstGeom>
+            <a:ln w="22225">
               <a:solidFill>
-                <a:schemeClr val="dk1"/>
+                <a:schemeClr val="tx1"/>
               </a:solidFill>
-            </a:endParaRPr>
-          </a:p>
-        </p:txBody>
-      </p:sp>
-      <p:sp>
-        <p:nvSpPr>
-          <p:cNvPr id="195" name="Ellipse 194"/>
-          <p:cNvSpPr/>
-          <p:nvPr/>
-        </p:nvSpPr>
-        <p:spPr>
-          <a:xfrm>
-            <a:off x="7565661" y="3255000"/>
-            <a:ext cx="1254811" cy="576065"/>
-          </a:xfrm>
-          <a:prstGeom prst="ellipse">
-            <a:avLst/>
-          </a:prstGeom>
-        </p:spPr>
-        <p:style>
-          <a:lnRef idx="2">
-            <a:schemeClr val="dk1"/>
-          </a:lnRef>
-          <a:fillRef idx="1">
-            <a:schemeClr val="lt1"/>
-          </a:fillRef>
-          <a:effectRef idx="0">
-            <a:schemeClr val="dk1"/>
-          </a:effectRef>
-          <a:fontRef idx="minor">
-            <a:schemeClr val="dk1"/>
-          </a:fontRef>
-        </p:style>
-        <p:txBody>
-          <a:bodyPr wrap="none" lIns="0" tIns="45707" rIns="0" bIns="45707" rtlCol="0" anchor="ctr"/>
-          <a:lstStyle/>
-          <a:p>
-            <a:pPr algn="ctr"/>
-            <a:r>
-              <a:rPr lang="en-US" sz="1600" dirty="0" smtClean="0"/>
-              <a:t>roleFPGA0.1</a:t>
-            </a:r>
-            <a:endParaRPr lang="en-US" dirty="0">
+              <a:prstDash val="sysDot"/>
+              <a:tailEnd type="arrow"/>
+            </a:ln>
+          </p:spPr>
+          <p:style>
+            <a:lnRef idx="1">
+              <a:schemeClr val="accent1"/>
+            </a:lnRef>
+            <a:fillRef idx="0">
+              <a:schemeClr val="accent1"/>
+            </a:fillRef>
+            <a:effectRef idx="0">
+              <a:schemeClr val="accent1"/>
+            </a:effectRef>
+            <a:fontRef idx="minor">
+              <a:schemeClr val="tx1"/>
+            </a:fontRef>
+          </p:style>
+        </p:cxnSp>
+        <p:cxnSp>
+          <p:nvCxnSpPr>
+            <p:cNvPr id="200" name="Connecteur droit avec flèche 199"/>
+            <p:cNvCxnSpPr>
+              <a:stCxn id="195" idx="2"/>
+              <a:endCxn id="52" idx="3"/>
+            </p:cNvCxnSpPr>
+            <p:nvPr/>
+          </p:nvCxnSpPr>
+          <p:spPr>
+            <a:xfrm flipH="1">
+              <a:off x="6228184" y="3543033"/>
+              <a:ext cx="1337477" cy="396027"/>
+            </a:xfrm>
+            <a:prstGeom prst="straightConnector1">
+              <a:avLst/>
+            </a:prstGeom>
+            <a:ln w="22225">
               <a:solidFill>
-                <a:schemeClr val="dk1"/>
+                <a:schemeClr val="tx1"/>
               </a:solidFill>
-            </a:endParaRPr>
-          </a:p>
-        </p:txBody>
-      </p:sp>
-      <p:sp>
-        <p:nvSpPr>
-          <p:cNvPr id="196" name="Ellipse 195"/>
-          <p:cNvSpPr/>
-          <p:nvPr/>
-        </p:nvSpPr>
-        <p:spPr>
-          <a:xfrm>
-            <a:off x="7544465" y="3939901"/>
-            <a:ext cx="1254811" cy="576065"/>
-          </a:xfrm>
-          <a:prstGeom prst="ellipse">
-            <a:avLst/>
-          </a:prstGeom>
-        </p:spPr>
-        <p:style>
-          <a:lnRef idx="2">
-            <a:schemeClr val="dk1"/>
-          </a:lnRef>
-          <a:fillRef idx="1">
-            <a:schemeClr val="lt1"/>
-          </a:fillRef>
-          <a:effectRef idx="0">
-            <a:schemeClr val="dk1"/>
-          </a:effectRef>
-          <a:fontRef idx="minor">
-            <a:schemeClr val="dk1"/>
-          </a:fontRef>
-        </p:style>
-        <p:txBody>
-          <a:bodyPr wrap="none" lIns="0" tIns="45707" rIns="0" bIns="45707" rtlCol="0" anchor="ctr"/>
-          <a:lstStyle/>
-          <a:p>
-            <a:pPr algn="ctr"/>
-            <a:r>
-              <a:rPr lang="en-US" sz="1600" dirty="0" smtClean="0"/>
-              <a:t>roleFPGA0.2</a:t>
-            </a:r>
-            <a:endParaRPr lang="en-US" dirty="0">
+              <a:prstDash val="sysDot"/>
+              <a:tailEnd type="arrow"/>
+            </a:ln>
+          </p:spPr>
+          <p:style>
+            <a:lnRef idx="1">
+              <a:schemeClr val="accent1"/>
+            </a:lnRef>
+            <a:fillRef idx="0">
+              <a:schemeClr val="accent1"/>
+            </a:fillRef>
+            <a:effectRef idx="0">
+              <a:schemeClr val="accent1"/>
+            </a:effectRef>
+            <a:fontRef idx="minor">
+              <a:schemeClr val="tx1"/>
+            </a:fontRef>
+          </p:style>
+        </p:cxnSp>
+        <p:cxnSp>
+          <p:nvCxnSpPr>
+            <p:cNvPr id="204" name="Connecteur droit avec flèche 203"/>
+            <p:cNvCxnSpPr>
+              <a:stCxn id="196" idx="2"/>
+            </p:cNvCxnSpPr>
+            <p:nvPr/>
+          </p:nvCxnSpPr>
+          <p:spPr>
+            <a:xfrm flipH="1" flipV="1">
+              <a:off x="6228185" y="4011068"/>
+              <a:ext cx="1316280" cy="216866"/>
+            </a:xfrm>
+            <a:prstGeom prst="straightConnector1">
+              <a:avLst/>
+            </a:prstGeom>
+            <a:ln w="22225">
               <a:solidFill>
-                <a:schemeClr val="dk1"/>
+                <a:schemeClr val="tx1"/>
               </a:solidFill>
-            </a:endParaRPr>
-          </a:p>
-        </p:txBody>
-      </p:sp>
-      <p:cxnSp>
-        <p:nvCxnSpPr>
-          <p:cNvPr id="197" name="Connecteur droit avec flèche 196"/>
-          <p:cNvCxnSpPr>
-            <a:stCxn id="194" idx="2"/>
-          </p:cNvCxnSpPr>
-          <p:nvPr/>
-        </p:nvCxnSpPr>
-        <p:spPr>
-          <a:xfrm flipH="1">
-            <a:off x="6228185" y="2901412"/>
-            <a:ext cx="1322775" cy="959189"/>
-          </a:xfrm>
-          <a:prstGeom prst="straightConnector1">
-            <a:avLst/>
-          </a:prstGeom>
-          <a:ln w="22225">
-            <a:solidFill>
+              <a:prstDash val="sysDot"/>
+              <a:tailEnd type="arrow"/>
+            </a:ln>
+          </p:spPr>
+          <p:style>
+            <a:lnRef idx="1">
+              <a:schemeClr val="accent1"/>
+            </a:lnRef>
+            <a:fillRef idx="0">
+              <a:schemeClr val="accent1"/>
+            </a:fillRef>
+            <a:effectRef idx="0">
+              <a:schemeClr val="accent1"/>
+            </a:effectRef>
+            <a:fontRef idx="minor">
               <a:schemeClr val="tx1"/>
-            </a:solidFill>
-            <a:prstDash val="sysDot"/>
-            <a:tailEnd type="arrow"/>
-          </a:ln>
-        </p:spPr>
-        <p:style>
-          <a:lnRef idx="1">
-            <a:schemeClr val="accent1"/>
-          </a:lnRef>
-          <a:fillRef idx="0">
-            <a:schemeClr val="accent1"/>
-          </a:fillRef>
-          <a:effectRef idx="0">
-            <a:schemeClr val="accent1"/>
-          </a:effectRef>
-          <a:fontRef idx="minor">
-            <a:schemeClr val="tx1"/>
-          </a:fontRef>
-        </p:style>
-      </p:cxnSp>
-      <p:cxnSp>
-        <p:nvCxnSpPr>
-          <p:cNvPr id="200" name="Connecteur droit avec flèche 199"/>
-          <p:cNvCxnSpPr>
-            <a:stCxn id="195" idx="2"/>
-            <a:endCxn id="52" idx="3"/>
-          </p:cNvCxnSpPr>
-          <p:nvPr/>
-        </p:nvCxnSpPr>
-        <p:spPr>
-          <a:xfrm flipH="1">
-            <a:off x="6228184" y="3543033"/>
-            <a:ext cx="1337477" cy="396027"/>
-          </a:xfrm>
-          <a:prstGeom prst="straightConnector1">
-            <a:avLst/>
-          </a:prstGeom>
-          <a:ln w="22225">
-            <a:solidFill>
-              <a:schemeClr val="tx1"/>
-            </a:solidFill>
-            <a:prstDash val="sysDot"/>
-            <a:tailEnd type="arrow"/>
-          </a:ln>
-        </p:spPr>
-        <p:style>
-          <a:lnRef idx="1">
-            <a:schemeClr val="accent1"/>
-          </a:lnRef>
-          <a:fillRef idx="0">
-            <a:schemeClr val="accent1"/>
-          </a:fillRef>
-          <a:effectRef idx="0">
-            <a:schemeClr val="accent1"/>
-          </a:effectRef>
-          <a:fontRef idx="minor">
-            <a:schemeClr val="tx1"/>
-          </a:fontRef>
-        </p:style>
-      </p:cxnSp>
-      <p:cxnSp>
-        <p:nvCxnSpPr>
-          <p:cNvPr id="204" name="Connecteur droit avec flèche 203"/>
-          <p:cNvCxnSpPr>
-            <a:stCxn id="196" idx="2"/>
-          </p:cNvCxnSpPr>
-          <p:nvPr/>
-        </p:nvCxnSpPr>
-        <p:spPr>
-          <a:xfrm flipH="1" flipV="1">
-            <a:off x="6228185" y="4011068"/>
-            <a:ext cx="1316280" cy="216866"/>
-          </a:xfrm>
-          <a:prstGeom prst="straightConnector1">
-            <a:avLst/>
-          </a:prstGeom>
-          <a:ln w="22225">
-            <a:solidFill>
-              <a:schemeClr val="tx1"/>
-            </a:solidFill>
-            <a:prstDash val="sysDot"/>
-            <a:tailEnd type="arrow"/>
-          </a:ln>
-        </p:spPr>
-        <p:style>
-          <a:lnRef idx="1">
-            <a:schemeClr val="accent1"/>
-          </a:lnRef>
-          <a:fillRef idx="0">
-            <a:schemeClr val="accent1"/>
-          </a:fillRef>
-          <a:effectRef idx="0">
-            <a:schemeClr val="accent1"/>
-          </a:effectRef>
-          <a:fontRef idx="minor">
-            <a:schemeClr val="tx1"/>
-          </a:fontRef>
-        </p:style>
-      </p:cxnSp>
-      <p:sp>
-        <p:nvSpPr>
-          <p:cNvPr id="225" name="Rectangle 224"/>
-          <p:cNvSpPr/>
-          <p:nvPr/>
-        </p:nvSpPr>
-        <p:spPr>
-          <a:xfrm>
-            <a:off x="1469716" y="2382491"/>
-            <a:ext cx="460382" cy="276999"/>
-          </a:xfrm>
-          <a:prstGeom prst="rect">
-            <a:avLst/>
-          </a:prstGeom>
-        </p:spPr>
-        <p:txBody>
-          <a:bodyPr wrap="none">
-            <a:spAutoFit/>
-          </a:bodyPr>
-          <a:lstStyle/>
-          <a:p>
-            <a:pPr algn="ctr"/>
-            <a:r>
-              <a:rPr lang="en-US" sz="1200" b="1" dirty="0"/>
-              <a:t> 0..1</a:t>
-            </a:r>
-            <a:endParaRPr lang="en-US" sz="1200" dirty="0"/>
-          </a:p>
-        </p:txBody>
-      </p:sp>
+            </a:fontRef>
+          </p:style>
+        </p:cxnSp>
+        <p:sp>
+          <p:nvSpPr>
+            <p:cNvPr id="225" name="Rectangle 224"/>
+            <p:cNvSpPr/>
+            <p:nvPr/>
+          </p:nvSpPr>
+          <p:spPr>
+            <a:xfrm>
+              <a:off x="1469716" y="2382491"/>
+              <a:ext cx="460382" cy="276999"/>
+            </a:xfrm>
+            <a:prstGeom prst="rect">
+              <a:avLst/>
+            </a:prstGeom>
+          </p:spPr>
+          <p:txBody>
+            <a:bodyPr wrap="none">
+              <a:spAutoFit/>
+            </a:bodyPr>
+            <a:lstStyle/>
+            <a:p>
+              <a:pPr algn="ctr"/>
+              <a:r>
+                <a:rPr lang="en-US" sz="1200" b="1" dirty="0"/>
+                <a:t> 0..1</a:t>
+              </a:r>
+              <a:endParaRPr lang="en-US" sz="1200" dirty="0"/>
+            </a:p>
+          </p:txBody>
+        </p:sp>
+      </p:grpSp>
     </p:spTree>
     <p:extLst>
       <p:ext uri="{BB962C8B-B14F-4D97-AF65-F5344CB8AC3E}">
